--- a/Презентация3.pptx
+++ b/Презентация3.pptx
@@ -21,28 +21,29 @@
     <p:sldId id="262" r:id="rId15"/>
     <p:sldId id="263" r:id="rId16"/>
     <p:sldId id="264" r:id="rId17"/>
-    <p:sldId id="265" r:id="rId18"/>
-    <p:sldId id="266" r:id="rId19"/>
-    <p:sldId id="267" r:id="rId20"/>
-    <p:sldId id="268" r:id="rId21"/>
-    <p:sldId id="269" r:id="rId22"/>
-    <p:sldId id="291" r:id="rId23"/>
-    <p:sldId id="292" r:id="rId24"/>
-    <p:sldId id="293" r:id="rId25"/>
-    <p:sldId id="294" r:id="rId26"/>
-    <p:sldId id="295" r:id="rId27"/>
-    <p:sldId id="270" r:id="rId28"/>
-    <p:sldId id="271" r:id="rId29"/>
-    <p:sldId id="272" r:id="rId30"/>
-    <p:sldId id="281" r:id="rId31"/>
-    <p:sldId id="282" r:id="rId32"/>
-    <p:sldId id="274" r:id="rId33"/>
-    <p:sldId id="275" r:id="rId34"/>
-    <p:sldId id="276" r:id="rId35"/>
-    <p:sldId id="277" r:id="rId36"/>
-    <p:sldId id="278" r:id="rId37"/>
-    <p:sldId id="279" r:id="rId38"/>
-    <p:sldId id="280" r:id="rId39"/>
+    <p:sldId id="296" r:id="rId18"/>
+    <p:sldId id="265" r:id="rId19"/>
+    <p:sldId id="266" r:id="rId20"/>
+    <p:sldId id="267" r:id="rId21"/>
+    <p:sldId id="268" r:id="rId22"/>
+    <p:sldId id="269" r:id="rId23"/>
+    <p:sldId id="291" r:id="rId24"/>
+    <p:sldId id="292" r:id="rId25"/>
+    <p:sldId id="293" r:id="rId26"/>
+    <p:sldId id="294" r:id="rId27"/>
+    <p:sldId id="295" r:id="rId28"/>
+    <p:sldId id="270" r:id="rId29"/>
+    <p:sldId id="271" r:id="rId30"/>
+    <p:sldId id="272" r:id="rId31"/>
+    <p:sldId id="281" r:id="rId32"/>
+    <p:sldId id="282" r:id="rId33"/>
+    <p:sldId id="274" r:id="rId34"/>
+    <p:sldId id="275" r:id="rId35"/>
+    <p:sldId id="276" r:id="rId36"/>
+    <p:sldId id="277" r:id="rId37"/>
+    <p:sldId id="278" r:id="rId38"/>
+    <p:sldId id="279" r:id="rId39"/>
+    <p:sldId id="280" r:id="rId40"/>
   </p:sldIdLst>
   <p:sldSz cx="12192000" cy="6858000"/>
   <p:notesSz cx="6858000" cy="9144000"/>
@@ -280,7 +281,7 @@
           <a:p>
             <a:fld id="{84AFDF6C-2EBD-4BB9-9FA9-CCEEFBA4FF24}" type="datetimeFigureOut">
               <a:rPr lang="ru-RU" smtClean="0"/>
-              <a:t>26.09.2023</a:t>
+              <a:t>04.10.2023</a:t>
             </a:fld>
             <a:endParaRPr lang="ru-RU"/>
           </a:p>
@@ -450,7 +451,7 @@
           <a:p>
             <a:fld id="{84AFDF6C-2EBD-4BB9-9FA9-CCEEFBA4FF24}" type="datetimeFigureOut">
               <a:rPr lang="ru-RU" smtClean="0"/>
-              <a:t>26.09.2023</a:t>
+              <a:t>04.10.2023</a:t>
             </a:fld>
             <a:endParaRPr lang="ru-RU"/>
           </a:p>
@@ -630,7 +631,7 @@
           <a:p>
             <a:fld id="{84AFDF6C-2EBD-4BB9-9FA9-CCEEFBA4FF24}" type="datetimeFigureOut">
               <a:rPr lang="ru-RU" smtClean="0"/>
-              <a:t>26.09.2023</a:t>
+              <a:t>04.10.2023</a:t>
             </a:fld>
             <a:endParaRPr lang="ru-RU"/>
           </a:p>
@@ -800,7 +801,7 @@
           <a:p>
             <a:fld id="{84AFDF6C-2EBD-4BB9-9FA9-CCEEFBA4FF24}" type="datetimeFigureOut">
               <a:rPr lang="ru-RU" smtClean="0"/>
-              <a:t>26.09.2023</a:t>
+              <a:t>04.10.2023</a:t>
             </a:fld>
             <a:endParaRPr lang="ru-RU"/>
           </a:p>
@@ -1046,7 +1047,7 @@
           <a:p>
             <a:fld id="{84AFDF6C-2EBD-4BB9-9FA9-CCEEFBA4FF24}" type="datetimeFigureOut">
               <a:rPr lang="ru-RU" smtClean="0"/>
-              <a:t>26.09.2023</a:t>
+              <a:t>04.10.2023</a:t>
             </a:fld>
             <a:endParaRPr lang="ru-RU"/>
           </a:p>
@@ -1278,7 +1279,7 @@
           <a:p>
             <a:fld id="{84AFDF6C-2EBD-4BB9-9FA9-CCEEFBA4FF24}" type="datetimeFigureOut">
               <a:rPr lang="ru-RU" smtClean="0"/>
-              <a:t>26.09.2023</a:t>
+              <a:t>04.10.2023</a:t>
             </a:fld>
             <a:endParaRPr lang="ru-RU"/>
           </a:p>
@@ -1645,7 +1646,7 @@
           <a:p>
             <a:fld id="{84AFDF6C-2EBD-4BB9-9FA9-CCEEFBA4FF24}" type="datetimeFigureOut">
               <a:rPr lang="ru-RU" smtClean="0"/>
-              <a:t>26.09.2023</a:t>
+              <a:t>04.10.2023</a:t>
             </a:fld>
             <a:endParaRPr lang="ru-RU"/>
           </a:p>
@@ -1763,7 +1764,7 @@
           <a:p>
             <a:fld id="{84AFDF6C-2EBD-4BB9-9FA9-CCEEFBA4FF24}" type="datetimeFigureOut">
               <a:rPr lang="ru-RU" smtClean="0"/>
-              <a:t>26.09.2023</a:t>
+              <a:t>04.10.2023</a:t>
             </a:fld>
             <a:endParaRPr lang="ru-RU"/>
           </a:p>
@@ -1858,7 +1859,7 @@
           <a:p>
             <a:fld id="{84AFDF6C-2EBD-4BB9-9FA9-CCEEFBA4FF24}" type="datetimeFigureOut">
               <a:rPr lang="ru-RU" smtClean="0"/>
-              <a:t>26.09.2023</a:t>
+              <a:t>04.10.2023</a:t>
             </a:fld>
             <a:endParaRPr lang="ru-RU"/>
           </a:p>
@@ -2135,7 +2136,7 @@
           <a:p>
             <a:fld id="{84AFDF6C-2EBD-4BB9-9FA9-CCEEFBA4FF24}" type="datetimeFigureOut">
               <a:rPr lang="ru-RU" smtClean="0"/>
-              <a:t>26.09.2023</a:t>
+              <a:t>04.10.2023</a:t>
             </a:fld>
             <a:endParaRPr lang="ru-RU"/>
           </a:p>
@@ -2388,7 +2389,7 @@
           <a:p>
             <a:fld id="{84AFDF6C-2EBD-4BB9-9FA9-CCEEFBA4FF24}" type="datetimeFigureOut">
               <a:rPr lang="ru-RU" smtClean="0"/>
-              <a:t>26.09.2023</a:t>
+              <a:t>04.10.2023</a:t>
             </a:fld>
             <a:endParaRPr lang="ru-RU"/>
           </a:p>
@@ -2601,7 +2602,7 @@
           <a:p>
             <a:fld id="{84AFDF6C-2EBD-4BB9-9FA9-CCEEFBA4FF24}" type="datetimeFigureOut">
               <a:rPr lang="ru-RU" smtClean="0"/>
-              <a:t>26.09.2023</a:t>
+              <a:t>04.10.2023</a:t>
             </a:fld>
             <a:endParaRPr lang="ru-RU"/>
           </a:p>
@@ -4928,6 +4929,465 @@
           <a:lstStyle/>
           <a:p>
             <a:r>
+              <a:rPr lang="ru-RU" dirty="0" smtClean="0"/>
+              <a:t>Метод </a:t>
+            </a:r>
+            <a:r>
+              <a:rPr lang="en-US" dirty="0" smtClean="0">
+                <a:solidFill>
+                  <a:srgbClr val="FF0000"/>
+                </a:solidFill>
+              </a:rPr>
+              <a:t>index()</a:t>
+            </a:r>
+            <a:endParaRPr lang="ru-RU" dirty="0">
+              <a:solidFill>
+                <a:srgbClr val="FF0000"/>
+              </a:solidFill>
+            </a:endParaRPr>
+          </a:p>
+        </p:txBody>
+      </p:sp>
+      <p:sp>
+        <p:nvSpPr>
+          <p:cNvPr id="3" name="Объект 2"/>
+          <p:cNvSpPr>
+            <a:spLocks noGrp="1"/>
+          </p:cNvSpPr>
+          <p:nvPr>
+            <p:ph idx="1"/>
+          </p:nvPr>
+        </p:nvSpPr>
+        <p:spPr/>
+        <p:txBody>
+          <a:bodyPr>
+            <a:normAutofit fontScale="92500" lnSpcReduction="10000"/>
+          </a:bodyPr>
+          <a:lstStyle/>
+          <a:p>
+            <a:pPr marL="0" indent="0">
+              <a:buNone/>
+            </a:pPr>
+            <a:r>
+              <a:rPr lang="ru-RU" dirty="0"/>
+              <a:t>Метод </a:t>
+            </a:r>
+            <a:r>
+              <a:rPr lang="ru-RU" dirty="0" err="1"/>
+              <a:t>index</a:t>
+            </a:r>
+            <a:r>
+              <a:rPr lang="ru-RU" dirty="0"/>
+              <a:t>() возвращает индекс указанного элемента в списке.</a:t>
+            </a:r>
+            <a:r>
+              <a:rPr lang="ru-RU" dirty="0"/>
+              <a:t/>
+            </a:r>
+            <a:br>
+              <a:rPr lang="ru-RU" dirty="0"/>
+            </a:br>
+            <a:r>
+              <a:rPr lang="ru-RU" dirty="0" err="1">
+                <a:solidFill>
+                  <a:srgbClr val="FF0000"/>
+                </a:solidFill>
+              </a:rPr>
+              <a:t>motorcycles</a:t>
+            </a:r>
+            <a:r>
+              <a:rPr lang="ru-RU" dirty="0">
+                <a:solidFill>
+                  <a:srgbClr val="FF0000"/>
+                </a:solidFill>
+              </a:rPr>
+              <a:t> = ['</a:t>
+            </a:r>
+            <a:r>
+              <a:rPr lang="ru-RU" dirty="0" err="1">
+                <a:solidFill>
+                  <a:srgbClr val="FF0000"/>
+                </a:solidFill>
+              </a:rPr>
+              <a:t>honda</a:t>
+            </a:r>
+            <a:r>
+              <a:rPr lang="ru-RU" dirty="0">
+                <a:solidFill>
+                  <a:srgbClr val="FF0000"/>
+                </a:solidFill>
+              </a:rPr>
+              <a:t>', '</a:t>
+            </a:r>
+            <a:r>
+              <a:rPr lang="ru-RU" dirty="0" err="1">
+                <a:solidFill>
+                  <a:srgbClr val="FF0000"/>
+                </a:solidFill>
+              </a:rPr>
+              <a:t>yamaha</a:t>
+            </a:r>
+            <a:r>
+              <a:rPr lang="ru-RU" dirty="0">
+                <a:solidFill>
+                  <a:srgbClr val="FF0000"/>
+                </a:solidFill>
+              </a:rPr>
+              <a:t>', '</a:t>
+            </a:r>
+            <a:r>
+              <a:rPr lang="ru-RU" dirty="0" err="1">
+                <a:solidFill>
+                  <a:srgbClr val="FF0000"/>
+                </a:solidFill>
+              </a:rPr>
+              <a:t>suzuki</a:t>
+            </a:r>
+            <a:r>
+              <a:rPr lang="ru-RU" dirty="0">
+                <a:solidFill>
+                  <a:srgbClr val="FF0000"/>
+                </a:solidFill>
+              </a:rPr>
+              <a:t>'] </a:t>
+            </a:r>
+            <a:endParaRPr lang="en-US" dirty="0">
+              <a:solidFill>
+                <a:srgbClr val="FF0000"/>
+              </a:solidFill>
+            </a:endParaRPr>
+          </a:p>
+          <a:p>
+            <a:pPr marL="0" indent="0">
+              <a:buNone/>
+            </a:pPr>
+            <a:r>
+              <a:rPr lang="en-US" dirty="0" smtClean="0">
+                <a:solidFill>
+                  <a:srgbClr val="FF0000"/>
+                </a:solidFill>
+              </a:rPr>
+              <a:t>index = </a:t>
+            </a:r>
+            <a:r>
+              <a:rPr lang="ru-RU" dirty="0" err="1" smtClean="0">
+                <a:solidFill>
+                  <a:srgbClr val="FF0000"/>
+                </a:solidFill>
+              </a:rPr>
+              <a:t>motorcycles</a:t>
+            </a:r>
+            <a:r>
+              <a:rPr lang="en-US" dirty="0" smtClean="0">
+                <a:solidFill>
+                  <a:srgbClr val="FF0000"/>
+                </a:solidFill>
+              </a:rPr>
+              <a:t>.index('</a:t>
+            </a:r>
+            <a:r>
+              <a:rPr lang="ru-RU" dirty="0" err="1" smtClean="0">
+                <a:solidFill>
+                  <a:srgbClr val="FF0000"/>
+                </a:solidFill>
+              </a:rPr>
+              <a:t>yamaha</a:t>
+            </a:r>
+            <a:r>
+              <a:rPr lang="en-US" dirty="0" smtClean="0">
+                <a:solidFill>
+                  <a:srgbClr val="FF0000"/>
+                </a:solidFill>
+              </a:rPr>
+              <a:t>')</a:t>
+            </a:r>
+            <a:r>
+              <a:rPr lang="en-US" dirty="0" smtClean="0"/>
+              <a:t/>
+            </a:r>
+            <a:br>
+              <a:rPr lang="en-US" dirty="0" smtClean="0"/>
+            </a:br>
+            <a:r>
+              <a:rPr lang="en-US" dirty="0" smtClean="0">
+                <a:solidFill>
+                  <a:srgbClr val="00B050"/>
+                </a:solidFill>
+              </a:rPr>
+              <a:t>print(</a:t>
+            </a:r>
+            <a:r>
+              <a:rPr lang="en-US" dirty="0">
+                <a:solidFill>
+                  <a:srgbClr val="00B050"/>
+                </a:solidFill>
+              </a:rPr>
+              <a:t>index</a:t>
+            </a:r>
+            <a:r>
+              <a:rPr lang="en-US" dirty="0" smtClean="0">
+                <a:solidFill>
+                  <a:srgbClr val="00B050"/>
+                </a:solidFill>
+              </a:rPr>
+              <a:t>)</a:t>
+            </a:r>
+          </a:p>
+          <a:p>
+            <a:pPr marL="0" indent="0">
+              <a:buNone/>
+            </a:pPr>
+            <a:endParaRPr lang="en-US" dirty="0" smtClean="0">
+              <a:solidFill>
+                <a:srgbClr val="00B050"/>
+              </a:solidFill>
+            </a:endParaRPr>
+          </a:p>
+          <a:p>
+            <a:pPr marL="0" indent="0">
+              <a:buNone/>
+            </a:pPr>
+            <a:endParaRPr lang="en-US" dirty="0">
+              <a:solidFill>
+                <a:srgbClr val="00B050"/>
+              </a:solidFill>
+            </a:endParaRPr>
+          </a:p>
+          <a:p>
+            <a:pPr marL="0" indent="0">
+              <a:buNone/>
+            </a:pPr>
+            <a:r>
+              <a:rPr lang="en-US" dirty="0" err="1">
+                <a:solidFill>
+                  <a:srgbClr val="0070C0"/>
+                </a:solidFill>
+              </a:rPr>
+              <a:t>list.index</a:t>
+            </a:r>
+            <a:r>
+              <a:rPr lang="en-US" dirty="0">
+                <a:solidFill>
+                  <a:srgbClr val="0070C0"/>
+                </a:solidFill>
+              </a:rPr>
+              <a:t>(element, </a:t>
+            </a:r>
+            <a:r>
+              <a:rPr lang="en-US" dirty="0" smtClean="0">
+                <a:solidFill>
+                  <a:srgbClr val="0070C0"/>
+                </a:solidFill>
+              </a:rPr>
+              <a:t>start</a:t>
+            </a:r>
+            <a:r>
+              <a:rPr lang="en-US" dirty="0">
+                <a:solidFill>
+                  <a:srgbClr val="0070C0"/>
+                </a:solidFill>
+              </a:rPr>
+              <a:t>, end</a:t>
+            </a:r>
+            <a:r>
+              <a:rPr lang="en-US" dirty="0" smtClean="0">
+                <a:solidFill>
+                  <a:srgbClr val="0070C0"/>
+                </a:solidFill>
+              </a:rPr>
+              <a:t>)</a:t>
+            </a:r>
+            <a:endParaRPr lang="ru-RU" dirty="0" smtClean="0">
+              <a:solidFill>
+                <a:srgbClr val="0070C0"/>
+              </a:solidFill>
+            </a:endParaRPr>
+          </a:p>
+          <a:p>
+            <a:pPr marL="0" indent="0">
+              <a:buNone/>
+            </a:pPr>
+            <a:r>
+              <a:rPr lang="en-US" dirty="0" smtClean="0">
+                <a:solidFill>
+                  <a:srgbClr val="FF0000"/>
+                </a:solidFill>
+              </a:rPr>
+              <a:t>other </a:t>
+            </a:r>
+            <a:r>
+              <a:rPr lang="en-US" dirty="0">
+                <a:solidFill>
+                  <a:srgbClr val="FF0000"/>
+                </a:solidFill>
+              </a:rPr>
+              <a:t>= ['a', 'e', '</a:t>
+            </a:r>
+            <a:r>
+              <a:rPr lang="en-US" dirty="0" err="1">
+                <a:solidFill>
+                  <a:srgbClr val="FF0000"/>
+                </a:solidFill>
+              </a:rPr>
+              <a:t>i</a:t>
+            </a:r>
+            <a:r>
+              <a:rPr lang="en-US" dirty="0">
+                <a:solidFill>
+                  <a:srgbClr val="FF0000"/>
+                </a:solidFill>
+              </a:rPr>
+              <a:t>', 'o', 'g', 'l', '</a:t>
+            </a:r>
+            <a:r>
+              <a:rPr lang="en-US" dirty="0" err="1">
+                <a:solidFill>
+                  <a:srgbClr val="FF0000"/>
+                </a:solidFill>
+              </a:rPr>
+              <a:t>i</a:t>
+            </a:r>
+            <a:r>
+              <a:rPr lang="en-US" dirty="0">
+                <a:solidFill>
+                  <a:srgbClr val="FF0000"/>
+                </a:solidFill>
+              </a:rPr>
+              <a:t>', 'u</a:t>
+            </a:r>
+            <a:r>
+              <a:rPr lang="en-US" dirty="0" smtClean="0">
+                <a:solidFill>
+                  <a:srgbClr val="FF0000"/>
+                </a:solidFill>
+              </a:rPr>
+              <a:t>']</a:t>
+            </a:r>
+            <a:endParaRPr lang="ru-RU" dirty="0" smtClean="0">
+              <a:solidFill>
+                <a:srgbClr val="FF0000"/>
+              </a:solidFill>
+            </a:endParaRPr>
+          </a:p>
+          <a:p>
+            <a:pPr marL="0" indent="0">
+              <a:buNone/>
+            </a:pPr>
+            <a:r>
+              <a:rPr lang="en-US" dirty="0">
+                <a:solidFill>
+                  <a:srgbClr val="FF0000"/>
+                </a:solidFill>
+              </a:rPr>
+              <a:t>index = </a:t>
+            </a:r>
+            <a:r>
+              <a:rPr lang="en-US" dirty="0">
+                <a:solidFill>
+                  <a:srgbClr val="FF0000"/>
+                </a:solidFill>
+              </a:rPr>
+              <a:t>other</a:t>
+            </a:r>
+            <a:r>
+              <a:rPr lang="en-US" dirty="0" smtClean="0">
+                <a:solidFill>
+                  <a:srgbClr val="FF0000"/>
+                </a:solidFill>
+              </a:rPr>
+              <a:t>(</a:t>
+            </a:r>
+            <a:r>
+              <a:rPr lang="en-US" dirty="0">
+                <a:solidFill>
+                  <a:srgbClr val="FF0000"/>
+                </a:solidFill>
+              </a:rPr>
+              <a:t>'</a:t>
+            </a:r>
+            <a:r>
+              <a:rPr lang="en-US" dirty="0" err="1">
+                <a:solidFill>
+                  <a:srgbClr val="FF0000"/>
+                </a:solidFill>
+              </a:rPr>
+              <a:t>i</a:t>
+            </a:r>
+            <a:r>
+              <a:rPr lang="en-US" dirty="0">
+                <a:solidFill>
+                  <a:srgbClr val="FF0000"/>
+                </a:solidFill>
+              </a:rPr>
+              <a:t>', 4) </a:t>
+            </a:r>
+            <a:endParaRPr lang="ru-RU" dirty="0">
+              <a:solidFill>
+                <a:srgbClr val="FF0000"/>
+              </a:solidFill>
+            </a:endParaRPr>
+          </a:p>
+          <a:p>
+            <a:pPr marL="0" indent="0">
+              <a:buNone/>
+            </a:pPr>
+            <a:r>
+              <a:rPr lang="en-US" dirty="0" smtClean="0">
+                <a:solidFill>
+                  <a:srgbClr val="00B050"/>
+                </a:solidFill>
+              </a:rPr>
+              <a:t>print(index)</a:t>
+            </a:r>
+          </a:p>
+        </p:txBody>
+      </p:sp>
+    </p:spTree>
+    <p:extLst>
+      <p:ext uri="{BB962C8B-B14F-4D97-AF65-F5344CB8AC3E}">
+        <p14:creationId xmlns:p14="http://schemas.microsoft.com/office/powerpoint/2010/main" val="2746650990"/>
+      </p:ext>
+    </p:extLst>
+  </p:cSld>
+  <p:clrMapOvr>
+    <a:masterClrMapping/>
+  </p:clrMapOvr>
+</p:sld>
+</file>
+
+<file path=ppt/slides/slide18.xml><?xml version="1.0" encoding="utf-8"?>
+<p:sld xmlns:a="http://schemas.openxmlformats.org/drawingml/2006/main" xmlns:r="http://schemas.openxmlformats.org/officeDocument/2006/relationships" xmlns:p="http://schemas.openxmlformats.org/presentationml/2006/main">
+  <p:cSld>
+    <p:spTree>
+      <p:nvGrpSpPr>
+        <p:cNvPr id="1" name=""/>
+        <p:cNvGrpSpPr/>
+        <p:nvPr/>
+      </p:nvGrpSpPr>
+      <p:grpSpPr>
+        <a:xfrm>
+          <a:off x="0" y="0"/>
+          <a:ext cx="0" cy="0"/>
+          <a:chOff x="0" y="0"/>
+          <a:chExt cx="0" cy="0"/>
+        </a:xfrm>
+      </p:grpSpPr>
+      <p:sp>
+        <p:nvSpPr>
+          <p:cNvPr id="2" name="Заголовок 1"/>
+          <p:cNvSpPr>
+            <a:spLocks noGrp="1"/>
+          </p:cNvSpPr>
+          <p:nvPr>
+            <p:ph type="title"/>
+          </p:nvPr>
+        </p:nvSpPr>
+        <p:spPr/>
+        <p:txBody>
+          <a:bodyPr/>
+          <a:lstStyle/>
+          <a:p>
+            <a:r>
               <a:rPr lang="ru-RU" dirty="0">
                 <a:solidFill>
                   <a:srgbClr val="FF0000"/>
@@ -5251,7 +5711,7 @@
 </p:sld>
 </file>
 
-<file path=ppt/slides/slide18.xml><?xml version="1.0" encoding="utf-8"?>
+<file path=ppt/slides/slide19.xml><?xml version="1.0" encoding="utf-8"?>
 <p:sld xmlns:a="http://schemas.openxmlformats.org/drawingml/2006/main" xmlns:r="http://schemas.openxmlformats.org/officeDocument/2006/relationships" xmlns:p="http://schemas.openxmlformats.org/presentationml/2006/main">
   <p:cSld>
     <p:spTree>
@@ -5413,7 +5873,7 @@
               <a:t>= </a:t>
             </a:r>
             <a:r>
-              <a:rPr lang="en-US" sz="2400" dirty="0" err="1">
+              <a:rPr lang="en-US" sz="2400" dirty="0" err="1" smtClean="0">
                 <a:solidFill>
                   <a:srgbClr val="FF0000"/>
                 </a:solidFill>
@@ -5421,12 +5881,28 @@
               <a:t>motorcycles.pop</a:t>
             </a:r>
             <a:r>
-              <a:rPr lang="en-US" sz="2400" dirty="0">
-                <a:solidFill>
-                  <a:srgbClr val="FF0000"/>
-                </a:solidFill>
-              </a:rPr>
-              <a:t>(0) </a:t>
+              <a:rPr lang="en-US" sz="2400" dirty="0" smtClean="0">
+                <a:solidFill>
+                  <a:srgbClr val="FF0000"/>
+                </a:solidFill>
+              </a:rPr>
+              <a:t>(</a:t>
+            </a:r>
+            <a:r>
+              <a:rPr lang="ru-RU" sz="2400" dirty="0" smtClean="0">
+                <a:solidFill>
+                  <a:srgbClr val="FF0000"/>
+                </a:solidFill>
+              </a:rPr>
+              <a:t>1</a:t>
+            </a:r>
+            <a:r>
+              <a:rPr lang="en-US" sz="2400" dirty="0" smtClean="0">
+                <a:solidFill>
+                  <a:srgbClr val="FF0000"/>
+                </a:solidFill>
+              </a:rPr>
+              <a:t>) </a:t>
             </a:r>
             <a:endParaRPr lang="ru-RU" sz="2400" dirty="0">
               <a:solidFill>
@@ -5471,7 +5947,7 @@
               <a:t>first motorcycle I owned was a {</a:t>
             </a:r>
             <a:r>
-              <a:rPr lang="en-US" sz="2400" dirty="0" err="1">
+              <a:rPr lang="en-US" sz="2400" dirty="0" err="1" smtClean="0">
                 <a:solidFill>
                   <a:srgbClr val="92D050"/>
                 </a:solidFill>
@@ -5484,31 +5960,21 @@
                   <a:srgbClr val="92D050"/>
                 </a:solidFill>
               </a:rPr>
-              <a:t>()}.")</a:t>
+              <a:t>()}."</a:t>
+            </a:r>
+            <a:r>
+              <a:rPr lang="ru-RU" sz="2400" dirty="0" smtClean="0">
+                <a:solidFill>
+                  <a:srgbClr val="92D050"/>
+                </a:solidFill>
+              </a:rPr>
+              <a:t>)</a:t>
             </a:r>
             <a:endParaRPr lang="ru-RU" sz="2400" dirty="0" smtClean="0">
               <a:solidFill>
                 <a:srgbClr val="92D050"/>
               </a:solidFill>
             </a:endParaRPr>
-          </a:p>
-          <a:p>
-            <a:pPr marL="0" indent="0">
-              <a:buNone/>
-            </a:pPr>
-            <a:r>
-              <a:rPr lang="ru-RU" sz="2400" dirty="0" smtClean="0"/>
-              <a:t>Что будет в </a:t>
-            </a:r>
-            <a:r>
-              <a:rPr lang="ru-RU" sz="2400" dirty="0" err="1" smtClean="0"/>
-              <a:t>принте</a:t>
-            </a:r>
-            <a:r>
-              <a:rPr lang="ru-RU" sz="2400" dirty="0" smtClean="0"/>
-              <a:t>?</a:t>
-            </a:r>
-            <a:endParaRPr lang="ru-RU" sz="2400" dirty="0"/>
           </a:p>
         </p:txBody>
       </p:sp>
@@ -5516,276 +5982,6 @@
     <p:extLst>
       <p:ext uri="{BB962C8B-B14F-4D97-AF65-F5344CB8AC3E}">
         <p14:creationId xmlns:p14="http://schemas.microsoft.com/office/powerpoint/2010/main" val="3570678644"/>
-      </p:ext>
-    </p:extLst>
-  </p:cSld>
-  <p:clrMapOvr>
-    <a:masterClrMapping/>
-  </p:clrMapOvr>
-</p:sld>
-</file>
-
-<file path=ppt/slides/slide19.xml><?xml version="1.0" encoding="utf-8"?>
-<p:sld xmlns:a="http://schemas.openxmlformats.org/drawingml/2006/main" xmlns:r="http://schemas.openxmlformats.org/officeDocument/2006/relationships" xmlns:p="http://schemas.openxmlformats.org/presentationml/2006/main">
-  <p:cSld>
-    <p:spTree>
-      <p:nvGrpSpPr>
-        <p:cNvPr id="1" name=""/>
-        <p:cNvGrpSpPr/>
-        <p:nvPr/>
-      </p:nvGrpSpPr>
-      <p:grpSpPr>
-        <a:xfrm>
-          <a:off x="0" y="0"/>
-          <a:ext cx="0" cy="0"/>
-          <a:chOff x="0" y="0"/>
-          <a:chExt cx="0" cy="0"/>
-        </a:xfrm>
-      </p:grpSpPr>
-      <p:sp>
-        <p:nvSpPr>
-          <p:cNvPr id="2" name="Заголовок 1"/>
-          <p:cNvSpPr>
-            <a:spLocks noGrp="1"/>
-          </p:cNvSpPr>
-          <p:nvPr>
-            <p:ph type="title"/>
-          </p:nvPr>
-        </p:nvSpPr>
-        <p:spPr/>
-        <p:txBody>
-          <a:bodyPr/>
-          <a:lstStyle/>
-          <a:p>
-            <a:r>
-              <a:rPr lang="ru-RU" dirty="0">
-                <a:solidFill>
-                  <a:srgbClr val="FF0000"/>
-                </a:solidFill>
-              </a:rPr>
-              <a:t>Удаление элементов по значению</a:t>
-            </a:r>
-          </a:p>
-        </p:txBody>
-      </p:sp>
-      <p:sp>
-        <p:nvSpPr>
-          <p:cNvPr id="3" name="Объект 2"/>
-          <p:cNvSpPr>
-            <a:spLocks noGrp="1"/>
-          </p:cNvSpPr>
-          <p:nvPr>
-            <p:ph idx="1"/>
-          </p:nvPr>
-        </p:nvSpPr>
-        <p:spPr/>
-        <p:txBody>
-          <a:bodyPr/>
-          <a:lstStyle/>
-          <a:p>
-            <a:pPr marL="0" indent="0">
-              <a:buNone/>
-            </a:pPr>
-            <a:r>
-              <a:rPr lang="ru-RU" dirty="0"/>
-              <a:t>Иногда позиция удаляемого элемента неизвестна. Если вы знаете только значение элемента, используйте метод </a:t>
-            </a:r>
-            <a:r>
-              <a:rPr lang="en-US" dirty="0"/>
-              <a:t>remove</a:t>
-            </a:r>
-            <a:r>
-              <a:rPr lang="en-US" dirty="0" smtClean="0"/>
-              <a:t>().</a:t>
-            </a:r>
-            <a:endParaRPr lang="ru-RU" dirty="0" smtClean="0"/>
-          </a:p>
-          <a:p>
-            <a:pPr marL="0" indent="0">
-              <a:buNone/>
-            </a:pPr>
-            <a:r>
-              <a:rPr lang="ru-RU" dirty="0" smtClean="0"/>
-              <a:t>Допустим</a:t>
-            </a:r>
-            <a:r>
-              <a:rPr lang="ru-RU" dirty="0"/>
-              <a:t>, из списка нужно удалить значение '</a:t>
-            </a:r>
-            <a:r>
-              <a:rPr lang="en-US" dirty="0" err="1"/>
-              <a:t>ducati</a:t>
-            </a:r>
-            <a:r>
-              <a:rPr lang="en-US" dirty="0" smtClean="0"/>
-              <a:t>':</a:t>
-            </a:r>
-            <a:endParaRPr lang="ru-RU" dirty="0" smtClean="0"/>
-          </a:p>
-          <a:p>
-            <a:pPr marL="0" indent="0">
-              <a:buNone/>
-            </a:pPr>
-            <a:r>
-              <a:rPr lang="en-US" dirty="0" smtClean="0">
-                <a:solidFill>
-                  <a:srgbClr val="FF0000"/>
-                </a:solidFill>
-              </a:rPr>
-              <a:t>motorcycles </a:t>
-            </a:r>
-            <a:r>
-              <a:rPr lang="en-US" dirty="0">
-                <a:solidFill>
-                  <a:srgbClr val="FF0000"/>
-                </a:solidFill>
-              </a:rPr>
-              <a:t>= ['</a:t>
-            </a:r>
-            <a:r>
-              <a:rPr lang="en-US" dirty="0" err="1">
-                <a:solidFill>
-                  <a:srgbClr val="FF0000"/>
-                </a:solidFill>
-              </a:rPr>
-              <a:t>honda</a:t>
-            </a:r>
-            <a:r>
-              <a:rPr lang="en-US" dirty="0">
-                <a:solidFill>
-                  <a:srgbClr val="FF0000"/>
-                </a:solidFill>
-              </a:rPr>
-              <a:t>', '</a:t>
-            </a:r>
-            <a:r>
-              <a:rPr lang="en-US" dirty="0" err="1">
-                <a:solidFill>
-                  <a:srgbClr val="FF0000"/>
-                </a:solidFill>
-              </a:rPr>
-              <a:t>yamaha</a:t>
-            </a:r>
-            <a:r>
-              <a:rPr lang="en-US" dirty="0">
-                <a:solidFill>
-                  <a:srgbClr val="FF0000"/>
-                </a:solidFill>
-              </a:rPr>
-              <a:t>', '</a:t>
-            </a:r>
-            <a:r>
-              <a:rPr lang="en-US" dirty="0" err="1">
-                <a:solidFill>
-                  <a:srgbClr val="FF0000"/>
-                </a:solidFill>
-              </a:rPr>
-              <a:t>suzuki</a:t>
-            </a:r>
-            <a:r>
-              <a:rPr lang="en-US" dirty="0">
-                <a:solidFill>
-                  <a:srgbClr val="FF0000"/>
-                </a:solidFill>
-              </a:rPr>
-              <a:t>', '</a:t>
-            </a:r>
-            <a:r>
-              <a:rPr lang="en-US" dirty="0" err="1">
-                <a:solidFill>
-                  <a:srgbClr val="FF0000"/>
-                </a:solidFill>
-              </a:rPr>
-              <a:t>ducati</a:t>
-            </a:r>
-            <a:r>
-              <a:rPr lang="en-US" dirty="0" smtClean="0">
-                <a:solidFill>
-                  <a:srgbClr val="FF0000"/>
-                </a:solidFill>
-              </a:rPr>
-              <a:t>']</a:t>
-            </a:r>
-            <a:endParaRPr lang="ru-RU" dirty="0" smtClean="0">
-              <a:solidFill>
-                <a:srgbClr val="FF0000"/>
-              </a:solidFill>
-            </a:endParaRPr>
-          </a:p>
-          <a:p>
-            <a:pPr marL="0" indent="0">
-              <a:buNone/>
-            </a:pPr>
-            <a:r>
-              <a:rPr lang="en-US" dirty="0" err="1" smtClean="0">
-                <a:solidFill>
-                  <a:srgbClr val="FF0000"/>
-                </a:solidFill>
-              </a:rPr>
-              <a:t>motorcycles.remove</a:t>
-            </a:r>
-            <a:r>
-              <a:rPr lang="en-US" dirty="0">
-                <a:solidFill>
-                  <a:srgbClr val="FF0000"/>
-                </a:solidFill>
-              </a:rPr>
-              <a:t>('</a:t>
-            </a:r>
-            <a:r>
-              <a:rPr lang="en-US" dirty="0" err="1">
-                <a:solidFill>
-                  <a:srgbClr val="FF0000"/>
-                </a:solidFill>
-              </a:rPr>
-              <a:t>ducati</a:t>
-            </a:r>
-            <a:r>
-              <a:rPr lang="en-US" dirty="0" smtClean="0">
-                <a:solidFill>
-                  <a:srgbClr val="FF0000"/>
-                </a:solidFill>
-              </a:rPr>
-              <a:t>')</a:t>
-            </a:r>
-            <a:endParaRPr lang="ru-RU" dirty="0" smtClean="0">
-              <a:solidFill>
-                <a:srgbClr val="FF0000"/>
-              </a:solidFill>
-            </a:endParaRPr>
-          </a:p>
-          <a:p>
-            <a:pPr marL="0" indent="0">
-              <a:buNone/>
-            </a:pPr>
-            <a:r>
-              <a:rPr lang="en-US" dirty="0" smtClean="0">
-                <a:solidFill>
-                  <a:srgbClr val="92D050"/>
-                </a:solidFill>
-              </a:rPr>
-              <a:t>print(motorcycles</a:t>
-            </a:r>
-            <a:r>
-              <a:rPr lang="en-US" dirty="0">
-                <a:solidFill>
-                  <a:srgbClr val="92D050"/>
-                </a:solidFill>
-              </a:rPr>
-              <a:t>)</a:t>
-            </a:r>
-            <a:endParaRPr lang="ru-RU" dirty="0">
-              <a:solidFill>
-                <a:srgbClr val="92D050"/>
-              </a:solidFill>
-            </a:endParaRPr>
-          </a:p>
-        </p:txBody>
-      </p:sp>
-    </p:spTree>
-    <p:extLst>
-      <p:ext uri="{BB962C8B-B14F-4D97-AF65-F5344CB8AC3E}">
-        <p14:creationId xmlns:p14="http://schemas.microsoft.com/office/powerpoint/2010/main" val="2673752618"/>
       </p:ext>
     </p:extLst>
   </p:cSld>
@@ -6062,7 +6258,7 @@
                   <a:srgbClr val="FF0000"/>
                 </a:solidFill>
               </a:rPr>
-              <a:t>Упорядочение списка</a:t>
+              <a:t>Удаление элементов по значению</a:t>
             </a:r>
           </a:p>
         </p:txBody>
@@ -6079,35 +6275,133 @@
         </p:nvSpPr>
         <p:spPr/>
         <p:txBody>
-          <a:bodyPr>
-            <a:normAutofit/>
-          </a:bodyPr>
+          <a:bodyPr/>
           <a:lstStyle/>
           <a:p>
             <a:pPr marL="0" indent="0">
               <a:buNone/>
             </a:pPr>
             <a:r>
-              <a:rPr lang="ru-RU" sz="2400" u="sng" dirty="0"/>
-              <a:t>Постоянная сортировка списка методом </a:t>
-            </a:r>
-            <a:r>
-              <a:rPr lang="ru-RU" sz="2400" dirty="0" err="1">
-                <a:solidFill>
-                  <a:srgbClr val="FF0000"/>
-                </a:solidFill>
-              </a:rPr>
-              <a:t>sort</a:t>
-            </a:r>
-            <a:r>
-              <a:rPr lang="ru-RU" sz="2400" dirty="0">
-                <a:solidFill>
-                  <a:srgbClr val="FF0000"/>
-                </a:solidFill>
-              </a:rPr>
-              <a:t>() </a:t>
-            </a:r>
-            <a:endParaRPr lang="ru-RU" sz="2400" dirty="0" smtClean="0">
+              <a:rPr lang="ru-RU" dirty="0"/>
+              <a:t>Иногда позиция удаляемого элемента неизвестна. Если вы знаете только значение элемента, используйте метод </a:t>
+            </a:r>
+            <a:r>
+              <a:rPr lang="en-US" dirty="0"/>
+              <a:t>remove</a:t>
+            </a:r>
+            <a:r>
+              <a:rPr lang="en-US" dirty="0" smtClean="0"/>
+              <a:t>().</a:t>
+            </a:r>
+            <a:endParaRPr lang="ru-RU" dirty="0" smtClean="0"/>
+          </a:p>
+          <a:p>
+            <a:pPr marL="0" indent="0">
+              <a:buNone/>
+            </a:pPr>
+            <a:r>
+              <a:rPr lang="ru-RU" dirty="0" smtClean="0"/>
+              <a:t>Допустим</a:t>
+            </a:r>
+            <a:r>
+              <a:rPr lang="ru-RU" dirty="0"/>
+              <a:t>, из списка нужно удалить значение '</a:t>
+            </a:r>
+            <a:r>
+              <a:rPr lang="en-US" dirty="0" err="1"/>
+              <a:t>ducati</a:t>
+            </a:r>
+            <a:r>
+              <a:rPr lang="en-US" dirty="0" smtClean="0"/>
+              <a:t>':</a:t>
+            </a:r>
+            <a:endParaRPr lang="ru-RU" dirty="0" smtClean="0"/>
+          </a:p>
+          <a:p>
+            <a:pPr marL="0" indent="0">
+              <a:buNone/>
+            </a:pPr>
+            <a:r>
+              <a:rPr lang="en-US" dirty="0" smtClean="0">
+                <a:solidFill>
+                  <a:srgbClr val="FF0000"/>
+                </a:solidFill>
+              </a:rPr>
+              <a:t>motorcycles </a:t>
+            </a:r>
+            <a:r>
+              <a:rPr lang="en-US" dirty="0">
+                <a:solidFill>
+                  <a:srgbClr val="FF0000"/>
+                </a:solidFill>
+              </a:rPr>
+              <a:t>= ['</a:t>
+            </a:r>
+            <a:r>
+              <a:rPr lang="en-US" dirty="0" err="1">
+                <a:solidFill>
+                  <a:srgbClr val="FF0000"/>
+                </a:solidFill>
+              </a:rPr>
+              <a:t>honda</a:t>
+            </a:r>
+            <a:r>
+              <a:rPr lang="en-US" dirty="0">
+                <a:solidFill>
+                  <a:srgbClr val="FF0000"/>
+                </a:solidFill>
+              </a:rPr>
+              <a:t>', '</a:t>
+            </a:r>
+            <a:r>
+              <a:rPr lang="en-US" dirty="0" err="1">
+                <a:solidFill>
+                  <a:srgbClr val="FF0000"/>
+                </a:solidFill>
+              </a:rPr>
+              <a:t>yamaha</a:t>
+            </a:r>
+            <a:r>
+              <a:rPr lang="en-US" dirty="0">
+                <a:solidFill>
+                  <a:srgbClr val="FF0000"/>
+                </a:solidFill>
+              </a:rPr>
+              <a:t>', '</a:t>
+            </a:r>
+            <a:r>
+              <a:rPr lang="en-US" dirty="0" err="1">
+                <a:solidFill>
+                  <a:srgbClr val="FF0000"/>
+                </a:solidFill>
+              </a:rPr>
+              <a:t>suzuki</a:t>
+            </a:r>
+            <a:r>
+              <a:rPr lang="en-US" dirty="0">
+                <a:solidFill>
+                  <a:srgbClr val="FF0000"/>
+                </a:solidFill>
+              </a:rPr>
+              <a:t>', '</a:t>
+            </a:r>
+            <a:r>
+              <a:rPr lang="en-US" dirty="0" err="1">
+                <a:solidFill>
+                  <a:srgbClr val="FF0000"/>
+                </a:solidFill>
+              </a:rPr>
+              <a:t>ducati</a:t>
+            </a:r>
+            <a:r>
+              <a:rPr lang="en-US" dirty="0" smtClean="0">
+                <a:solidFill>
+                  <a:srgbClr val="FF0000"/>
+                </a:solidFill>
+              </a:rPr>
+              <a:t>']</a:t>
+            </a:r>
+            <a:endParaRPr lang="ru-RU" dirty="0" smtClean="0">
               <a:solidFill>
                 <a:srgbClr val="FF0000"/>
               </a:solidFill>
@@ -6118,119 +6412,38 @@
               <a:buNone/>
             </a:pPr>
             <a:r>
-              <a:rPr lang="ru-RU" sz="2400" dirty="0" smtClean="0"/>
-              <a:t>Метод </a:t>
-            </a:r>
-            <a:r>
-              <a:rPr lang="ru-RU" sz="2400" dirty="0" err="1">
-                <a:solidFill>
-                  <a:srgbClr val="FF0000"/>
-                </a:solidFill>
-              </a:rPr>
-              <a:t>sort</a:t>
-            </a:r>
-            <a:r>
-              <a:rPr lang="ru-RU" sz="2400" dirty="0">
-                <a:solidFill>
-                  <a:srgbClr val="FF0000"/>
-                </a:solidFill>
-              </a:rPr>
-              <a:t>() </a:t>
-            </a:r>
-            <a:r>
-              <a:rPr lang="ru-RU" sz="2400" dirty="0"/>
-              <a:t>позволяет относительно легко отсортировать список. Предположим, имеется список машин и вы хотите переупорядочить эти элементы по алфавиту. Чтобы упростить задачу, предположим, что все значения в списке состоят из </a:t>
-            </a:r>
-            <a:r>
-              <a:rPr lang="ru-RU" sz="2400" dirty="0" smtClean="0"/>
-              <a:t>символов </a:t>
-            </a:r>
-            <a:r>
-              <a:rPr lang="ru-RU" sz="2400" dirty="0"/>
-              <a:t>нижнего регистра</a:t>
-            </a:r>
-            <a:r>
-              <a:rPr lang="ru-RU" sz="2400" dirty="0" smtClean="0"/>
-              <a:t>.</a:t>
-            </a:r>
-          </a:p>
-          <a:p>
-            <a:pPr marL="0" indent="0">
-              <a:buNone/>
-            </a:pPr>
-            <a:r>
-              <a:rPr lang="en-US" sz="2400" dirty="0">
-                <a:solidFill>
-                  <a:srgbClr val="FF0000"/>
-                </a:solidFill>
-              </a:rPr>
-              <a:t>cars = ['</a:t>
-            </a:r>
-            <a:r>
-              <a:rPr lang="en-US" sz="2400" dirty="0" err="1">
-                <a:solidFill>
-                  <a:srgbClr val="FF0000"/>
-                </a:solidFill>
-              </a:rPr>
-              <a:t>bmw</a:t>
-            </a:r>
-            <a:r>
-              <a:rPr lang="en-US" sz="2400" dirty="0">
-                <a:solidFill>
-                  <a:srgbClr val="FF0000"/>
-                </a:solidFill>
-              </a:rPr>
-              <a:t>', '</a:t>
-            </a:r>
-            <a:r>
-              <a:rPr lang="en-US" sz="2400" dirty="0" err="1">
-                <a:solidFill>
-                  <a:srgbClr val="FF0000"/>
-                </a:solidFill>
-              </a:rPr>
-              <a:t>audi</a:t>
-            </a:r>
-            <a:r>
-              <a:rPr lang="en-US" sz="2400" dirty="0">
-                <a:solidFill>
-                  <a:srgbClr val="FF0000"/>
-                </a:solidFill>
-              </a:rPr>
-              <a:t>', '</a:t>
-            </a:r>
-            <a:r>
-              <a:rPr lang="en-US" sz="2400" dirty="0" err="1">
-                <a:solidFill>
-                  <a:srgbClr val="FF0000"/>
-                </a:solidFill>
-              </a:rPr>
-              <a:t>toyota</a:t>
-            </a:r>
-            <a:r>
-              <a:rPr lang="en-US" sz="2400" dirty="0">
-                <a:solidFill>
-                  <a:srgbClr val="FF0000"/>
-                </a:solidFill>
-              </a:rPr>
-              <a:t>', '</a:t>
-            </a:r>
-            <a:r>
-              <a:rPr lang="en-US" sz="2400" dirty="0" err="1">
-                <a:solidFill>
-                  <a:srgbClr val="FF0000"/>
-                </a:solidFill>
-              </a:rPr>
-              <a:t>subaru</a:t>
-            </a:r>
-            <a:r>
-              <a:rPr lang="en-US" sz="2400" dirty="0" smtClean="0">
-                <a:solidFill>
-                  <a:srgbClr val="FF0000"/>
-                </a:solidFill>
-              </a:rPr>
-              <a:t>']</a:t>
-            </a:r>
-            <a:endParaRPr lang="ru-RU" sz="2400" dirty="0" smtClean="0">
+              <a:rPr lang="en-US" dirty="0" err="1" smtClean="0">
+                <a:solidFill>
+                  <a:srgbClr val="FF0000"/>
+                </a:solidFill>
+              </a:rPr>
+              <a:t>motorcycles.remove</a:t>
+            </a:r>
+            <a:r>
+              <a:rPr lang="en-US" dirty="0">
+                <a:solidFill>
+                  <a:srgbClr val="FF0000"/>
+                </a:solidFill>
+              </a:rPr>
+              <a:t>('</a:t>
+            </a:r>
+            <a:r>
+              <a:rPr lang="en-US" dirty="0" err="1">
+                <a:solidFill>
+                  <a:srgbClr val="FF0000"/>
+                </a:solidFill>
+              </a:rPr>
+              <a:t>ducati</a:t>
+            </a:r>
+            <a:r>
+              <a:rPr lang="en-US" dirty="0" smtClean="0">
+                <a:solidFill>
+                  <a:srgbClr val="FF0000"/>
+                </a:solidFill>
+              </a:rPr>
+              <a:t>')</a:t>
+            </a:r>
+            <a:endParaRPr lang="ru-RU" dirty="0" smtClean="0">
               <a:solidFill>
                 <a:srgbClr val="FF0000"/>
               </a:solidFill>
@@ -6241,96 +6454,24 @@
               <a:buNone/>
             </a:pPr>
             <a:r>
-              <a:rPr lang="en-US" sz="2400" dirty="0" err="1" smtClean="0">
-                <a:solidFill>
-                  <a:srgbClr val="FF0000"/>
-                </a:solidFill>
-              </a:rPr>
-              <a:t>cars.sort</a:t>
-            </a:r>
-            <a:r>
-              <a:rPr lang="en-US" sz="2400" dirty="0" smtClean="0">
-                <a:solidFill>
-                  <a:srgbClr val="FF0000"/>
-                </a:solidFill>
-              </a:rPr>
-              <a:t>()</a:t>
-            </a:r>
-            <a:endParaRPr lang="ru-RU" sz="2400" dirty="0" smtClean="0">
-              <a:solidFill>
-                <a:srgbClr val="FF0000"/>
-              </a:solidFill>
-            </a:endParaRPr>
-          </a:p>
-          <a:p>
-            <a:pPr marL="0" indent="0">
-              <a:buNone/>
-            </a:pPr>
-            <a:r>
-              <a:rPr lang="en-US" sz="2400" dirty="0" smtClean="0">
+              <a:rPr lang="en-US" dirty="0" smtClean="0">
                 <a:solidFill>
                   <a:srgbClr val="92D050"/>
                 </a:solidFill>
               </a:rPr>
-              <a:t>print(cars)</a:t>
-            </a:r>
-            <a:endParaRPr lang="ru-RU" sz="2400" dirty="0" smtClean="0">
+              <a:t>print(motorcycles</a:t>
+            </a:r>
+            <a:r>
+              <a:rPr lang="en-US" dirty="0">
+                <a:solidFill>
+                  <a:srgbClr val="92D050"/>
+                </a:solidFill>
+              </a:rPr>
+              <a:t>)</a:t>
+            </a:r>
+            <a:endParaRPr lang="ru-RU" dirty="0">
               <a:solidFill>
                 <a:srgbClr val="92D050"/>
-              </a:solidFill>
-            </a:endParaRPr>
-          </a:p>
-          <a:p>
-            <a:pPr marL="0" indent="0">
-              <a:buNone/>
-            </a:pPr>
-            <a:r>
-              <a:rPr lang="en-US" sz="2400" dirty="0" err="1" smtClean="0">
-                <a:solidFill>
-                  <a:srgbClr val="FF0000"/>
-                </a:solidFill>
-              </a:rPr>
-              <a:t>cars.sort</a:t>
-            </a:r>
-            <a:r>
-              <a:rPr lang="en-US" sz="2400" dirty="0" smtClean="0">
-                <a:solidFill>
-                  <a:srgbClr val="FF0000"/>
-                </a:solidFill>
-              </a:rPr>
-              <a:t>(reverse=True)</a:t>
-            </a:r>
-            <a:endParaRPr lang="ru-RU" sz="2400" dirty="0" smtClean="0">
-              <a:solidFill>
-                <a:srgbClr val="FF0000"/>
-              </a:solidFill>
-            </a:endParaRPr>
-          </a:p>
-          <a:p>
-            <a:pPr marL="0" indent="0">
-              <a:buNone/>
-            </a:pPr>
-            <a:r>
-              <a:rPr lang="en-US" sz="2400" dirty="0">
-                <a:solidFill>
-                  <a:srgbClr val="92D050"/>
-                </a:solidFill>
-              </a:rPr>
-              <a:t>print(cars)</a:t>
-            </a:r>
-            <a:endParaRPr lang="ru-RU" sz="2400" dirty="0">
-              <a:solidFill>
-                <a:srgbClr val="92D050"/>
-              </a:solidFill>
-            </a:endParaRPr>
-          </a:p>
-          <a:p>
-            <a:pPr marL="0" indent="0">
-              <a:buNone/>
-            </a:pPr>
-            <a:endParaRPr lang="ru-RU" sz="2400" dirty="0">
-              <a:solidFill>
-                <a:srgbClr val="FF0000"/>
               </a:solidFill>
             </a:endParaRPr>
           </a:p>
@@ -6339,7 +6480,7 @@
     </p:spTree>
     <p:extLst>
       <p:ext uri="{BB962C8B-B14F-4D97-AF65-F5344CB8AC3E}">
-        <p14:creationId xmlns:p14="http://schemas.microsoft.com/office/powerpoint/2010/main" val="491866886"/>
+        <p14:creationId xmlns:p14="http://schemas.microsoft.com/office/powerpoint/2010/main" val="2673752618"/>
       </p:ext>
     </p:extLst>
   </p:cSld>
@@ -6368,6 +6509,32 @@
       </p:grpSpPr>
       <p:sp>
         <p:nvSpPr>
+          <p:cNvPr id="2" name="Заголовок 1"/>
+          <p:cNvSpPr>
+            <a:spLocks noGrp="1"/>
+          </p:cNvSpPr>
+          <p:nvPr>
+            <p:ph type="title"/>
+          </p:nvPr>
+        </p:nvSpPr>
+        <p:spPr/>
+        <p:txBody>
+          <a:bodyPr/>
+          <a:lstStyle/>
+          <a:p>
+            <a:r>
+              <a:rPr lang="ru-RU" dirty="0">
+                <a:solidFill>
+                  <a:srgbClr val="FF0000"/>
+                </a:solidFill>
+              </a:rPr>
+              <a:t>Упорядочение списка</a:t>
+            </a:r>
+          </a:p>
+        </p:txBody>
+      </p:sp>
+      <p:sp>
+        <p:nvSpPr>
           <p:cNvPr id="3" name="Объект 2"/>
           <p:cNvSpPr>
             <a:spLocks noGrp="1"/>
@@ -6376,89 +6543,36 @@
             <p:ph idx="1"/>
           </p:nvPr>
         </p:nvSpPr>
-        <p:spPr>
-          <a:xfrm>
-            <a:off x="838200" y="382385"/>
-            <a:ext cx="10515600" cy="5794578"/>
-          </a:xfrm>
-        </p:spPr>
+        <p:spPr/>
         <p:txBody>
-          <a:bodyPr/>
+          <a:bodyPr>
+            <a:normAutofit/>
+          </a:bodyPr>
           <a:lstStyle/>
           <a:p>
             <a:pPr marL="0" indent="0">
               <a:buNone/>
             </a:pPr>
             <a:r>
-              <a:rPr lang="ru-RU" u="sng" dirty="0"/>
-              <a:t>Временная </a:t>
-            </a:r>
-            <a:r>
-              <a:rPr lang="ru-RU" u="sng" dirty="0" smtClean="0"/>
-              <a:t>сортировка </a:t>
-            </a:r>
-            <a:r>
-              <a:rPr lang="ru-RU" u="sng" dirty="0"/>
-              <a:t>списка </a:t>
-            </a:r>
-            <a:r>
-              <a:rPr lang="ru-RU" u="sng" dirty="0" smtClean="0"/>
-              <a:t>функцией</a:t>
-            </a:r>
-            <a:r>
-              <a:rPr lang="ru-RU" dirty="0" smtClean="0"/>
-              <a:t> </a:t>
-            </a:r>
-            <a:r>
-              <a:rPr lang="ru-RU" dirty="0" err="1" smtClean="0">
-                <a:solidFill>
-                  <a:srgbClr val="FF0000"/>
-                </a:solidFill>
-              </a:rPr>
-              <a:t>sorted</a:t>
-            </a:r>
-            <a:r>
-              <a:rPr lang="ru-RU" dirty="0" smtClean="0">
-                <a:solidFill>
-                  <a:srgbClr val="FF0000"/>
-                </a:solidFill>
-              </a:rPr>
-              <a:t>()</a:t>
-            </a:r>
-          </a:p>
-          <a:p>
-            <a:pPr marL="0" indent="0">
-              <a:buNone/>
-            </a:pPr>
-            <a:r>
-              <a:rPr lang="ru-RU" sz="2400" dirty="0"/>
-              <a:t>Чтобы сохранить исходный порядок элементов списка, но временно представить их в отсортированном порядке, можно воспользоваться функцией </a:t>
-            </a:r>
-            <a:r>
-              <a:rPr lang="ru-RU" sz="2400" dirty="0" err="1"/>
-              <a:t>sorted</a:t>
-            </a:r>
-            <a:r>
-              <a:rPr lang="ru-RU" sz="2400" dirty="0"/>
-              <a:t>(). Функция </a:t>
-            </a:r>
-            <a:r>
-              <a:rPr lang="ru-RU" sz="2400" dirty="0" err="1"/>
-              <a:t>sorted</a:t>
-            </a:r>
-            <a:r>
-              <a:rPr lang="ru-RU" sz="2400" dirty="0"/>
-              <a:t>() позволяет представить список в определенном порядке, но не изменяет фактический порядок элементов в списке</a:t>
-            </a:r>
-            <a:r>
-              <a:rPr lang="ru-RU" sz="2400" dirty="0" smtClean="0"/>
-              <a:t>.</a:t>
-            </a:r>
-          </a:p>
-          <a:p>
-            <a:pPr marL="0" indent="0">
-              <a:buNone/>
-            </a:pPr>
+              <a:rPr lang="ru-RU" sz="2400" u="sng" dirty="0"/>
+              <a:t>Постоянная сортировка списка методом </a:t>
+            </a:r>
+            <a:r>
+              <a:rPr lang="ru-RU" sz="2400" dirty="0" err="1">
+                <a:solidFill>
+                  <a:srgbClr val="FF0000"/>
+                </a:solidFill>
+              </a:rPr>
+              <a:t>sort</a:t>
+            </a:r>
+            <a:r>
+              <a:rPr lang="ru-RU" sz="2400" dirty="0">
+                <a:solidFill>
+                  <a:srgbClr val="FF0000"/>
+                </a:solidFill>
+              </a:rPr>
+              <a:t>() </a:t>
+            </a:r>
             <a:endParaRPr lang="ru-RU" sz="2400" dirty="0" smtClean="0">
               <a:solidFill>
                 <a:srgbClr val="FF0000"/>
@@ -6470,301 +6584,228 @@
               <a:buNone/>
             </a:pPr>
             <a:r>
+              <a:rPr lang="ru-RU" sz="2400" dirty="0" smtClean="0"/>
+              <a:t>Метод </a:t>
+            </a:r>
+            <a:r>
+              <a:rPr lang="ru-RU" sz="2400" dirty="0" err="1">
+                <a:solidFill>
+                  <a:srgbClr val="FF0000"/>
+                </a:solidFill>
+              </a:rPr>
+              <a:t>sort</a:t>
+            </a:r>
+            <a:r>
+              <a:rPr lang="ru-RU" sz="2400" dirty="0">
+                <a:solidFill>
+                  <a:srgbClr val="FF0000"/>
+                </a:solidFill>
+              </a:rPr>
+              <a:t>() </a:t>
+            </a:r>
+            <a:r>
+              <a:rPr lang="ru-RU" sz="2400" dirty="0"/>
+              <a:t>позволяет относительно легко отсортировать список. Предположим, имеется список машин и вы хотите переупорядочить эти элементы по алфавиту. Чтобы упростить задачу, предположим, что все значения в списке состоят из </a:t>
+            </a:r>
+            <a:r>
+              <a:rPr lang="ru-RU" sz="2400" dirty="0" smtClean="0"/>
+              <a:t>символов </a:t>
+            </a:r>
+            <a:r>
+              <a:rPr lang="ru-RU" sz="2400" dirty="0"/>
+              <a:t>нижнего регистра</a:t>
+            </a:r>
+            <a:r>
+              <a:rPr lang="ru-RU" sz="2400" dirty="0" smtClean="0"/>
+              <a:t>.</a:t>
+            </a:r>
+          </a:p>
+          <a:p>
+            <a:pPr marL="0" indent="0">
+              <a:buNone/>
+            </a:pPr>
+            <a:r>
+              <a:rPr lang="en-US" sz="2400" dirty="0">
+                <a:solidFill>
+                  <a:srgbClr val="FF0000"/>
+                </a:solidFill>
+              </a:rPr>
+              <a:t>cars = ['</a:t>
+            </a:r>
+            <a:r>
+              <a:rPr lang="en-US" sz="2400" dirty="0" err="1">
+                <a:solidFill>
+                  <a:srgbClr val="FF0000"/>
+                </a:solidFill>
+              </a:rPr>
+              <a:t>bmw</a:t>
+            </a:r>
+            <a:r>
+              <a:rPr lang="en-US" sz="2400" dirty="0">
+                <a:solidFill>
+                  <a:srgbClr val="FF0000"/>
+                </a:solidFill>
+              </a:rPr>
+              <a:t>', '</a:t>
+            </a:r>
+            <a:r>
+              <a:rPr lang="en-US" sz="2400" dirty="0" err="1">
+                <a:solidFill>
+                  <a:srgbClr val="FF0000"/>
+                </a:solidFill>
+              </a:rPr>
+              <a:t>audi</a:t>
+            </a:r>
+            <a:r>
+              <a:rPr lang="en-US" sz="2400" dirty="0">
+                <a:solidFill>
+                  <a:srgbClr val="FF0000"/>
+                </a:solidFill>
+              </a:rPr>
+              <a:t>', '</a:t>
+            </a:r>
+            <a:r>
+              <a:rPr lang="en-US" sz="2400" dirty="0" err="1">
+                <a:solidFill>
+                  <a:srgbClr val="FF0000"/>
+                </a:solidFill>
+              </a:rPr>
+              <a:t>toyota</a:t>
+            </a:r>
+            <a:r>
+              <a:rPr lang="en-US" sz="2400" dirty="0">
+                <a:solidFill>
+                  <a:srgbClr val="FF0000"/>
+                </a:solidFill>
+              </a:rPr>
+              <a:t>', '</a:t>
+            </a:r>
+            <a:r>
+              <a:rPr lang="en-US" sz="2400" dirty="0" err="1">
+                <a:solidFill>
+                  <a:srgbClr val="FF0000"/>
+                </a:solidFill>
+              </a:rPr>
+              <a:t>subaru</a:t>
+            </a:r>
+            <a:r>
               <a:rPr lang="en-US" sz="2400" dirty="0" smtClean="0">
                 <a:solidFill>
                   <a:srgbClr val="FF0000"/>
                 </a:solidFill>
               </a:rPr>
-              <a:t>cars </a:t>
-            </a:r>
+              <a:t>']</a:t>
+            </a:r>
+            <a:endParaRPr lang="ru-RU" sz="2400" dirty="0" smtClean="0">
+              <a:solidFill>
+                <a:srgbClr val="FF0000"/>
+              </a:solidFill>
+            </a:endParaRPr>
+          </a:p>
+          <a:p>
+            <a:pPr marL="0" indent="0">
+              <a:buNone/>
+            </a:pPr>
+            <a:r>
+              <a:rPr lang="en-US" sz="2400" dirty="0" err="1" smtClean="0">
+                <a:solidFill>
+                  <a:srgbClr val="FF0000"/>
+                </a:solidFill>
+              </a:rPr>
+              <a:t>cars.sort</a:t>
+            </a:r>
+            <a:r>
+              <a:rPr lang="en-US" sz="2400" dirty="0" smtClean="0">
+                <a:solidFill>
+                  <a:srgbClr val="FF0000"/>
+                </a:solidFill>
+              </a:rPr>
+              <a:t>()</a:t>
+            </a:r>
+            <a:endParaRPr lang="ru-RU" sz="2400" dirty="0" smtClean="0">
+              <a:solidFill>
+                <a:srgbClr val="FF0000"/>
+              </a:solidFill>
+            </a:endParaRPr>
+          </a:p>
+          <a:p>
+            <a:pPr marL="0" indent="0">
+              <a:buNone/>
+            </a:pPr>
+            <a:r>
+              <a:rPr lang="en-US" sz="2400" dirty="0" smtClean="0">
+                <a:solidFill>
+                  <a:srgbClr val="92D050"/>
+                </a:solidFill>
+              </a:rPr>
+              <a:t>print(cars)</a:t>
+            </a:r>
+            <a:endParaRPr lang="ru-RU" sz="2400" dirty="0" smtClean="0">
+              <a:solidFill>
+                <a:srgbClr val="92D050"/>
+              </a:solidFill>
+            </a:endParaRPr>
+          </a:p>
+          <a:p>
+            <a:pPr marL="0" indent="0">
+              <a:buNone/>
+            </a:pPr>
+            <a:r>
+              <a:rPr lang="en-US" sz="2400" dirty="0" err="1" smtClean="0">
+                <a:solidFill>
+                  <a:srgbClr val="FF0000"/>
+                </a:solidFill>
+              </a:rPr>
+              <a:t>cars.sort</a:t>
+            </a:r>
+            <a:r>
+              <a:rPr lang="en-US" sz="2400" dirty="0" smtClean="0">
+                <a:solidFill>
+                  <a:srgbClr val="FF0000"/>
+                </a:solidFill>
+              </a:rPr>
+              <a:t>(reverse=True)</a:t>
+            </a:r>
+            <a:endParaRPr lang="ru-RU" sz="2400" dirty="0" smtClean="0">
+              <a:solidFill>
+                <a:srgbClr val="FF0000"/>
+              </a:solidFill>
+            </a:endParaRPr>
+          </a:p>
+          <a:p>
+            <a:pPr marL="0" indent="0">
+              <a:buNone/>
+            </a:pPr>
             <a:r>
               <a:rPr lang="en-US" sz="2400" dirty="0">
                 <a:solidFill>
-                  <a:srgbClr val="FF0000"/>
-                </a:solidFill>
-              </a:rPr>
-              <a:t>= ['</a:t>
-            </a:r>
-            <a:r>
-              <a:rPr lang="en-US" sz="2400" dirty="0" err="1">
-                <a:solidFill>
-                  <a:srgbClr val="FF0000"/>
-                </a:solidFill>
-              </a:rPr>
-              <a:t>bmw</a:t>
-            </a:r>
-            <a:r>
-              <a:rPr lang="en-US" sz="2400" dirty="0">
-                <a:solidFill>
-                  <a:srgbClr val="FF0000"/>
-                </a:solidFill>
-              </a:rPr>
-              <a:t>', '</a:t>
-            </a:r>
-            <a:r>
-              <a:rPr lang="en-US" sz="2400" dirty="0" err="1">
-                <a:solidFill>
-                  <a:srgbClr val="FF0000"/>
-                </a:solidFill>
-              </a:rPr>
-              <a:t>audi</a:t>
-            </a:r>
-            <a:r>
-              <a:rPr lang="en-US" sz="2400" dirty="0">
-                <a:solidFill>
-                  <a:srgbClr val="FF0000"/>
-                </a:solidFill>
-              </a:rPr>
-              <a:t>', '</a:t>
-            </a:r>
-            <a:r>
-              <a:rPr lang="en-US" sz="2400" dirty="0" err="1">
-                <a:solidFill>
-                  <a:srgbClr val="FF0000"/>
-                </a:solidFill>
-              </a:rPr>
-              <a:t>toyota</a:t>
-            </a:r>
-            <a:r>
-              <a:rPr lang="en-US" sz="2400" dirty="0">
-                <a:solidFill>
-                  <a:srgbClr val="FF0000"/>
-                </a:solidFill>
-              </a:rPr>
-              <a:t>', '</a:t>
-            </a:r>
-            <a:r>
-              <a:rPr lang="en-US" sz="2400" dirty="0" err="1">
-                <a:solidFill>
-                  <a:srgbClr val="FF0000"/>
-                </a:solidFill>
-              </a:rPr>
-              <a:t>subaru</a:t>
-            </a:r>
-            <a:r>
-              <a:rPr lang="en-US" sz="2400" dirty="0">
-                <a:solidFill>
-                  <a:srgbClr val="FF0000"/>
-                </a:solidFill>
-              </a:rPr>
-              <a:t>'] </a:t>
-            </a:r>
+                  <a:srgbClr val="92D050"/>
+                </a:solidFill>
+              </a:rPr>
+              <a:t>print(cars)</a:t>
+            </a:r>
+            <a:endParaRPr lang="ru-RU" sz="2400" dirty="0">
+              <a:solidFill>
+                <a:srgbClr val="92D050"/>
+              </a:solidFill>
+            </a:endParaRPr>
+          </a:p>
+          <a:p>
+            <a:pPr marL="0" indent="0">
+              <a:buNone/>
+            </a:pPr>
             <a:endParaRPr lang="ru-RU" sz="2400" dirty="0">
               <a:solidFill>
                 <a:srgbClr val="FF0000"/>
               </a:solidFill>
             </a:endParaRPr>
           </a:p>
-          <a:p>
-            <a:pPr marL="0" indent="0">
-              <a:buNone/>
-            </a:pPr>
-            <a:r>
-              <a:rPr lang="en-US" sz="2400" dirty="0" smtClean="0">
-                <a:solidFill>
-                  <a:srgbClr val="92D050"/>
-                </a:solidFill>
-              </a:rPr>
-              <a:t>print</a:t>
-            </a:r>
-            <a:r>
-              <a:rPr lang="en-US" sz="2400" dirty="0">
-                <a:solidFill>
-                  <a:srgbClr val="92D050"/>
-                </a:solidFill>
-              </a:rPr>
-              <a:t>("Here is the original list</a:t>
-            </a:r>
-            <a:r>
-              <a:rPr lang="en-US" sz="2400" dirty="0" smtClean="0">
-                <a:solidFill>
-                  <a:srgbClr val="92D050"/>
-                </a:solidFill>
-              </a:rPr>
-              <a:t>:")</a:t>
-            </a:r>
-            <a:endParaRPr lang="ru-RU" sz="2400" dirty="0" smtClean="0">
-              <a:solidFill>
-                <a:srgbClr val="92D050"/>
-              </a:solidFill>
-            </a:endParaRPr>
-          </a:p>
-          <a:p>
-            <a:pPr marL="0" indent="0">
-              <a:buNone/>
-            </a:pPr>
-            <a:r>
-              <a:rPr lang="en-US" sz="2400" dirty="0" smtClean="0">
-                <a:solidFill>
-                  <a:srgbClr val="92D050"/>
-                </a:solidFill>
-              </a:rPr>
-              <a:t>print(cars</a:t>
-            </a:r>
-            <a:r>
-              <a:rPr lang="en-US" sz="2400" dirty="0">
-                <a:solidFill>
-                  <a:srgbClr val="92D050"/>
-                </a:solidFill>
-              </a:rPr>
-              <a:t>) </a:t>
-            </a:r>
-            <a:endParaRPr lang="ru-RU" sz="2400" dirty="0">
-              <a:solidFill>
-                <a:srgbClr val="92D050"/>
-              </a:solidFill>
-            </a:endParaRPr>
-          </a:p>
-          <a:p>
-            <a:pPr marL="0" indent="0">
-              <a:buNone/>
-            </a:pPr>
-            <a:r>
-              <a:rPr lang="en-US" sz="2400" dirty="0" smtClean="0">
-                <a:solidFill>
-                  <a:srgbClr val="00B0F0"/>
-                </a:solidFill>
-              </a:rPr>
-              <a:t>print</a:t>
-            </a:r>
-            <a:r>
-              <a:rPr lang="en-US" sz="2400" dirty="0">
-                <a:solidFill>
-                  <a:srgbClr val="00B0F0"/>
-                </a:solidFill>
-              </a:rPr>
-              <a:t>("\</a:t>
-            </a:r>
-            <a:r>
-              <a:rPr lang="en-US" sz="2400" dirty="0" err="1">
-                <a:solidFill>
-                  <a:srgbClr val="00B0F0"/>
-                </a:solidFill>
-              </a:rPr>
-              <a:t>nHere</a:t>
-            </a:r>
-            <a:r>
-              <a:rPr lang="en-US" sz="2400" dirty="0">
-                <a:solidFill>
-                  <a:srgbClr val="00B0F0"/>
-                </a:solidFill>
-              </a:rPr>
-              <a:t> is the sorted list:") </a:t>
-            </a:r>
-            <a:endParaRPr lang="ru-RU" sz="2400" dirty="0" smtClean="0">
-              <a:solidFill>
-                <a:srgbClr val="00B0F0"/>
-              </a:solidFill>
-            </a:endParaRPr>
-          </a:p>
-          <a:p>
-            <a:pPr marL="0" indent="0">
-              <a:buNone/>
-            </a:pPr>
-            <a:r>
-              <a:rPr lang="en-US" sz="2400" dirty="0" smtClean="0">
-                <a:solidFill>
-                  <a:srgbClr val="00B0F0"/>
-                </a:solidFill>
-              </a:rPr>
-              <a:t>print(sorted(cars</a:t>
-            </a:r>
-            <a:r>
-              <a:rPr lang="en-US" sz="2400" dirty="0">
-                <a:solidFill>
-                  <a:srgbClr val="00B0F0"/>
-                </a:solidFill>
-              </a:rPr>
-              <a:t>)) </a:t>
-            </a:r>
-            <a:endParaRPr lang="ru-RU" sz="2400" dirty="0">
-              <a:solidFill>
-                <a:srgbClr val="00B0F0"/>
-              </a:solidFill>
-            </a:endParaRPr>
-          </a:p>
-          <a:p>
-            <a:pPr marL="0" indent="0">
-              <a:buNone/>
-            </a:pPr>
-            <a:r>
-              <a:rPr lang="en-US" sz="2400" dirty="0" smtClean="0">
-                <a:solidFill>
-                  <a:srgbClr val="FFC000"/>
-                </a:solidFill>
-              </a:rPr>
-              <a:t>print</a:t>
-            </a:r>
-            <a:r>
-              <a:rPr lang="en-US" sz="2400" dirty="0">
-                <a:solidFill>
-                  <a:srgbClr val="FFC000"/>
-                </a:solidFill>
-              </a:rPr>
-              <a:t>("\</a:t>
-            </a:r>
-            <a:r>
-              <a:rPr lang="en-US" sz="2400" dirty="0" err="1">
-                <a:solidFill>
-                  <a:srgbClr val="FFC000"/>
-                </a:solidFill>
-              </a:rPr>
-              <a:t>nHere</a:t>
-            </a:r>
-            <a:r>
-              <a:rPr lang="en-US" sz="2400" dirty="0">
-                <a:solidFill>
-                  <a:srgbClr val="FFC000"/>
-                </a:solidFill>
-              </a:rPr>
-              <a:t> is the original list again</a:t>
-            </a:r>
-            <a:r>
-              <a:rPr lang="en-US" sz="2400" dirty="0" smtClean="0">
-                <a:solidFill>
-                  <a:srgbClr val="FFC000"/>
-                </a:solidFill>
-              </a:rPr>
-              <a:t>:")</a:t>
-            </a:r>
-            <a:endParaRPr lang="ru-RU" sz="2400" dirty="0" smtClean="0">
-              <a:solidFill>
-                <a:srgbClr val="FFC000"/>
-              </a:solidFill>
-            </a:endParaRPr>
-          </a:p>
-          <a:p>
-            <a:pPr marL="0" indent="0">
-              <a:buNone/>
-            </a:pPr>
-            <a:r>
-              <a:rPr lang="en-US" sz="2400" dirty="0" smtClean="0">
-                <a:solidFill>
-                  <a:srgbClr val="FFC000"/>
-                </a:solidFill>
-              </a:rPr>
-              <a:t>print(cars</a:t>
-            </a:r>
-            <a:r>
-              <a:rPr lang="en-US" sz="2400" dirty="0">
-                <a:solidFill>
-                  <a:srgbClr val="FFC000"/>
-                </a:solidFill>
-              </a:rPr>
-              <a:t>)</a:t>
-            </a:r>
-            <a:endParaRPr lang="ru-RU" sz="2400" dirty="0">
-              <a:solidFill>
-                <a:srgbClr val="FFC000"/>
-              </a:solidFill>
-            </a:endParaRPr>
-          </a:p>
         </p:txBody>
       </p:sp>
     </p:spTree>
     <p:extLst>
       <p:ext uri="{BB962C8B-B14F-4D97-AF65-F5344CB8AC3E}">
-        <p14:creationId xmlns:p14="http://schemas.microsoft.com/office/powerpoint/2010/main" val="821309608"/>
+        <p14:creationId xmlns:p14="http://schemas.microsoft.com/office/powerpoint/2010/main" val="491866886"/>
       </p:ext>
     </p:extLst>
   </p:cSld>
@@ -6803,81 +6844,47 @@
         </p:nvSpPr>
         <p:spPr>
           <a:xfrm>
-            <a:off x="838200" y="495656"/>
-            <a:ext cx="10515600" cy="5681307"/>
+            <a:off x="838200" y="382385"/>
+            <a:ext cx="10515600" cy="5794578"/>
           </a:xfrm>
         </p:spPr>
         <p:txBody>
-          <a:bodyPr>
-            <a:normAutofit fontScale="70000" lnSpcReduction="20000"/>
-          </a:bodyPr>
+          <a:bodyPr/>
           <a:lstStyle/>
           <a:p>
             <a:pPr marL="0" indent="0">
               <a:buNone/>
             </a:pPr>
-            <a:endParaRPr lang="en-US" dirty="0" smtClean="0"/>
-          </a:p>
-          <a:p>
-            <a:pPr marL="0" indent="0">
-              <a:buNone/>
-            </a:pPr>
-            <a:r>
-              <a:rPr lang="en-US" dirty="0" smtClean="0">
-                <a:solidFill>
-                  <a:srgbClr val="FF0000"/>
-                </a:solidFill>
-              </a:rPr>
-              <a:t>people </a:t>
-            </a:r>
-            <a:r>
-              <a:rPr lang="en-US" dirty="0">
-                <a:solidFill>
-                  <a:srgbClr val="FF0000"/>
-                </a:solidFill>
-              </a:rPr>
-              <a:t>= ["Tom", "bob", "</a:t>
-            </a:r>
-            <a:r>
-              <a:rPr lang="en-US" dirty="0" err="1">
-                <a:solidFill>
-                  <a:srgbClr val="FF0000"/>
-                </a:solidFill>
-              </a:rPr>
-              <a:t>alice</a:t>
-            </a:r>
-            <a:r>
-              <a:rPr lang="en-US" dirty="0">
-                <a:solidFill>
-                  <a:srgbClr val="FF0000"/>
-                </a:solidFill>
-              </a:rPr>
-              <a:t>", "Sam", "Bill"]</a:t>
-            </a:r>
-          </a:p>
-          <a:p>
-            <a:pPr marL="0" indent="0">
-              <a:buNone/>
-            </a:pPr>
-            <a:r>
-              <a:rPr lang="en-US" dirty="0"/>
+            <a:r>
+              <a:rPr lang="ru-RU" u="sng" dirty="0"/>
+              <a:t>Временная </a:t>
+            </a:r>
+            <a:r>
+              <a:rPr lang="ru-RU" u="sng" dirty="0" smtClean="0"/>
+              <a:t>сортировка </a:t>
+            </a:r>
+            <a:r>
+              <a:rPr lang="ru-RU" u="sng" dirty="0"/>
+              <a:t>списка </a:t>
+            </a:r>
+            <a:r>
+              <a:rPr lang="ru-RU" u="sng" dirty="0" smtClean="0"/>
+              <a:t>функцией</a:t>
+            </a:r>
+            <a:r>
+              <a:rPr lang="ru-RU" dirty="0" smtClean="0"/>
               <a:t> </a:t>
             </a:r>
-          </a:p>
-          <a:p>
-            <a:pPr marL="0" indent="0">
-              <a:buNone/>
-            </a:pPr>
-            <a:r>
-              <a:rPr lang="en-US" dirty="0" err="1">
-                <a:solidFill>
-                  <a:srgbClr val="FF0000"/>
-                </a:solidFill>
-              </a:rPr>
-              <a:t>people.sort</a:t>
-            </a:r>
-            <a:r>
-              <a:rPr lang="en-US" dirty="0" smtClean="0">
+            <a:r>
+              <a:rPr lang="ru-RU" dirty="0" err="1" smtClean="0">
+                <a:solidFill>
+                  <a:srgbClr val="FF0000"/>
+                </a:solidFill>
+              </a:rPr>
+              <a:t>sorted</a:t>
+            </a:r>
+            <a:r>
+              <a:rPr lang="ru-RU" dirty="0" smtClean="0">
                 <a:solidFill>
                   <a:srgbClr val="FF0000"/>
                 </a:solidFill>
@@ -6890,57 +6897,35 @@
               <a:buNone/>
             </a:pPr>
             <a:r>
-              <a:rPr lang="en-US" dirty="0" smtClean="0">
-                <a:solidFill>
-                  <a:srgbClr val="00B050"/>
-                </a:solidFill>
-              </a:rPr>
-              <a:t>print(people)</a:t>
-            </a:r>
-          </a:p>
-          <a:p>
-            <a:pPr marL="0" indent="0">
-              <a:buNone/>
-            </a:pPr>
-            <a:endParaRPr lang="en-US" dirty="0"/>
-          </a:p>
-          <a:p>
-            <a:pPr marL="0" indent="0">
-              <a:buNone/>
-            </a:pPr>
-            <a:r>
-              <a:rPr lang="en-US" dirty="0" err="1">
-                <a:solidFill>
-                  <a:srgbClr val="FF0000"/>
-                </a:solidFill>
-              </a:rPr>
-              <a:t>people.sort</a:t>
-            </a:r>
-            <a:r>
-              <a:rPr lang="en-US" dirty="0">
-                <a:solidFill>
-                  <a:srgbClr val="FF0000"/>
-                </a:solidFill>
-              </a:rPr>
-              <a:t>(key=</a:t>
-            </a:r>
-            <a:r>
-              <a:rPr lang="en-US" dirty="0" err="1">
-                <a:solidFill>
-                  <a:srgbClr val="FF0000"/>
-                </a:solidFill>
-              </a:rPr>
-              <a:t>str.lower</a:t>
-            </a:r>
-            <a:r>
-              <a:rPr lang="en-US" dirty="0" smtClean="0">
-                <a:solidFill>
-                  <a:srgbClr val="FF0000"/>
-                </a:solidFill>
-              </a:rPr>
-              <a:t>)</a:t>
-            </a:r>
-            <a:endParaRPr lang="ru-RU" dirty="0">
+              <a:rPr lang="ru-RU" sz="2400" dirty="0"/>
+              <a:t>Чтобы сохранить исходный порядок элементов списка, но временно представить их в отсортированном порядке, можно воспользоваться функцией </a:t>
+            </a:r>
+            <a:r>
+              <a:rPr lang="ru-RU" sz="2400" dirty="0" err="1"/>
+              <a:t>sorted</a:t>
+            </a:r>
+            <a:r>
+              <a:rPr lang="ru-RU" sz="2400" dirty="0"/>
+              <a:t>(). Функция </a:t>
+            </a:r>
+            <a:r>
+              <a:rPr lang="ru-RU" sz="2400" dirty="0" err="1"/>
+              <a:t>sorted</a:t>
+            </a:r>
+            <a:r>
+              <a:rPr lang="ru-RU" sz="2400" dirty="0"/>
+              <a:t>() позволяет представить список в определенном порядке, но не изменяет фактический порядок элементов в списке</a:t>
+            </a:r>
+            <a:r>
+              <a:rPr lang="ru-RU" sz="2400" dirty="0" smtClean="0"/>
+              <a:t>.</a:t>
+            </a:r>
+          </a:p>
+          <a:p>
+            <a:pPr marL="0" indent="0">
+              <a:buNone/>
+            </a:pPr>
+            <a:endParaRPr lang="ru-RU" sz="2400" dirty="0" smtClean="0">
               <a:solidFill>
                 <a:srgbClr val="FF0000"/>
               </a:solidFill>
@@ -6951,21 +6936,88 @@
               <a:buNone/>
             </a:pPr>
             <a:r>
-              <a:rPr lang="en-US" dirty="0" smtClean="0">
-                <a:solidFill>
-                  <a:srgbClr val="00B050"/>
-                </a:solidFill>
-              </a:rPr>
-              <a:t>print(people)</a:t>
-            </a:r>
-          </a:p>
-          <a:p>
-            <a:pPr marL="0" indent="0">
-              <a:buNone/>
-            </a:pPr>
-            <a:endParaRPr lang="en-US" dirty="0">
+              <a:rPr lang="en-US" sz="2400" dirty="0" smtClean="0">
+                <a:solidFill>
+                  <a:srgbClr val="FF0000"/>
+                </a:solidFill>
+              </a:rPr>
+              <a:t>cars </a:t>
+            </a:r>
+            <a:r>
+              <a:rPr lang="en-US" sz="2400" dirty="0">
+                <a:solidFill>
+                  <a:srgbClr val="FF0000"/>
+                </a:solidFill>
+              </a:rPr>
+              <a:t>= ['</a:t>
+            </a:r>
+            <a:r>
+              <a:rPr lang="en-US" sz="2400" dirty="0" err="1">
+                <a:solidFill>
+                  <a:srgbClr val="FF0000"/>
+                </a:solidFill>
+              </a:rPr>
+              <a:t>bmw</a:t>
+            </a:r>
+            <a:r>
+              <a:rPr lang="en-US" sz="2400" dirty="0">
+                <a:solidFill>
+                  <a:srgbClr val="FF0000"/>
+                </a:solidFill>
+              </a:rPr>
+              <a:t>', '</a:t>
+            </a:r>
+            <a:r>
+              <a:rPr lang="en-US" sz="2400" dirty="0" err="1">
+                <a:solidFill>
+                  <a:srgbClr val="FF0000"/>
+                </a:solidFill>
+              </a:rPr>
+              <a:t>audi</a:t>
+            </a:r>
+            <a:r>
+              <a:rPr lang="en-US" sz="2400" dirty="0">
+                <a:solidFill>
+                  <a:srgbClr val="FF0000"/>
+                </a:solidFill>
+              </a:rPr>
+              <a:t>', '</a:t>
+            </a:r>
+            <a:r>
+              <a:rPr lang="en-US" sz="2400" dirty="0" err="1">
+                <a:solidFill>
+                  <a:srgbClr val="FF0000"/>
+                </a:solidFill>
+              </a:rPr>
+              <a:t>toyota</a:t>
+            </a:r>
+            <a:r>
+              <a:rPr lang="en-US" sz="2400" dirty="0">
+                <a:solidFill>
+                  <a:srgbClr val="FF0000"/>
+                </a:solidFill>
+              </a:rPr>
+              <a:t>', '</a:t>
+            </a:r>
+            <a:r>
+              <a:rPr lang="en-US" sz="2400" dirty="0" err="1">
+                <a:solidFill>
+                  <a:srgbClr val="FF0000"/>
+                </a:solidFill>
+              </a:rPr>
+              <a:t>subaru</a:t>
+            </a:r>
+            <a:r>
+              <a:rPr lang="en-US" sz="2400" dirty="0">
+                <a:solidFill>
+                  <a:srgbClr val="FF0000"/>
+                </a:solidFill>
+              </a:rPr>
+              <a:t>'] </a:t>
+            </a:r>
+            <a:endParaRPr lang="ru-RU" sz="2400" dirty="0">
               <a:solidFill>
-                <a:srgbClr val="00B050"/>
+                <a:srgbClr val="FF0000"/>
               </a:solidFill>
             </a:endParaRPr>
           </a:p>
@@ -6974,33 +7026,72 @@
               <a:buNone/>
             </a:pPr>
             <a:r>
-              <a:rPr lang="ru-RU" dirty="0"/>
-              <a:t>Кроме метода </a:t>
-            </a:r>
-            <a:r>
-              <a:rPr lang="ru-RU" dirty="0" err="1"/>
-              <a:t>sort</a:t>
-            </a:r>
-            <a:r>
-              <a:rPr lang="ru-RU" dirty="0"/>
-              <a:t> мы можем использовать встроенную функцию </a:t>
-            </a:r>
-            <a:r>
-              <a:rPr lang="ru-RU" dirty="0" err="1"/>
-              <a:t>sorted</a:t>
-            </a:r>
-            <a:r>
-              <a:rPr lang="ru-RU" dirty="0"/>
-              <a:t>, которая имеет две формы:</a:t>
-            </a:r>
-          </a:p>
-          <a:p>
-            <a:pPr marL="0" indent="0">
-              <a:buNone/>
-            </a:pPr>
-            <a:endParaRPr lang="ru-RU" dirty="0">
+              <a:rPr lang="en-US" sz="2400" dirty="0" smtClean="0">
+                <a:solidFill>
+                  <a:srgbClr val="92D050"/>
+                </a:solidFill>
+              </a:rPr>
+              <a:t>print(</a:t>
+            </a:r>
+            <a:r>
+              <a:rPr lang="en-US" sz="2400" dirty="0" err="1">
+                <a:solidFill>
+                  <a:srgbClr val="92D050"/>
+                </a:solidFill>
+              </a:rPr>
+              <a:t>f</a:t>
+            </a:r>
+            <a:r>
+              <a:rPr lang="en-US" sz="2400" dirty="0" err="1" smtClean="0">
+                <a:solidFill>
+                  <a:srgbClr val="92D050"/>
+                </a:solidFill>
+              </a:rPr>
+              <a:t>"Here</a:t>
+            </a:r>
+            <a:r>
+              <a:rPr lang="en-US" sz="2400" dirty="0" smtClean="0">
+                <a:solidFill>
+                  <a:srgbClr val="92D050"/>
+                </a:solidFill>
+              </a:rPr>
+              <a:t> </a:t>
+            </a:r>
+            <a:r>
+              <a:rPr lang="en-US" sz="2400" dirty="0">
+                <a:solidFill>
+                  <a:srgbClr val="92D050"/>
+                </a:solidFill>
+              </a:rPr>
+              <a:t>is the original list</a:t>
+            </a:r>
+            <a:r>
+              <a:rPr lang="en-US" sz="2400" dirty="0" smtClean="0">
+                <a:solidFill>
+                  <a:srgbClr val="92D050"/>
+                </a:solidFill>
+              </a:rPr>
+              <a:t>:</a:t>
+            </a:r>
+            <a:r>
+              <a:rPr lang="ru-RU" sz="2400" dirty="0" smtClean="0">
+                <a:solidFill>
+                  <a:srgbClr val="92D050"/>
+                </a:solidFill>
+              </a:rPr>
+              <a:t> </a:t>
+            </a:r>
+            <a:r>
+              <a:rPr lang="en-US" sz="2400" dirty="0" smtClean="0">
+                <a:solidFill>
+                  <a:srgbClr val="92D050"/>
+                </a:solidFill>
+              </a:rPr>
+              <a:t>{cars}")</a:t>
+            </a:r>
+            <a:endParaRPr lang="ru-RU" sz="2400" dirty="0" smtClean="0">
               <a:solidFill>
-                <a:srgbClr val="00B050"/>
+                <a:srgbClr val="92D050"/>
               </a:solidFill>
             </a:endParaRPr>
           </a:p>
@@ -7009,48 +7100,40 @@
               <a:buNone/>
             </a:pPr>
             <a:r>
-              <a:rPr lang="ru-RU" dirty="0" err="1">
-                <a:solidFill>
-                  <a:srgbClr val="0070C0"/>
-                </a:solidFill>
-              </a:rPr>
-              <a:t>sorted</a:t>
-            </a:r>
-            <a:r>
-              <a:rPr lang="ru-RU" dirty="0">
-                <a:solidFill>
-                  <a:srgbClr val="0070C0"/>
-                </a:solidFill>
-              </a:rPr>
-              <a:t>(</a:t>
-            </a:r>
-            <a:r>
-              <a:rPr lang="ru-RU" dirty="0" err="1">
-                <a:solidFill>
-                  <a:srgbClr val="0070C0"/>
-                </a:solidFill>
-              </a:rPr>
-              <a:t>list</a:t>
-            </a:r>
-            <a:r>
-              <a:rPr lang="ru-RU" dirty="0">
-                <a:solidFill>
-                  <a:srgbClr val="0070C0"/>
-                </a:solidFill>
-              </a:rPr>
-              <a:t>): сортирует список </a:t>
-            </a:r>
-            <a:r>
-              <a:rPr lang="ru-RU" dirty="0" err="1" smtClean="0">
-                <a:solidFill>
-                  <a:srgbClr val="0070C0"/>
-                </a:solidFill>
-              </a:rPr>
-              <a:t>list</a:t>
-            </a:r>
-            <a:endParaRPr lang="ru-RU" dirty="0">
+              <a:rPr lang="en-US" sz="2400" dirty="0" smtClean="0">
+                <a:solidFill>
+                  <a:srgbClr val="00B0F0"/>
+                </a:solidFill>
+              </a:rPr>
+              <a:t>print</a:t>
+            </a:r>
+            <a:r>
+              <a:rPr lang="en-US" sz="2400" dirty="0">
+                <a:solidFill>
+                  <a:srgbClr val="00B0F0"/>
+                </a:solidFill>
+              </a:rPr>
+              <a:t>("\</a:t>
+            </a:r>
+            <a:r>
+              <a:rPr lang="en-US" sz="2400" dirty="0" err="1">
+                <a:solidFill>
+                  <a:srgbClr val="00B0F0"/>
+                </a:solidFill>
+              </a:rPr>
+              <a:t>nHere</a:t>
+            </a:r>
+            <a:r>
+              <a:rPr lang="en-US" sz="2400" dirty="0">
+                <a:solidFill>
+                  <a:srgbClr val="00B0F0"/>
+                </a:solidFill>
+              </a:rPr>
+              <a:t> is the sorted list:") </a:t>
+            </a:r>
+            <a:endParaRPr lang="ru-RU" sz="2400" dirty="0" smtClean="0">
               <a:solidFill>
-                <a:srgbClr val="0070C0"/>
+                <a:srgbClr val="00B0F0"/>
               </a:solidFill>
             </a:endParaRPr>
           </a:p>
@@ -7059,80 +7142,24 @@
               <a:buNone/>
             </a:pPr>
             <a:r>
-              <a:rPr lang="ru-RU" dirty="0" err="1">
-                <a:solidFill>
-                  <a:srgbClr val="0070C0"/>
-                </a:solidFill>
-              </a:rPr>
-              <a:t>sorted</a:t>
-            </a:r>
-            <a:r>
-              <a:rPr lang="ru-RU" dirty="0">
-                <a:solidFill>
-                  <a:srgbClr val="0070C0"/>
-                </a:solidFill>
-              </a:rPr>
-              <a:t>(</a:t>
-            </a:r>
-            <a:r>
-              <a:rPr lang="ru-RU" dirty="0" err="1">
-                <a:solidFill>
-                  <a:srgbClr val="0070C0"/>
-                </a:solidFill>
-              </a:rPr>
-              <a:t>list</a:t>
-            </a:r>
-            <a:r>
-              <a:rPr lang="ru-RU" dirty="0">
-                <a:solidFill>
-                  <a:srgbClr val="0070C0"/>
-                </a:solidFill>
-              </a:rPr>
-              <a:t>, </a:t>
-            </a:r>
-            <a:r>
-              <a:rPr lang="ru-RU" dirty="0" err="1">
-                <a:solidFill>
-                  <a:srgbClr val="0070C0"/>
-                </a:solidFill>
-              </a:rPr>
-              <a:t>key</a:t>
-            </a:r>
-            <a:r>
-              <a:rPr lang="ru-RU" dirty="0">
-                <a:solidFill>
-                  <a:srgbClr val="0070C0"/>
-                </a:solidFill>
-              </a:rPr>
-              <a:t>): сортирует список </a:t>
-            </a:r>
-            <a:r>
-              <a:rPr lang="ru-RU" dirty="0" err="1">
-                <a:solidFill>
-                  <a:srgbClr val="0070C0"/>
-                </a:solidFill>
-              </a:rPr>
-              <a:t>list</a:t>
-            </a:r>
-            <a:r>
-              <a:rPr lang="ru-RU" dirty="0">
-                <a:solidFill>
-                  <a:srgbClr val="0070C0"/>
-                </a:solidFill>
-              </a:rPr>
-              <a:t>, применяя к элементам функцию </a:t>
-            </a:r>
-            <a:r>
-              <a:rPr lang="ru-RU" dirty="0" err="1" smtClean="0">
-                <a:solidFill>
-                  <a:srgbClr val="0070C0"/>
-                </a:solidFill>
-              </a:rPr>
-              <a:t>key</a:t>
-            </a:r>
-            <a:endParaRPr lang="en-US" dirty="0" smtClean="0">
+              <a:rPr lang="en-US" sz="2400" dirty="0" smtClean="0">
+                <a:solidFill>
+                  <a:srgbClr val="00B0F0"/>
+                </a:solidFill>
+              </a:rPr>
+              <a:t>print(sorted(cars</a:t>
+            </a:r>
+            <a:r>
+              <a:rPr lang="en-US" sz="2400" dirty="0">
+                <a:solidFill>
+                  <a:srgbClr val="00B0F0"/>
+                </a:solidFill>
+              </a:rPr>
+              <a:t>)) </a:t>
+            </a:r>
+            <a:endParaRPr lang="ru-RU" sz="2400" dirty="0">
               <a:solidFill>
-                <a:srgbClr val="0070C0"/>
+                <a:srgbClr val="00B0F0"/>
               </a:solidFill>
             </a:endParaRPr>
           </a:p>
@@ -7141,16 +7168,48 @@
               <a:buNone/>
             </a:pPr>
             <a:r>
-              <a:rPr lang="en-US" dirty="0" smtClean="0">
-                <a:solidFill>
-                  <a:srgbClr val="00B050"/>
-                </a:solidFill>
-              </a:rPr>
-              <a:t> </a:t>
-            </a:r>
-            <a:endParaRPr lang="en-US" dirty="0">
+              <a:rPr lang="en-US" sz="2400" dirty="0" smtClean="0">
+                <a:solidFill>
+                  <a:srgbClr val="FFC000"/>
+                </a:solidFill>
+              </a:rPr>
+              <a:t>print</a:t>
+            </a:r>
+            <a:r>
+              <a:rPr lang="en-US" sz="2400" dirty="0">
+                <a:solidFill>
+                  <a:srgbClr val="FFC000"/>
+                </a:solidFill>
+              </a:rPr>
+              <a:t>("\</a:t>
+            </a:r>
+            <a:r>
+              <a:rPr lang="en-US" sz="2400" dirty="0" err="1">
+                <a:solidFill>
+                  <a:srgbClr val="FFC000"/>
+                </a:solidFill>
+              </a:rPr>
+              <a:t>nHere</a:t>
+            </a:r>
+            <a:r>
+              <a:rPr lang="en-US" sz="2400" dirty="0">
+                <a:solidFill>
+                  <a:srgbClr val="FFC000"/>
+                </a:solidFill>
+              </a:rPr>
+              <a:t> is the original list again</a:t>
+            </a:r>
+            <a:r>
+              <a:rPr lang="en-US" sz="2400" dirty="0" smtClean="0">
+                <a:solidFill>
+                  <a:srgbClr val="FFC000"/>
+                </a:solidFill>
+              </a:rPr>
+              <a:t>:")</a:t>
+            </a:r>
+            <a:endParaRPr lang="ru-RU" sz="2400" dirty="0" smtClean="0">
               <a:solidFill>
-                <a:srgbClr val="00B050"/>
+                <a:srgbClr val="FFC000"/>
               </a:solidFill>
             </a:endParaRPr>
           </a:p>
@@ -7159,69 +7218,24 @@
               <a:buNone/>
             </a:pPr>
             <a:r>
-              <a:rPr lang="en-US" dirty="0" err="1">
-                <a:solidFill>
-                  <a:srgbClr val="FF0000"/>
-                </a:solidFill>
-              </a:rPr>
-              <a:t>sorted_people</a:t>
-            </a:r>
-            <a:r>
-              <a:rPr lang="en-US" dirty="0">
-                <a:solidFill>
-                  <a:srgbClr val="FF0000"/>
-                </a:solidFill>
-              </a:rPr>
-              <a:t> = sorted(people, key=</a:t>
-            </a:r>
-            <a:r>
-              <a:rPr lang="en-US" dirty="0" err="1">
-                <a:solidFill>
-                  <a:srgbClr val="FF0000"/>
-                </a:solidFill>
-              </a:rPr>
-              <a:t>str.lower</a:t>
-            </a:r>
-            <a:r>
-              <a:rPr lang="en-US" dirty="0">
-                <a:solidFill>
-                  <a:srgbClr val="FF0000"/>
+              <a:rPr lang="en-US" sz="2400" dirty="0" smtClean="0">
+                <a:solidFill>
+                  <a:srgbClr val="FFC000"/>
+                </a:solidFill>
+              </a:rPr>
+              <a:t>print(cars</a:t>
+            </a:r>
+            <a:r>
+              <a:rPr lang="en-US" sz="2400" dirty="0">
+                <a:solidFill>
+                  <a:srgbClr val="FFC000"/>
                 </a:solidFill>
               </a:rPr>
               <a:t>)</a:t>
             </a:r>
-          </a:p>
-          <a:p>
-            <a:pPr marL="0" indent="0">
-              <a:buNone/>
-            </a:pPr>
-            <a:r>
-              <a:rPr lang="en-US" dirty="0" smtClean="0">
-                <a:solidFill>
-                  <a:srgbClr val="00B050"/>
-                </a:solidFill>
-              </a:rPr>
-              <a:t>print(</a:t>
-            </a:r>
-            <a:r>
-              <a:rPr lang="en-US" dirty="0" err="1" smtClean="0">
-                <a:solidFill>
-                  <a:srgbClr val="00B050"/>
-                </a:solidFill>
-              </a:rPr>
-              <a:t>sorted_people</a:t>
-            </a:r>
-            <a:r>
-              <a:rPr lang="en-US" dirty="0" smtClean="0">
-                <a:solidFill>
-                  <a:srgbClr val="00B050"/>
-                </a:solidFill>
-              </a:rPr>
-              <a:t>)</a:t>
-            </a:r>
-            <a:endParaRPr lang="ru-RU" dirty="0">
+            <a:endParaRPr lang="ru-RU" sz="2400" dirty="0">
               <a:solidFill>
-                <a:srgbClr val="00B050"/>
+                <a:srgbClr val="FFC000"/>
               </a:solidFill>
             </a:endParaRPr>
           </a:p>
@@ -7230,7 +7244,7 @@
     </p:spTree>
     <p:extLst>
       <p:ext uri="{BB962C8B-B14F-4D97-AF65-F5344CB8AC3E}">
-        <p14:creationId xmlns:p14="http://schemas.microsoft.com/office/powerpoint/2010/main" val="4199381867"/>
+        <p14:creationId xmlns:p14="http://schemas.microsoft.com/office/powerpoint/2010/main" val="821309608"/>
       </p:ext>
     </p:extLst>
   </p:cSld>
@@ -7259,45 +7273,6 @@
       </p:grpSpPr>
       <p:sp>
         <p:nvSpPr>
-          <p:cNvPr id="2" name="Заголовок 1"/>
-          <p:cNvSpPr>
-            <a:spLocks noGrp="1"/>
-          </p:cNvSpPr>
-          <p:nvPr>
-            <p:ph type="title"/>
-          </p:nvPr>
-        </p:nvSpPr>
-        <p:spPr/>
-        <p:txBody>
-          <a:bodyPr/>
-          <a:lstStyle/>
-          <a:p>
-            <a:r>
-              <a:rPr lang="ru-RU" dirty="0">
-                <a:solidFill>
-                  <a:srgbClr val="FF0000"/>
-                </a:solidFill>
-              </a:rPr>
-              <a:t>Минимальное и максимальное </a:t>
-            </a:r>
-            <a:r>
-              <a:rPr lang="ru-RU" dirty="0" smtClean="0">
-                <a:solidFill>
-                  <a:srgbClr val="FF0000"/>
-                </a:solidFill>
-              </a:rPr>
-              <a:t>значения</a:t>
-            </a:r>
-            <a:endParaRPr lang="ru-RU" dirty="0">
-              <a:solidFill>
-                <a:srgbClr val="FF0000"/>
-              </a:solidFill>
-            </a:endParaRPr>
-          </a:p>
-        </p:txBody>
-      </p:sp>
-      <p:sp>
-        <p:nvSpPr>
           <p:cNvPr id="3" name="Объект 2"/>
           <p:cNvSpPr>
             <a:spLocks noGrp="1"/>
@@ -7306,122 +7281,216 @@
             <p:ph idx="1"/>
           </p:nvPr>
         </p:nvSpPr>
-        <p:spPr/>
+        <p:spPr>
+          <a:xfrm>
+            <a:off x="838200" y="495656"/>
+            <a:ext cx="10515600" cy="5681307"/>
+          </a:xfrm>
+        </p:spPr>
         <p:txBody>
-          <a:bodyPr/>
+          <a:bodyPr>
+            <a:normAutofit fontScale="70000" lnSpcReduction="20000"/>
+          </a:bodyPr>
           <a:lstStyle/>
           <a:p>
             <a:pPr marL="0" indent="0">
               <a:buNone/>
             </a:pPr>
+            <a:endParaRPr lang="en-US" dirty="0" smtClean="0"/>
+          </a:p>
+          <a:p>
+            <a:pPr marL="0" indent="0">
+              <a:buNone/>
+            </a:pPr>
+            <a:r>
+              <a:rPr lang="en-US" dirty="0" smtClean="0">
+                <a:solidFill>
+                  <a:srgbClr val="FF0000"/>
+                </a:solidFill>
+              </a:rPr>
+              <a:t>people </a:t>
+            </a:r>
+            <a:r>
+              <a:rPr lang="en-US" dirty="0">
+                <a:solidFill>
+                  <a:srgbClr val="FF0000"/>
+                </a:solidFill>
+              </a:rPr>
+              <a:t>= ["Tom", "bob", "</a:t>
+            </a:r>
+            <a:r>
+              <a:rPr lang="en-US" dirty="0" err="1">
+                <a:solidFill>
+                  <a:srgbClr val="FF0000"/>
+                </a:solidFill>
+              </a:rPr>
+              <a:t>alice</a:t>
+            </a:r>
+            <a:r>
+              <a:rPr lang="en-US" dirty="0">
+                <a:solidFill>
+                  <a:srgbClr val="FF0000"/>
+                </a:solidFill>
+              </a:rPr>
+              <a:t>", "Sam", "Bill"]</a:t>
+            </a:r>
+          </a:p>
+          <a:p>
+            <a:pPr marL="0" indent="0">
+              <a:buNone/>
+            </a:pPr>
+            <a:r>
+              <a:rPr lang="en-US" dirty="0"/>
+              <a:t> </a:t>
+            </a:r>
+          </a:p>
+          <a:p>
+            <a:pPr marL="0" indent="0">
+              <a:buNone/>
+            </a:pPr>
+            <a:r>
+              <a:rPr lang="en-US" dirty="0" err="1">
+                <a:solidFill>
+                  <a:srgbClr val="FF0000"/>
+                </a:solidFill>
+              </a:rPr>
+              <a:t>people.sort</a:t>
+            </a:r>
+            <a:r>
+              <a:rPr lang="en-US" dirty="0" smtClean="0">
+                <a:solidFill>
+                  <a:srgbClr val="FF0000"/>
+                </a:solidFill>
+              </a:rPr>
+              <a:t>()</a:t>
+            </a:r>
+          </a:p>
+          <a:p>
+            <a:pPr marL="0" indent="0">
+              <a:buNone/>
+            </a:pPr>
+            <a:r>
+              <a:rPr lang="en-US" dirty="0" smtClean="0">
+                <a:solidFill>
+                  <a:srgbClr val="00B050"/>
+                </a:solidFill>
+              </a:rPr>
+              <a:t>print(people)</a:t>
+            </a:r>
+          </a:p>
+          <a:p>
+            <a:pPr marL="0" indent="0">
+              <a:buNone/>
+            </a:pPr>
+            <a:endParaRPr lang="en-US" dirty="0"/>
+          </a:p>
+          <a:p>
+            <a:pPr marL="0" indent="0">
+              <a:buNone/>
+            </a:pPr>
+            <a:r>
+              <a:rPr lang="en-US" dirty="0" err="1">
+                <a:solidFill>
+                  <a:srgbClr val="FF0000"/>
+                </a:solidFill>
+              </a:rPr>
+              <a:t>people.sort</a:t>
+            </a:r>
+            <a:r>
+              <a:rPr lang="en-US" dirty="0">
+                <a:solidFill>
+                  <a:srgbClr val="FF0000"/>
+                </a:solidFill>
+              </a:rPr>
+              <a:t>(key=</a:t>
+            </a:r>
+            <a:r>
+              <a:rPr lang="en-US" dirty="0" err="1">
+                <a:solidFill>
+                  <a:srgbClr val="FF0000"/>
+                </a:solidFill>
+              </a:rPr>
+              <a:t>str.lower</a:t>
+            </a:r>
+            <a:r>
+              <a:rPr lang="en-US" dirty="0" smtClean="0">
+                <a:solidFill>
+                  <a:srgbClr val="FF0000"/>
+                </a:solidFill>
+              </a:rPr>
+              <a:t>)   	#</a:t>
+            </a:r>
+            <a:endParaRPr lang="ru-RU" dirty="0">
+              <a:solidFill>
+                <a:srgbClr val="FF0000"/>
+              </a:solidFill>
+            </a:endParaRPr>
+          </a:p>
+          <a:p>
+            <a:pPr marL="0" indent="0">
+              <a:buNone/>
+            </a:pPr>
+            <a:r>
+              <a:rPr lang="en-US" dirty="0" smtClean="0">
+                <a:solidFill>
+                  <a:srgbClr val="00B050"/>
+                </a:solidFill>
+              </a:rPr>
+              <a:t>print(people</a:t>
+            </a:r>
+            <a:r>
+              <a:rPr lang="en-US" dirty="0" smtClean="0">
+                <a:solidFill>
+                  <a:srgbClr val="00B050"/>
+                </a:solidFill>
+              </a:rPr>
+              <a:t>)			#</a:t>
+            </a:r>
+            <a:endParaRPr lang="en-US" dirty="0" smtClean="0">
+              <a:solidFill>
+                <a:srgbClr val="00B050"/>
+              </a:solidFill>
+            </a:endParaRPr>
+          </a:p>
+          <a:p>
+            <a:pPr marL="0" indent="0">
+              <a:buNone/>
+            </a:pPr>
+            <a:endParaRPr lang="en-US" dirty="0">
+              <a:solidFill>
+                <a:srgbClr val="00B050"/>
+              </a:solidFill>
+            </a:endParaRPr>
+          </a:p>
+          <a:p>
+            <a:pPr marL="0" indent="0">
+              <a:buNone/>
+            </a:pPr>
             <a:r>
               <a:rPr lang="ru-RU" dirty="0"/>
-              <a:t>Встроенный функции </a:t>
+              <a:t>Кроме метода </a:t>
             </a:r>
             <a:r>
               <a:rPr lang="ru-RU" dirty="0" err="1"/>
-              <a:t>Python</a:t>
+              <a:t>sort</a:t>
             </a:r>
             <a:r>
               <a:rPr lang="ru-RU" dirty="0"/>
-              <a:t> </a:t>
+              <a:t> мы можем использовать встроенную функцию </a:t>
             </a:r>
             <a:r>
               <a:rPr lang="ru-RU" dirty="0" err="1"/>
-              <a:t>min</a:t>
+              <a:t>sorted</a:t>
             </a:r>
             <a:r>
               <a:rPr lang="ru-RU" dirty="0"/>
-              <a:t>() и </a:t>
-            </a:r>
-            <a:r>
-              <a:rPr lang="ru-RU" dirty="0" err="1"/>
-              <a:t>max</a:t>
-            </a:r>
-            <a:r>
-              <a:rPr lang="ru-RU" dirty="0"/>
-              <a:t>() позволяют найти минимальное и максимальное значения соответственно:</a:t>
-            </a:r>
-          </a:p>
-          <a:p>
-            <a:pPr marL="0" indent="0">
-              <a:buNone/>
-            </a:pPr>
-            <a:endParaRPr lang="ru-RU" dirty="0"/>
-          </a:p>
-          <a:p>
-            <a:pPr marL="0" indent="0">
-              <a:buNone/>
-            </a:pPr>
-            <a:r>
-              <a:rPr lang="ru-RU" dirty="0" err="1">
-                <a:solidFill>
-                  <a:srgbClr val="FF0000"/>
-                </a:solidFill>
-              </a:rPr>
-              <a:t>numbers</a:t>
-            </a:r>
-            <a:r>
-              <a:rPr lang="ru-RU" dirty="0">
-                <a:solidFill>
-                  <a:srgbClr val="FF0000"/>
-                </a:solidFill>
-              </a:rPr>
-              <a:t> = [9, 21, 12, 1, 3, 15, 18]</a:t>
-            </a:r>
-          </a:p>
-          <a:p>
-            <a:pPr marL="0" indent="0">
-              <a:buNone/>
-            </a:pPr>
-            <a:r>
-              <a:rPr lang="ru-RU" dirty="0" err="1">
-                <a:solidFill>
-                  <a:srgbClr val="00B050"/>
-                </a:solidFill>
-              </a:rPr>
-              <a:t>print</a:t>
-            </a:r>
-            <a:r>
-              <a:rPr lang="ru-RU" dirty="0">
-                <a:solidFill>
-                  <a:srgbClr val="00B050"/>
-                </a:solidFill>
-              </a:rPr>
-              <a:t>(</a:t>
-            </a:r>
-            <a:r>
-              <a:rPr lang="ru-RU" dirty="0" err="1">
-                <a:solidFill>
-                  <a:srgbClr val="00B050"/>
-                </a:solidFill>
-              </a:rPr>
-              <a:t>min</a:t>
-            </a:r>
-            <a:r>
-              <a:rPr lang="ru-RU" dirty="0">
-                <a:solidFill>
-                  <a:srgbClr val="00B050"/>
-                </a:solidFill>
-              </a:rPr>
-              <a:t>(</a:t>
-            </a:r>
-            <a:r>
-              <a:rPr lang="ru-RU" dirty="0" err="1">
-                <a:solidFill>
-                  <a:srgbClr val="00B050"/>
-                </a:solidFill>
-              </a:rPr>
-              <a:t>numbers</a:t>
-            </a:r>
-            <a:r>
-              <a:rPr lang="ru-RU" dirty="0" smtClean="0">
-                <a:solidFill>
-                  <a:srgbClr val="00B050"/>
-                </a:solidFill>
-              </a:rPr>
-              <a:t>))</a:t>
-            </a:r>
+              <a:t>, которая имеет две формы:</a:t>
+            </a:r>
+          </a:p>
+          <a:p>
+            <a:pPr marL="0" indent="0">
+              <a:buNone/>
+            </a:pPr>
             <a:endParaRPr lang="ru-RU" dirty="0">
               <a:solidFill>
                 <a:srgbClr val="00B050"/>
@@ -7435,50 +7504,213 @@
             <a:r>
               <a:rPr lang="ru-RU" dirty="0" err="1">
                 <a:solidFill>
+                  <a:srgbClr val="0070C0"/>
+                </a:solidFill>
+              </a:rPr>
+              <a:t>sorted</a:t>
+            </a:r>
+            <a:r>
+              <a:rPr lang="ru-RU" dirty="0">
+                <a:solidFill>
+                  <a:srgbClr val="0070C0"/>
+                </a:solidFill>
+              </a:rPr>
+              <a:t>(</a:t>
+            </a:r>
+            <a:r>
+              <a:rPr lang="ru-RU" dirty="0" err="1">
+                <a:solidFill>
+                  <a:srgbClr val="0070C0"/>
+                </a:solidFill>
+              </a:rPr>
+              <a:t>list</a:t>
+            </a:r>
+            <a:r>
+              <a:rPr lang="ru-RU" dirty="0">
+                <a:solidFill>
+                  <a:srgbClr val="0070C0"/>
+                </a:solidFill>
+              </a:rPr>
+              <a:t>): сортирует список </a:t>
+            </a:r>
+            <a:r>
+              <a:rPr lang="ru-RU" dirty="0" err="1" smtClean="0">
+                <a:solidFill>
+                  <a:srgbClr val="0070C0"/>
+                </a:solidFill>
+              </a:rPr>
+              <a:t>list</a:t>
+            </a:r>
+            <a:endParaRPr lang="ru-RU" dirty="0">
+              <a:solidFill>
+                <a:srgbClr val="0070C0"/>
+              </a:solidFill>
+            </a:endParaRPr>
+          </a:p>
+          <a:p>
+            <a:pPr marL="0" indent="0">
+              <a:buNone/>
+            </a:pPr>
+            <a:r>
+              <a:rPr lang="ru-RU" dirty="0" err="1">
+                <a:solidFill>
+                  <a:srgbClr val="0070C0"/>
+                </a:solidFill>
+              </a:rPr>
+              <a:t>sorted</a:t>
+            </a:r>
+            <a:r>
+              <a:rPr lang="ru-RU" dirty="0">
+                <a:solidFill>
+                  <a:srgbClr val="0070C0"/>
+                </a:solidFill>
+              </a:rPr>
+              <a:t>(</a:t>
+            </a:r>
+            <a:r>
+              <a:rPr lang="ru-RU" dirty="0" err="1">
+                <a:solidFill>
+                  <a:srgbClr val="0070C0"/>
+                </a:solidFill>
+              </a:rPr>
+              <a:t>list</a:t>
+            </a:r>
+            <a:r>
+              <a:rPr lang="ru-RU" dirty="0">
+                <a:solidFill>
+                  <a:srgbClr val="0070C0"/>
+                </a:solidFill>
+              </a:rPr>
+              <a:t>, </a:t>
+            </a:r>
+            <a:r>
+              <a:rPr lang="ru-RU" dirty="0" err="1">
+                <a:solidFill>
+                  <a:srgbClr val="0070C0"/>
+                </a:solidFill>
+              </a:rPr>
+              <a:t>key</a:t>
+            </a:r>
+            <a:r>
+              <a:rPr lang="ru-RU" dirty="0">
+                <a:solidFill>
+                  <a:srgbClr val="0070C0"/>
+                </a:solidFill>
+              </a:rPr>
+              <a:t>): сортирует список </a:t>
+            </a:r>
+            <a:r>
+              <a:rPr lang="ru-RU" dirty="0" err="1">
+                <a:solidFill>
+                  <a:srgbClr val="0070C0"/>
+                </a:solidFill>
+              </a:rPr>
+              <a:t>list</a:t>
+            </a:r>
+            <a:r>
+              <a:rPr lang="ru-RU" dirty="0">
+                <a:solidFill>
+                  <a:srgbClr val="0070C0"/>
+                </a:solidFill>
+              </a:rPr>
+              <a:t>, применяя к элементам функцию </a:t>
+            </a:r>
+            <a:r>
+              <a:rPr lang="ru-RU" dirty="0" err="1" smtClean="0">
+                <a:solidFill>
+                  <a:srgbClr val="0070C0"/>
+                </a:solidFill>
+              </a:rPr>
+              <a:t>key</a:t>
+            </a:r>
+            <a:endParaRPr lang="en-US" dirty="0" smtClean="0">
+              <a:solidFill>
+                <a:srgbClr val="0070C0"/>
+              </a:solidFill>
+            </a:endParaRPr>
+          </a:p>
+          <a:p>
+            <a:pPr marL="0" indent="0">
+              <a:buNone/>
+            </a:pPr>
+            <a:r>
+              <a:rPr lang="en-US" dirty="0" smtClean="0">
+                <a:solidFill>
                   <a:srgbClr val="00B050"/>
                 </a:solidFill>
               </a:rPr>
-              <a:t>print</a:t>
-            </a:r>
-            <a:r>
-              <a:rPr lang="ru-RU" dirty="0">
+              <a:t> </a:t>
+            </a:r>
+            <a:endParaRPr lang="en-US" dirty="0">
+              <a:solidFill>
+                <a:srgbClr val="00B050"/>
+              </a:solidFill>
+            </a:endParaRPr>
+          </a:p>
+          <a:p>
+            <a:pPr marL="0" indent="0">
+              <a:buNone/>
+            </a:pPr>
+            <a:r>
+              <a:rPr lang="en-US" dirty="0" err="1">
+                <a:solidFill>
+                  <a:srgbClr val="FF0000"/>
+                </a:solidFill>
+              </a:rPr>
+              <a:t>sorted_people</a:t>
+            </a:r>
+            <a:r>
+              <a:rPr lang="en-US" dirty="0">
+                <a:solidFill>
+                  <a:srgbClr val="FF0000"/>
+                </a:solidFill>
+              </a:rPr>
+              <a:t> = sorted(people, key=</a:t>
+            </a:r>
+            <a:r>
+              <a:rPr lang="en-US" dirty="0" err="1">
+                <a:solidFill>
+                  <a:srgbClr val="FF0000"/>
+                </a:solidFill>
+              </a:rPr>
+              <a:t>str.lower</a:t>
+            </a:r>
+            <a:r>
+              <a:rPr lang="en-US" dirty="0">
+                <a:solidFill>
+                  <a:srgbClr val="FF0000"/>
+                </a:solidFill>
+              </a:rPr>
+              <a:t>)</a:t>
+            </a:r>
+          </a:p>
+          <a:p>
+            <a:pPr marL="0" indent="0">
+              <a:buNone/>
+            </a:pPr>
+            <a:r>
+              <a:rPr lang="en-US" dirty="0" smtClean="0">
                 <a:solidFill>
                   <a:srgbClr val="00B050"/>
                 </a:solidFill>
               </a:rPr>
-              <a:t>(</a:t>
-            </a:r>
-            <a:r>
-              <a:rPr lang="ru-RU" dirty="0" err="1">
+              <a:t>print(</a:t>
+            </a:r>
+            <a:r>
+              <a:rPr lang="en-US" dirty="0" err="1" smtClean="0">
                 <a:solidFill>
                   <a:srgbClr val="00B050"/>
                 </a:solidFill>
               </a:rPr>
-              <a:t>max</a:t>
-            </a:r>
-            <a:r>
-              <a:rPr lang="ru-RU" dirty="0">
+              <a:t>sorted_people</a:t>
+            </a:r>
+            <a:r>
+              <a:rPr lang="en-US" dirty="0" smtClean="0">
                 <a:solidFill>
                   <a:srgbClr val="00B050"/>
                 </a:solidFill>
               </a:rPr>
-              <a:t>(</a:t>
-            </a:r>
-            <a:r>
-              <a:rPr lang="ru-RU" dirty="0" err="1">
-                <a:solidFill>
-                  <a:srgbClr val="00B050"/>
-                </a:solidFill>
-              </a:rPr>
-              <a:t>numbers</a:t>
-            </a:r>
-            <a:r>
-              <a:rPr lang="ru-RU" dirty="0" smtClean="0">
-                <a:solidFill>
-                  <a:srgbClr val="00B050"/>
-                </a:solidFill>
-              </a:rPr>
-              <a:t>))</a:t>
+              <a:t>)</a:t>
             </a:r>
             <a:endParaRPr lang="ru-RU" dirty="0">
               <a:solidFill>
@@ -7491,7 +7723,7 @@
     </p:spTree>
     <p:extLst>
       <p:ext uri="{BB962C8B-B14F-4D97-AF65-F5344CB8AC3E}">
-        <p14:creationId xmlns:p14="http://schemas.microsoft.com/office/powerpoint/2010/main" val="3965165725"/>
+        <p14:creationId xmlns:p14="http://schemas.microsoft.com/office/powerpoint/2010/main" val="4199381867"/>
       </p:ext>
     </p:extLst>
   </p:cSld>
@@ -7539,6 +7771,267 @@
                   <a:srgbClr val="FF0000"/>
                 </a:solidFill>
               </a:rPr>
+              <a:t>Минимальное и максимальное </a:t>
+            </a:r>
+            <a:r>
+              <a:rPr lang="ru-RU" dirty="0" smtClean="0">
+                <a:solidFill>
+                  <a:srgbClr val="FF0000"/>
+                </a:solidFill>
+              </a:rPr>
+              <a:t>значения</a:t>
+            </a:r>
+            <a:endParaRPr lang="ru-RU" dirty="0">
+              <a:solidFill>
+                <a:srgbClr val="FF0000"/>
+              </a:solidFill>
+            </a:endParaRPr>
+          </a:p>
+        </p:txBody>
+      </p:sp>
+      <p:sp>
+        <p:nvSpPr>
+          <p:cNvPr id="3" name="Объект 2"/>
+          <p:cNvSpPr>
+            <a:spLocks noGrp="1"/>
+          </p:cNvSpPr>
+          <p:nvPr>
+            <p:ph idx="1"/>
+          </p:nvPr>
+        </p:nvSpPr>
+        <p:spPr/>
+        <p:txBody>
+          <a:bodyPr/>
+          <a:lstStyle/>
+          <a:p>
+            <a:pPr marL="0" indent="0">
+              <a:buNone/>
+            </a:pPr>
+            <a:r>
+              <a:rPr lang="ru-RU" dirty="0"/>
+              <a:t>Встроенный функции </a:t>
+            </a:r>
+            <a:r>
+              <a:rPr lang="ru-RU" dirty="0" err="1"/>
+              <a:t>Python</a:t>
+            </a:r>
+            <a:r>
+              <a:rPr lang="ru-RU" dirty="0"/>
+              <a:t> </a:t>
+            </a:r>
+            <a:r>
+              <a:rPr lang="ru-RU" dirty="0" err="1"/>
+              <a:t>min</a:t>
+            </a:r>
+            <a:r>
+              <a:rPr lang="ru-RU" dirty="0"/>
+              <a:t>() и </a:t>
+            </a:r>
+            <a:r>
+              <a:rPr lang="ru-RU" dirty="0" err="1"/>
+              <a:t>max</a:t>
+            </a:r>
+            <a:r>
+              <a:rPr lang="ru-RU" dirty="0"/>
+              <a:t>() позволяют найти минимальное и максимальное значения соответственно:</a:t>
+            </a:r>
+          </a:p>
+          <a:p>
+            <a:pPr marL="0" indent="0">
+              <a:buNone/>
+            </a:pPr>
+            <a:endParaRPr lang="ru-RU" dirty="0"/>
+          </a:p>
+          <a:p>
+            <a:pPr marL="0" indent="0">
+              <a:buNone/>
+            </a:pPr>
+            <a:r>
+              <a:rPr lang="ru-RU" dirty="0" err="1">
+                <a:solidFill>
+                  <a:srgbClr val="FF0000"/>
+                </a:solidFill>
+              </a:rPr>
+              <a:t>numbers</a:t>
+            </a:r>
+            <a:r>
+              <a:rPr lang="ru-RU" dirty="0">
+                <a:solidFill>
+                  <a:srgbClr val="FF0000"/>
+                </a:solidFill>
+              </a:rPr>
+              <a:t> = [9, 21, 12, 1, 3, 15, 18]</a:t>
+            </a:r>
+          </a:p>
+          <a:p>
+            <a:pPr marL="0" indent="0">
+              <a:buNone/>
+            </a:pPr>
+            <a:r>
+              <a:rPr lang="ru-RU" dirty="0" err="1">
+                <a:solidFill>
+                  <a:srgbClr val="00B050"/>
+                </a:solidFill>
+              </a:rPr>
+              <a:t>print</a:t>
+            </a:r>
+            <a:r>
+              <a:rPr lang="ru-RU" dirty="0">
+                <a:solidFill>
+                  <a:srgbClr val="00B050"/>
+                </a:solidFill>
+              </a:rPr>
+              <a:t>(</a:t>
+            </a:r>
+            <a:r>
+              <a:rPr lang="ru-RU" dirty="0" err="1">
+                <a:solidFill>
+                  <a:srgbClr val="00B050"/>
+                </a:solidFill>
+              </a:rPr>
+              <a:t>min</a:t>
+            </a:r>
+            <a:r>
+              <a:rPr lang="ru-RU" dirty="0">
+                <a:solidFill>
+                  <a:srgbClr val="00B050"/>
+                </a:solidFill>
+              </a:rPr>
+              <a:t>(</a:t>
+            </a:r>
+            <a:r>
+              <a:rPr lang="ru-RU" dirty="0" err="1">
+                <a:solidFill>
+                  <a:srgbClr val="00B050"/>
+                </a:solidFill>
+              </a:rPr>
+              <a:t>numbers</a:t>
+            </a:r>
+            <a:r>
+              <a:rPr lang="ru-RU" dirty="0" smtClean="0">
+                <a:solidFill>
+                  <a:srgbClr val="00B050"/>
+                </a:solidFill>
+              </a:rPr>
+              <a:t>))</a:t>
+            </a:r>
+            <a:endParaRPr lang="ru-RU" dirty="0">
+              <a:solidFill>
+                <a:srgbClr val="00B050"/>
+              </a:solidFill>
+            </a:endParaRPr>
+          </a:p>
+          <a:p>
+            <a:pPr marL="0" indent="0">
+              <a:buNone/>
+            </a:pPr>
+            <a:r>
+              <a:rPr lang="ru-RU" dirty="0" err="1">
+                <a:solidFill>
+                  <a:srgbClr val="00B050"/>
+                </a:solidFill>
+              </a:rPr>
+              <a:t>print</a:t>
+            </a:r>
+            <a:r>
+              <a:rPr lang="ru-RU" dirty="0">
+                <a:solidFill>
+                  <a:srgbClr val="00B050"/>
+                </a:solidFill>
+              </a:rPr>
+              <a:t>(</a:t>
+            </a:r>
+            <a:r>
+              <a:rPr lang="ru-RU" dirty="0" err="1">
+                <a:solidFill>
+                  <a:srgbClr val="00B050"/>
+                </a:solidFill>
+              </a:rPr>
+              <a:t>max</a:t>
+            </a:r>
+            <a:r>
+              <a:rPr lang="ru-RU" dirty="0">
+                <a:solidFill>
+                  <a:srgbClr val="00B050"/>
+                </a:solidFill>
+              </a:rPr>
+              <a:t>(</a:t>
+            </a:r>
+            <a:r>
+              <a:rPr lang="ru-RU" dirty="0" err="1">
+                <a:solidFill>
+                  <a:srgbClr val="00B050"/>
+                </a:solidFill>
+              </a:rPr>
+              <a:t>numbers</a:t>
+            </a:r>
+            <a:r>
+              <a:rPr lang="ru-RU" dirty="0" smtClean="0">
+                <a:solidFill>
+                  <a:srgbClr val="00B050"/>
+                </a:solidFill>
+              </a:rPr>
+              <a:t>))</a:t>
+            </a:r>
+            <a:endParaRPr lang="ru-RU" dirty="0">
+              <a:solidFill>
+                <a:srgbClr val="00B050"/>
+              </a:solidFill>
+            </a:endParaRPr>
+          </a:p>
+        </p:txBody>
+      </p:sp>
+    </p:spTree>
+    <p:extLst>
+      <p:ext uri="{BB962C8B-B14F-4D97-AF65-F5344CB8AC3E}">
+        <p14:creationId xmlns:p14="http://schemas.microsoft.com/office/powerpoint/2010/main" val="3965165725"/>
+      </p:ext>
+    </p:extLst>
+  </p:cSld>
+  <p:clrMapOvr>
+    <a:masterClrMapping/>
+  </p:clrMapOvr>
+</p:sld>
+</file>
+
+<file path=ppt/slides/slide25.xml><?xml version="1.0" encoding="utf-8"?>
+<p:sld xmlns:a="http://schemas.openxmlformats.org/drawingml/2006/main" xmlns:r="http://schemas.openxmlformats.org/officeDocument/2006/relationships" xmlns:p="http://schemas.openxmlformats.org/presentationml/2006/main">
+  <p:cSld>
+    <p:spTree>
+      <p:nvGrpSpPr>
+        <p:cNvPr id="1" name=""/>
+        <p:cNvGrpSpPr/>
+        <p:nvPr/>
+      </p:nvGrpSpPr>
+      <p:grpSpPr>
+        <a:xfrm>
+          <a:off x="0" y="0"/>
+          <a:ext cx="0" cy="0"/>
+          <a:chOff x="0" y="0"/>
+          <a:chExt cx="0" cy="0"/>
+        </a:xfrm>
+      </p:grpSpPr>
+      <p:sp>
+        <p:nvSpPr>
+          <p:cNvPr id="2" name="Заголовок 1"/>
+          <p:cNvSpPr>
+            <a:spLocks noGrp="1"/>
+          </p:cNvSpPr>
+          <p:nvPr>
+            <p:ph type="title"/>
+          </p:nvPr>
+        </p:nvSpPr>
+        <p:spPr/>
+        <p:txBody>
+          <a:bodyPr/>
+          <a:lstStyle/>
+          <a:p>
+            <a:r>
+              <a:rPr lang="ru-RU" dirty="0">
+                <a:solidFill>
+                  <a:srgbClr val="FF0000"/>
+                </a:solidFill>
+              </a:rPr>
               <a:t>Копирование </a:t>
             </a:r>
             <a:r>
@@ -7907,7 +8400,7 @@
 </p:sld>
 </file>
 
-<file path=ppt/slides/slide25.xml><?xml version="1.0" encoding="utf-8"?>
+<file path=ppt/slides/slide26.xml><?xml version="1.0" encoding="utf-8"?>
 <p:sld xmlns:a="http://schemas.openxmlformats.org/drawingml/2006/main" xmlns:r="http://schemas.openxmlformats.org/officeDocument/2006/relationships" xmlns:p="http://schemas.openxmlformats.org/presentationml/2006/main">
   <p:cSld>
     <p:spTree>
@@ -8186,7 +8679,7 @@
 </p:sld>
 </file>
 
-<file path=ppt/slides/slide26.xml><?xml version="1.0" encoding="utf-8"?>
+<file path=ppt/slides/slide27.xml><?xml version="1.0" encoding="utf-8"?>
 <p:sld xmlns:a="http://schemas.openxmlformats.org/drawingml/2006/main" xmlns:r="http://schemas.openxmlformats.org/officeDocument/2006/relationships" xmlns:p="http://schemas.openxmlformats.org/presentationml/2006/main">
   <p:cSld>
     <p:spTree>
@@ -8363,7 +8856,7 @@
 </p:sld>
 </file>
 
-<file path=ppt/slides/slide27.xml><?xml version="1.0" encoding="utf-8"?>
+<file path=ppt/slides/slide28.xml><?xml version="1.0" encoding="utf-8"?>
 <p:sld xmlns:a="http://schemas.openxmlformats.org/drawingml/2006/main" xmlns:r="http://schemas.openxmlformats.org/officeDocument/2006/relationships" xmlns:p="http://schemas.openxmlformats.org/presentationml/2006/main">
   <p:cSld>
     <p:spTree>
@@ -8660,310 +9153,6 @@
     <p:extLst>
       <p:ext uri="{BB962C8B-B14F-4D97-AF65-F5344CB8AC3E}">
         <p14:creationId xmlns:p14="http://schemas.microsoft.com/office/powerpoint/2010/main" val="640414502"/>
-      </p:ext>
-    </p:extLst>
-  </p:cSld>
-  <p:clrMapOvr>
-    <a:masterClrMapping/>
-  </p:clrMapOvr>
-</p:sld>
-</file>
-
-<file path=ppt/slides/slide28.xml><?xml version="1.0" encoding="utf-8"?>
-<p:sld xmlns:a="http://schemas.openxmlformats.org/drawingml/2006/main" xmlns:r="http://schemas.openxmlformats.org/officeDocument/2006/relationships" xmlns:p="http://schemas.openxmlformats.org/presentationml/2006/main">
-  <p:cSld>
-    <p:spTree>
-      <p:nvGrpSpPr>
-        <p:cNvPr id="1" name=""/>
-        <p:cNvGrpSpPr/>
-        <p:nvPr/>
-      </p:nvGrpSpPr>
-      <p:grpSpPr>
-        <a:xfrm>
-          <a:off x="0" y="0"/>
-          <a:ext cx="0" cy="0"/>
-          <a:chOff x="0" y="0"/>
-          <a:chExt cx="0" cy="0"/>
-        </a:xfrm>
-      </p:grpSpPr>
-      <p:sp>
-        <p:nvSpPr>
-          <p:cNvPr id="2" name="Заголовок 1"/>
-          <p:cNvSpPr>
-            <a:spLocks noGrp="1"/>
-          </p:cNvSpPr>
-          <p:nvPr>
-            <p:ph type="title"/>
-          </p:nvPr>
-        </p:nvSpPr>
-        <p:spPr/>
-        <p:txBody>
-          <a:bodyPr/>
-          <a:lstStyle/>
-          <a:p>
-            <a:r>
-              <a:rPr lang="ru-RU" dirty="0">
-                <a:solidFill>
-                  <a:srgbClr val="FF0000"/>
-                </a:solidFill>
-              </a:rPr>
-              <a:t>Определение длины списка</a:t>
-            </a:r>
-          </a:p>
-        </p:txBody>
-      </p:sp>
-      <p:sp>
-        <p:nvSpPr>
-          <p:cNvPr id="3" name="Объект 2"/>
-          <p:cNvSpPr>
-            <a:spLocks noGrp="1"/>
-          </p:cNvSpPr>
-          <p:nvPr>
-            <p:ph idx="1"/>
-          </p:nvPr>
-        </p:nvSpPr>
-        <p:spPr/>
-        <p:txBody>
-          <a:bodyPr>
-            <a:normAutofit/>
-          </a:bodyPr>
-          <a:lstStyle/>
-          <a:p>
-            <a:pPr marL="0" indent="0">
-              <a:buNone/>
-            </a:pPr>
-            <a:r>
-              <a:rPr lang="ru-RU" dirty="0"/>
-              <a:t>Вы можете быстро определить длину списка с помощью функции </a:t>
-            </a:r>
-            <a:r>
-              <a:rPr lang="ru-RU" dirty="0" err="1">
-                <a:solidFill>
-                  <a:srgbClr val="FF0000"/>
-                </a:solidFill>
-              </a:rPr>
-              <a:t>len</a:t>
-            </a:r>
-            <a:r>
-              <a:rPr lang="ru-RU" dirty="0" smtClean="0">
-                <a:solidFill>
-                  <a:srgbClr val="FF0000"/>
-                </a:solidFill>
-              </a:rPr>
-              <a:t>().</a:t>
-            </a:r>
-            <a:endParaRPr lang="en-US" dirty="0" smtClean="0">
-              <a:solidFill>
-                <a:srgbClr val="FF0000"/>
-              </a:solidFill>
-            </a:endParaRPr>
-          </a:p>
-          <a:p>
-            <a:pPr marL="0" indent="0">
-              <a:buNone/>
-            </a:pPr>
-            <a:endParaRPr lang="ru-RU" dirty="0" smtClean="0">
-              <a:solidFill>
-                <a:srgbClr val="FF0000"/>
-              </a:solidFill>
-            </a:endParaRPr>
-          </a:p>
-          <a:p>
-            <a:pPr marL="0" indent="0">
-              <a:buNone/>
-            </a:pPr>
-            <a:r>
-              <a:rPr lang="ru-RU" dirty="0" smtClean="0"/>
-              <a:t>Список </a:t>
-            </a:r>
-            <a:r>
-              <a:rPr lang="ru-RU" dirty="0"/>
-              <a:t>в нашем примере состоит из четырех элементов, поэтому его длина равна </a:t>
-            </a:r>
-            <a:r>
-              <a:rPr lang="en-US" dirty="0" smtClean="0"/>
-              <a:t>…?</a:t>
-            </a:r>
-            <a:r>
-              <a:rPr lang="ru-RU" dirty="0" smtClean="0"/>
-              <a:t>:</a:t>
-            </a:r>
-            <a:endParaRPr lang="en-US" dirty="0" smtClean="0"/>
-          </a:p>
-          <a:p>
-            <a:pPr marL="0" indent="0">
-              <a:buNone/>
-            </a:pPr>
-            <a:endParaRPr lang="ru-RU" dirty="0" smtClean="0"/>
-          </a:p>
-          <a:p>
-            <a:pPr marL="0" indent="0">
-              <a:buNone/>
-            </a:pPr>
-            <a:r>
-              <a:rPr lang="ru-RU" dirty="0" err="1" smtClean="0">
-                <a:solidFill>
-                  <a:srgbClr val="FF0000"/>
-                </a:solidFill>
-              </a:rPr>
-              <a:t>cars</a:t>
-            </a:r>
-            <a:r>
-              <a:rPr lang="ru-RU" dirty="0" smtClean="0">
-                <a:solidFill>
-                  <a:srgbClr val="FF0000"/>
-                </a:solidFill>
-              </a:rPr>
-              <a:t> </a:t>
-            </a:r>
-            <a:r>
-              <a:rPr lang="ru-RU" dirty="0">
-                <a:solidFill>
-                  <a:srgbClr val="FF0000"/>
-                </a:solidFill>
-              </a:rPr>
-              <a:t>= ['</a:t>
-            </a:r>
-            <a:r>
-              <a:rPr lang="ru-RU" dirty="0" err="1">
-                <a:solidFill>
-                  <a:srgbClr val="FF0000"/>
-                </a:solidFill>
-              </a:rPr>
-              <a:t>bmw</a:t>
-            </a:r>
-            <a:r>
-              <a:rPr lang="ru-RU" dirty="0">
-                <a:solidFill>
-                  <a:srgbClr val="FF0000"/>
-                </a:solidFill>
-              </a:rPr>
-              <a:t>', '</a:t>
-            </a:r>
-            <a:r>
-              <a:rPr lang="ru-RU" dirty="0" err="1">
-                <a:solidFill>
-                  <a:srgbClr val="FF0000"/>
-                </a:solidFill>
-              </a:rPr>
-              <a:t>audi</a:t>
-            </a:r>
-            <a:r>
-              <a:rPr lang="ru-RU" dirty="0">
-                <a:solidFill>
-                  <a:srgbClr val="FF0000"/>
-                </a:solidFill>
-              </a:rPr>
-              <a:t>', '</a:t>
-            </a:r>
-            <a:r>
-              <a:rPr lang="ru-RU" dirty="0" err="1">
-                <a:solidFill>
-                  <a:srgbClr val="FF0000"/>
-                </a:solidFill>
-              </a:rPr>
-              <a:t>toyota</a:t>
-            </a:r>
-            <a:r>
-              <a:rPr lang="ru-RU" dirty="0">
-                <a:solidFill>
-                  <a:srgbClr val="FF0000"/>
-                </a:solidFill>
-              </a:rPr>
-              <a:t>', '</a:t>
-            </a:r>
-            <a:r>
-              <a:rPr lang="ru-RU" dirty="0" err="1">
-                <a:solidFill>
-                  <a:srgbClr val="FF0000"/>
-                </a:solidFill>
-              </a:rPr>
-              <a:t>subaru</a:t>
-            </a:r>
-            <a:r>
-              <a:rPr lang="ru-RU" dirty="0" smtClean="0">
-                <a:solidFill>
-                  <a:srgbClr val="FF0000"/>
-                </a:solidFill>
-              </a:rPr>
-              <a:t>']</a:t>
-            </a:r>
-          </a:p>
-          <a:p>
-            <a:pPr marL="0" indent="0">
-              <a:buNone/>
-            </a:pPr>
-            <a:r>
-              <a:rPr lang="en-US" dirty="0">
-                <a:solidFill>
-                  <a:srgbClr val="92D050"/>
-                </a:solidFill>
-              </a:rPr>
-              <a:t>p</a:t>
-            </a:r>
-            <a:r>
-              <a:rPr lang="en-US" dirty="0" smtClean="0">
-                <a:solidFill>
-                  <a:srgbClr val="92D050"/>
-                </a:solidFill>
-              </a:rPr>
-              <a:t>rint(</a:t>
-            </a:r>
-            <a:r>
-              <a:rPr lang="ru-RU" dirty="0" err="1" smtClean="0">
-                <a:solidFill>
-                  <a:srgbClr val="92D050"/>
-                </a:solidFill>
-              </a:rPr>
-              <a:t>len</a:t>
-            </a:r>
-            <a:r>
-              <a:rPr lang="ru-RU" dirty="0" smtClean="0">
-                <a:solidFill>
-                  <a:srgbClr val="92D050"/>
-                </a:solidFill>
-              </a:rPr>
-              <a:t>(</a:t>
-            </a:r>
-            <a:r>
-              <a:rPr lang="ru-RU" dirty="0" err="1" smtClean="0">
-                <a:solidFill>
-                  <a:srgbClr val="92D050"/>
-                </a:solidFill>
-              </a:rPr>
-              <a:t>cars</a:t>
-            </a:r>
-            <a:r>
-              <a:rPr lang="ru-RU" dirty="0" smtClean="0">
-                <a:solidFill>
-                  <a:srgbClr val="92D050"/>
-                </a:solidFill>
-              </a:rPr>
-              <a:t>)</a:t>
-            </a:r>
-            <a:r>
-              <a:rPr lang="en-US" dirty="0" smtClean="0">
-                <a:solidFill>
-                  <a:srgbClr val="92D050"/>
-                </a:solidFill>
-              </a:rPr>
-              <a:t>)</a:t>
-            </a:r>
-            <a:r>
-              <a:rPr lang="ru-RU" dirty="0" smtClean="0">
-                <a:solidFill>
-                  <a:srgbClr val="92D050"/>
-                </a:solidFill>
-              </a:rPr>
-              <a:t> </a:t>
-            </a:r>
-          </a:p>
-        </p:txBody>
-      </p:sp>
-    </p:spTree>
-    <p:extLst>
-      <p:ext uri="{BB962C8B-B14F-4D97-AF65-F5344CB8AC3E}">
-        <p14:creationId xmlns:p14="http://schemas.microsoft.com/office/powerpoint/2010/main" val="2120170762"/>
       </p:ext>
     </p:extLst>
   </p:cSld>
@@ -9011,7 +9200,7 @@
                   <a:srgbClr val="FF0000"/>
                 </a:solidFill>
               </a:rPr>
-              <a:t>Ошибки индексирования при работе со списками</a:t>
+              <a:t>Определение длины списка</a:t>
             </a:r>
           </a:p>
         </p:txBody>
@@ -9028,214 +9217,246 @@
         </p:nvSpPr>
         <p:spPr/>
         <p:txBody>
-          <a:bodyPr/>
+          <a:bodyPr>
+            <a:normAutofit/>
+          </a:bodyPr>
           <a:lstStyle/>
           <a:p>
             <a:pPr marL="0" indent="0">
               <a:buNone/>
             </a:pPr>
             <a:r>
-              <a:rPr lang="en-US" dirty="0">
-                <a:solidFill>
-                  <a:srgbClr val="FF0000"/>
-                </a:solidFill>
-              </a:rPr>
-              <a:t>motorcycles = ['</a:t>
-            </a:r>
-            <a:r>
-              <a:rPr lang="en-US" dirty="0" err="1">
-                <a:solidFill>
-                  <a:srgbClr val="FF0000"/>
-                </a:solidFill>
-              </a:rPr>
-              <a:t>honda</a:t>
-            </a:r>
-            <a:r>
-              <a:rPr lang="en-US" dirty="0">
-                <a:solidFill>
-                  <a:srgbClr val="FF0000"/>
-                </a:solidFill>
-              </a:rPr>
-              <a:t>', '</a:t>
-            </a:r>
-            <a:r>
-              <a:rPr lang="en-US" dirty="0" err="1">
-                <a:solidFill>
-                  <a:srgbClr val="FF0000"/>
-                </a:solidFill>
-              </a:rPr>
-              <a:t>yamaha</a:t>
-            </a:r>
-            <a:r>
-              <a:rPr lang="en-US" dirty="0">
-                <a:solidFill>
-                  <a:srgbClr val="FF0000"/>
-                </a:solidFill>
-              </a:rPr>
-              <a:t>', '</a:t>
-            </a:r>
-            <a:r>
-              <a:rPr lang="en-US" dirty="0" err="1">
-                <a:solidFill>
-                  <a:srgbClr val="FF0000"/>
-                </a:solidFill>
-              </a:rPr>
-              <a:t>suzuki</a:t>
-            </a:r>
-            <a:r>
-              <a:rPr lang="en-US" dirty="0" smtClean="0">
-                <a:solidFill>
-                  <a:srgbClr val="FF0000"/>
-                </a:solidFill>
-              </a:rPr>
-              <a:t>']</a:t>
-            </a:r>
-          </a:p>
-          <a:p>
-            <a:pPr marL="0" indent="0">
-              <a:buNone/>
-            </a:pPr>
-            <a:r>
-              <a:rPr lang="en-US" dirty="0" smtClean="0">
-                <a:solidFill>
-                  <a:srgbClr val="92D050"/>
-                </a:solidFill>
-              </a:rPr>
-              <a:t>print(motorcycles[3])</a:t>
-            </a:r>
-          </a:p>
-          <a:p>
-            <a:pPr marL="0" indent="0">
-              <a:buNone/>
-            </a:pPr>
+              <a:rPr lang="ru-RU" dirty="0"/>
+              <a:t>Вы можете быстро определить длину списка с помощью функции </a:t>
+            </a:r>
+            <a:r>
+              <a:rPr lang="ru-RU" dirty="0" err="1">
+                <a:solidFill>
+                  <a:srgbClr val="FF0000"/>
+                </a:solidFill>
+              </a:rPr>
+              <a:t>len</a:t>
+            </a:r>
+            <a:r>
+              <a:rPr lang="ru-RU" dirty="0" smtClean="0">
+                <a:solidFill>
+                  <a:srgbClr val="FF0000"/>
+                </a:solidFill>
+              </a:rPr>
+              <a:t>().</a:t>
+            </a:r>
             <a:endParaRPr lang="en-US" dirty="0" smtClean="0">
-              <a:solidFill>
-                <a:srgbClr val="92D050"/>
-              </a:solidFill>
-            </a:endParaRPr>
-          </a:p>
-          <a:p>
-            <a:pPr marL="0" indent="0">
-              <a:buNone/>
-            </a:pPr>
-            <a:r>
-              <a:rPr lang="ru-RU" dirty="0" smtClean="0"/>
-              <a:t>В </a:t>
-            </a:r>
-            <a:r>
-              <a:rPr lang="ru-RU" dirty="0"/>
-              <a:t>этом случае происходит ошибка </a:t>
-            </a:r>
-            <a:r>
-              <a:rPr lang="ru-RU" dirty="0" smtClean="0"/>
-              <a:t>индексирования:</a:t>
-            </a:r>
-            <a:endParaRPr lang="en-US" dirty="0" smtClean="0"/>
-          </a:p>
-          <a:p>
-            <a:pPr marL="0" indent="0">
-              <a:buNone/>
-            </a:pPr>
-            <a:endParaRPr lang="en-US" dirty="0" smtClean="0"/>
-          </a:p>
-          <a:p>
-            <a:pPr marL="0" indent="0">
-              <a:buNone/>
-            </a:pPr>
-            <a:r>
-              <a:rPr lang="en-US" dirty="0" err="1" smtClean="0">
-                <a:solidFill>
-                  <a:srgbClr val="FF0000"/>
-                </a:solidFill>
-              </a:rPr>
-              <a:t>Traceback</a:t>
-            </a:r>
-            <a:r>
-              <a:rPr lang="en-US" dirty="0" smtClean="0">
-                <a:solidFill>
-                  <a:srgbClr val="FF0000"/>
-                </a:solidFill>
-              </a:rPr>
-              <a:t> </a:t>
-            </a:r>
-            <a:r>
-              <a:rPr lang="en-US" dirty="0">
-                <a:solidFill>
-                  <a:srgbClr val="FF0000"/>
-                </a:solidFill>
-              </a:rPr>
-              <a:t>(most recent call last</a:t>
-            </a:r>
-            <a:r>
-              <a:rPr lang="en-US" dirty="0" smtClean="0">
-                <a:solidFill>
-                  <a:srgbClr val="FF0000"/>
-                </a:solidFill>
-              </a:rPr>
-              <a:t>):</a:t>
-            </a:r>
-          </a:p>
-          <a:p>
-            <a:pPr marL="0" indent="0">
-              <a:buNone/>
-            </a:pPr>
-            <a:r>
-              <a:rPr lang="en-US" dirty="0" smtClean="0">
-                <a:solidFill>
-                  <a:srgbClr val="FF0000"/>
-                </a:solidFill>
-              </a:rPr>
-              <a:t>File </a:t>
-            </a:r>
-            <a:r>
-              <a:rPr lang="en-US" dirty="0">
-                <a:solidFill>
-                  <a:srgbClr val="FF0000"/>
-                </a:solidFill>
-              </a:rPr>
-              <a:t>"motorcycles.py", line 3, in print(motorcycles[3</a:t>
-            </a:r>
-            <a:r>
-              <a:rPr lang="en-US" dirty="0" smtClean="0">
-                <a:solidFill>
-                  <a:srgbClr val="FF0000"/>
-                </a:solidFill>
-              </a:rPr>
-              <a:t>])</a:t>
-            </a:r>
-          </a:p>
-          <a:p>
-            <a:pPr marL="0" indent="0">
-              <a:buNone/>
-            </a:pPr>
-            <a:r>
-              <a:rPr lang="en-US" dirty="0" err="1" smtClean="0">
-                <a:solidFill>
-                  <a:srgbClr val="FF0000"/>
-                </a:solidFill>
-              </a:rPr>
-              <a:t>IndexError</a:t>
-            </a:r>
-            <a:r>
-              <a:rPr lang="en-US" dirty="0">
-                <a:solidFill>
-                  <a:srgbClr val="FF0000"/>
-                </a:solidFill>
-              </a:rPr>
-              <a:t>: list index out of range</a:t>
-            </a:r>
-            <a:endParaRPr lang="ru-RU" dirty="0">
               <a:solidFill>
                 <a:srgbClr val="FF0000"/>
               </a:solidFill>
             </a:endParaRPr>
+          </a:p>
+          <a:p>
+            <a:pPr marL="0" indent="0">
+              <a:buNone/>
+            </a:pPr>
+            <a:endParaRPr lang="ru-RU" dirty="0" smtClean="0">
+              <a:solidFill>
+                <a:srgbClr val="FF0000"/>
+              </a:solidFill>
+            </a:endParaRPr>
+          </a:p>
+          <a:p>
+            <a:pPr marL="0" indent="0">
+              <a:buNone/>
+            </a:pPr>
+            <a:r>
+              <a:rPr lang="ru-RU" dirty="0" smtClean="0"/>
+              <a:t>Список </a:t>
+            </a:r>
+            <a:r>
+              <a:rPr lang="ru-RU" dirty="0"/>
+              <a:t>в нашем примере состоит из четырех элементов, поэтому его длина равна </a:t>
+            </a:r>
+            <a:r>
+              <a:rPr lang="en-US" dirty="0" smtClean="0"/>
+              <a:t>…?</a:t>
+            </a:r>
+            <a:r>
+              <a:rPr lang="ru-RU" dirty="0" smtClean="0"/>
+              <a:t>:</a:t>
+            </a:r>
+            <a:endParaRPr lang="en-US" dirty="0" smtClean="0"/>
+          </a:p>
+          <a:p>
+            <a:pPr marL="0" indent="0">
+              <a:buNone/>
+            </a:pPr>
+            <a:endParaRPr lang="ru-RU" dirty="0" smtClean="0"/>
+          </a:p>
+          <a:p>
+            <a:pPr marL="0" indent="0">
+              <a:buNone/>
+            </a:pPr>
+            <a:r>
+              <a:rPr lang="ru-RU" dirty="0" err="1" smtClean="0">
+                <a:solidFill>
+                  <a:srgbClr val="FF0000"/>
+                </a:solidFill>
+              </a:rPr>
+              <a:t>cars</a:t>
+            </a:r>
+            <a:r>
+              <a:rPr lang="ru-RU" dirty="0" smtClean="0">
+                <a:solidFill>
+                  <a:srgbClr val="FF0000"/>
+                </a:solidFill>
+              </a:rPr>
+              <a:t> </a:t>
+            </a:r>
+            <a:r>
+              <a:rPr lang="ru-RU" dirty="0">
+                <a:solidFill>
+                  <a:srgbClr val="FF0000"/>
+                </a:solidFill>
+              </a:rPr>
+              <a:t>= ['</a:t>
+            </a:r>
+            <a:r>
+              <a:rPr lang="ru-RU" dirty="0" err="1">
+                <a:solidFill>
+                  <a:srgbClr val="FF0000"/>
+                </a:solidFill>
+              </a:rPr>
+              <a:t>bmw</a:t>
+            </a:r>
+            <a:r>
+              <a:rPr lang="ru-RU" dirty="0">
+                <a:solidFill>
+                  <a:srgbClr val="FF0000"/>
+                </a:solidFill>
+              </a:rPr>
+              <a:t>', '</a:t>
+            </a:r>
+            <a:r>
+              <a:rPr lang="ru-RU" dirty="0" err="1">
+                <a:solidFill>
+                  <a:srgbClr val="FF0000"/>
+                </a:solidFill>
+              </a:rPr>
+              <a:t>audi</a:t>
+            </a:r>
+            <a:r>
+              <a:rPr lang="ru-RU" dirty="0">
+                <a:solidFill>
+                  <a:srgbClr val="FF0000"/>
+                </a:solidFill>
+              </a:rPr>
+              <a:t>', '</a:t>
+            </a:r>
+            <a:r>
+              <a:rPr lang="ru-RU" dirty="0" err="1">
+                <a:solidFill>
+                  <a:srgbClr val="FF0000"/>
+                </a:solidFill>
+              </a:rPr>
+              <a:t>toyota</a:t>
+            </a:r>
+            <a:r>
+              <a:rPr lang="ru-RU" dirty="0">
+                <a:solidFill>
+                  <a:srgbClr val="FF0000"/>
+                </a:solidFill>
+              </a:rPr>
+              <a:t>', '</a:t>
+            </a:r>
+            <a:r>
+              <a:rPr lang="ru-RU" dirty="0" err="1">
+                <a:solidFill>
+                  <a:srgbClr val="FF0000"/>
+                </a:solidFill>
+              </a:rPr>
+              <a:t>subaru</a:t>
+            </a:r>
+            <a:r>
+              <a:rPr lang="ru-RU" dirty="0" smtClean="0">
+                <a:solidFill>
+                  <a:srgbClr val="FF0000"/>
+                </a:solidFill>
+              </a:rPr>
+              <a:t>']</a:t>
+            </a:r>
+          </a:p>
+          <a:p>
+            <a:pPr marL="0" indent="0">
+              <a:buNone/>
+            </a:pPr>
+            <a:r>
+              <a:rPr lang="en-US" dirty="0">
+                <a:solidFill>
+                  <a:srgbClr val="92D050"/>
+                </a:solidFill>
+              </a:rPr>
+              <a:t>p</a:t>
+            </a:r>
+            <a:r>
+              <a:rPr lang="en-US" dirty="0" smtClean="0">
+                <a:solidFill>
+                  <a:srgbClr val="92D050"/>
+                </a:solidFill>
+              </a:rPr>
+              <a:t>rint(</a:t>
+            </a:r>
+            <a:r>
+              <a:rPr lang="ru-RU" dirty="0" err="1" smtClean="0">
+                <a:solidFill>
+                  <a:srgbClr val="92D050"/>
+                </a:solidFill>
+              </a:rPr>
+              <a:t>len</a:t>
+            </a:r>
+            <a:r>
+              <a:rPr lang="ru-RU" dirty="0" smtClean="0">
+                <a:solidFill>
+                  <a:srgbClr val="92D050"/>
+                </a:solidFill>
+              </a:rPr>
+              <a:t>(</a:t>
+            </a:r>
+            <a:r>
+              <a:rPr lang="ru-RU" dirty="0" err="1" smtClean="0">
+                <a:solidFill>
+                  <a:srgbClr val="92D050"/>
+                </a:solidFill>
+              </a:rPr>
+              <a:t>cars</a:t>
+            </a:r>
+            <a:r>
+              <a:rPr lang="ru-RU" dirty="0" smtClean="0">
+                <a:solidFill>
+                  <a:srgbClr val="92D050"/>
+                </a:solidFill>
+              </a:rPr>
+              <a:t>)</a:t>
+            </a:r>
+            <a:r>
+              <a:rPr lang="en-US" dirty="0" smtClean="0">
+                <a:solidFill>
+                  <a:srgbClr val="92D050"/>
+                </a:solidFill>
+              </a:rPr>
+              <a:t>)</a:t>
+            </a:r>
+            <a:r>
+              <a:rPr lang="ru-RU" dirty="0" smtClean="0">
+                <a:solidFill>
+                  <a:srgbClr val="92D050"/>
+                </a:solidFill>
+              </a:rPr>
+              <a:t> </a:t>
+            </a:r>
           </a:p>
         </p:txBody>
       </p:sp>
     </p:spTree>
     <p:extLst>
       <p:ext uri="{BB962C8B-B14F-4D97-AF65-F5344CB8AC3E}">
-        <p14:creationId xmlns:p14="http://schemas.microsoft.com/office/powerpoint/2010/main" val="4105705392"/>
+        <p14:creationId xmlns:p14="http://schemas.microsoft.com/office/powerpoint/2010/main" val="2120170762"/>
       </p:ext>
     </p:extLst>
   </p:cSld>
@@ -9477,6 +9698,278 @@
       </p:grpSpPr>
       <p:sp>
         <p:nvSpPr>
+          <p:cNvPr id="2" name="Заголовок 1"/>
+          <p:cNvSpPr>
+            <a:spLocks noGrp="1"/>
+          </p:cNvSpPr>
+          <p:nvPr>
+            <p:ph type="title"/>
+          </p:nvPr>
+        </p:nvSpPr>
+        <p:spPr/>
+        <p:txBody>
+          <a:bodyPr/>
+          <a:lstStyle/>
+          <a:p>
+            <a:r>
+              <a:rPr lang="ru-RU" dirty="0">
+                <a:solidFill>
+                  <a:srgbClr val="FF0000"/>
+                </a:solidFill>
+              </a:rPr>
+              <a:t>Ошибки индексирования при работе со списками</a:t>
+            </a:r>
+          </a:p>
+        </p:txBody>
+      </p:sp>
+      <p:sp>
+        <p:nvSpPr>
+          <p:cNvPr id="3" name="Объект 2"/>
+          <p:cNvSpPr>
+            <a:spLocks noGrp="1"/>
+          </p:cNvSpPr>
+          <p:nvPr>
+            <p:ph idx="1"/>
+          </p:nvPr>
+        </p:nvSpPr>
+        <p:spPr/>
+        <p:txBody>
+          <a:bodyPr/>
+          <a:lstStyle/>
+          <a:p>
+            <a:pPr marL="0" indent="0">
+              <a:buNone/>
+            </a:pPr>
+            <a:r>
+              <a:rPr lang="en-US" dirty="0">
+                <a:solidFill>
+                  <a:srgbClr val="FF0000"/>
+                </a:solidFill>
+              </a:rPr>
+              <a:t>motorcycles = ['</a:t>
+            </a:r>
+            <a:r>
+              <a:rPr lang="en-US" dirty="0" err="1">
+                <a:solidFill>
+                  <a:srgbClr val="FF0000"/>
+                </a:solidFill>
+              </a:rPr>
+              <a:t>honda</a:t>
+            </a:r>
+            <a:r>
+              <a:rPr lang="en-US" dirty="0">
+                <a:solidFill>
+                  <a:srgbClr val="FF0000"/>
+                </a:solidFill>
+              </a:rPr>
+              <a:t>', '</a:t>
+            </a:r>
+            <a:r>
+              <a:rPr lang="en-US" dirty="0" err="1">
+                <a:solidFill>
+                  <a:srgbClr val="FF0000"/>
+                </a:solidFill>
+              </a:rPr>
+              <a:t>yamaha</a:t>
+            </a:r>
+            <a:r>
+              <a:rPr lang="en-US" dirty="0">
+                <a:solidFill>
+                  <a:srgbClr val="FF0000"/>
+                </a:solidFill>
+              </a:rPr>
+              <a:t>', '</a:t>
+            </a:r>
+            <a:r>
+              <a:rPr lang="en-US" dirty="0" err="1">
+                <a:solidFill>
+                  <a:srgbClr val="FF0000"/>
+                </a:solidFill>
+              </a:rPr>
+              <a:t>suzuki</a:t>
+            </a:r>
+            <a:r>
+              <a:rPr lang="en-US" dirty="0" smtClean="0">
+                <a:solidFill>
+                  <a:srgbClr val="FF0000"/>
+                </a:solidFill>
+              </a:rPr>
+              <a:t>']</a:t>
+            </a:r>
+          </a:p>
+          <a:p>
+            <a:pPr marL="0" indent="0">
+              <a:buNone/>
+            </a:pPr>
+            <a:r>
+              <a:rPr lang="en-US" dirty="0" smtClean="0">
+                <a:solidFill>
+                  <a:srgbClr val="92D050"/>
+                </a:solidFill>
+              </a:rPr>
+              <a:t>print(motorcycles[3])</a:t>
+            </a:r>
+          </a:p>
+          <a:p>
+            <a:pPr marL="0" indent="0">
+              <a:buNone/>
+            </a:pPr>
+            <a:endParaRPr lang="en-US" dirty="0" smtClean="0">
+              <a:solidFill>
+                <a:srgbClr val="92D050"/>
+              </a:solidFill>
+            </a:endParaRPr>
+          </a:p>
+          <a:p>
+            <a:pPr marL="0" indent="0">
+              <a:buNone/>
+            </a:pPr>
+            <a:r>
+              <a:rPr lang="ru-RU" dirty="0" smtClean="0"/>
+              <a:t>В </a:t>
+            </a:r>
+            <a:r>
+              <a:rPr lang="ru-RU" dirty="0"/>
+              <a:t>этом случае происходит ошибка </a:t>
+            </a:r>
+            <a:r>
+              <a:rPr lang="ru-RU" dirty="0" smtClean="0"/>
+              <a:t>индексирования:</a:t>
+            </a:r>
+            <a:endParaRPr lang="en-US" dirty="0" smtClean="0"/>
+          </a:p>
+          <a:p>
+            <a:pPr marL="0" indent="0">
+              <a:buNone/>
+            </a:pPr>
+            <a:endParaRPr lang="en-US" dirty="0" smtClean="0"/>
+          </a:p>
+          <a:p>
+            <a:pPr marL="0" indent="0">
+              <a:buNone/>
+            </a:pPr>
+            <a:r>
+              <a:rPr lang="en-US" dirty="0" err="1" smtClean="0">
+                <a:solidFill>
+                  <a:srgbClr val="FF0000"/>
+                </a:solidFill>
+              </a:rPr>
+              <a:t>Traceback</a:t>
+            </a:r>
+            <a:r>
+              <a:rPr lang="en-US" dirty="0" smtClean="0">
+                <a:solidFill>
+                  <a:srgbClr val="FF0000"/>
+                </a:solidFill>
+              </a:rPr>
+              <a:t> </a:t>
+            </a:r>
+            <a:r>
+              <a:rPr lang="en-US" dirty="0">
+                <a:solidFill>
+                  <a:srgbClr val="FF0000"/>
+                </a:solidFill>
+              </a:rPr>
+              <a:t>(most recent call last</a:t>
+            </a:r>
+            <a:r>
+              <a:rPr lang="en-US" dirty="0" smtClean="0">
+                <a:solidFill>
+                  <a:srgbClr val="FF0000"/>
+                </a:solidFill>
+              </a:rPr>
+              <a:t>):</a:t>
+            </a:r>
+          </a:p>
+          <a:p>
+            <a:pPr marL="0" indent="0">
+              <a:buNone/>
+            </a:pPr>
+            <a:r>
+              <a:rPr lang="en-US" dirty="0" smtClean="0">
+                <a:solidFill>
+                  <a:srgbClr val="FF0000"/>
+                </a:solidFill>
+              </a:rPr>
+              <a:t>File </a:t>
+            </a:r>
+            <a:r>
+              <a:rPr lang="en-US" dirty="0">
+                <a:solidFill>
+                  <a:srgbClr val="FF0000"/>
+                </a:solidFill>
+              </a:rPr>
+              <a:t>"motorcycles.py", line 3, in print(motorcycles[3</a:t>
+            </a:r>
+            <a:r>
+              <a:rPr lang="en-US" dirty="0" smtClean="0">
+                <a:solidFill>
+                  <a:srgbClr val="FF0000"/>
+                </a:solidFill>
+              </a:rPr>
+              <a:t>])</a:t>
+            </a:r>
+          </a:p>
+          <a:p>
+            <a:pPr marL="0" indent="0">
+              <a:buNone/>
+            </a:pPr>
+            <a:r>
+              <a:rPr lang="en-US" dirty="0" err="1" smtClean="0">
+                <a:solidFill>
+                  <a:srgbClr val="FF0000"/>
+                </a:solidFill>
+              </a:rPr>
+              <a:t>IndexError</a:t>
+            </a:r>
+            <a:r>
+              <a:rPr lang="en-US" dirty="0">
+                <a:solidFill>
+                  <a:srgbClr val="FF0000"/>
+                </a:solidFill>
+              </a:rPr>
+              <a:t>: list index out of range</a:t>
+            </a:r>
+            <a:endParaRPr lang="ru-RU" dirty="0">
+              <a:solidFill>
+                <a:srgbClr val="FF0000"/>
+              </a:solidFill>
+            </a:endParaRPr>
+          </a:p>
+        </p:txBody>
+      </p:sp>
+    </p:spTree>
+    <p:extLst>
+      <p:ext uri="{BB962C8B-B14F-4D97-AF65-F5344CB8AC3E}">
+        <p14:creationId xmlns:p14="http://schemas.microsoft.com/office/powerpoint/2010/main" val="4105705392"/>
+      </p:ext>
+    </p:extLst>
+  </p:cSld>
+  <p:clrMapOvr>
+    <a:masterClrMapping/>
+  </p:clrMapOvr>
+</p:sld>
+</file>
+
+<file path=ppt/slides/slide31.xml><?xml version="1.0" encoding="utf-8"?>
+<p:sld xmlns:a="http://schemas.openxmlformats.org/drawingml/2006/main" xmlns:r="http://schemas.openxmlformats.org/officeDocument/2006/relationships" xmlns:p="http://schemas.openxmlformats.org/presentationml/2006/main">
+  <p:cSld>
+    <p:spTree>
+      <p:nvGrpSpPr>
+        <p:cNvPr id="1" name=""/>
+        <p:cNvGrpSpPr/>
+        <p:nvPr/>
+      </p:nvGrpSpPr>
+      <p:grpSpPr>
+        <a:xfrm>
+          <a:off x="0" y="0"/>
+          <a:ext cx="0" cy="0"/>
+          <a:chOff x="0" y="0"/>
+          <a:chExt cx="0" cy="0"/>
+        </a:xfrm>
+      </p:grpSpPr>
+      <p:sp>
+        <p:nvSpPr>
           <p:cNvPr id="3" name="Объект 2"/>
           <p:cNvSpPr>
             <a:spLocks noGrp="1"/>
@@ -9533,7 +10026,23 @@
                   <a:srgbClr val="FF0000"/>
                 </a:solidFill>
               </a:rPr>
-              <a:t> = list(range(6))</a:t>
+              <a:t> = </a:t>
+            </a:r>
+            <a:r>
+              <a:rPr lang="en-US" altLang="ru-RU" sz="2400" dirty="0" smtClean="0">
+                <a:solidFill>
+                  <a:srgbClr val="FF0000"/>
+                </a:solidFill>
+              </a:rPr>
+              <a:t>list(range(6</a:t>
+            </a:r>
+            <a:r>
+              <a:rPr lang="en-US" altLang="ru-RU" sz="2400" dirty="0" smtClean="0">
+                <a:solidFill>
+                  <a:srgbClr val="FF0000"/>
+                </a:solidFill>
+              </a:rPr>
+              <a:t>))</a:t>
             </a:r>
             <a:endParaRPr lang="ru-RU" altLang="ru-RU" sz="2400" dirty="0">
               <a:solidFill>
@@ -9851,7 +10360,7 @@
 </p:sld>
 </file>
 
-<file path=ppt/slides/slide31.xml><?xml version="1.0" encoding="utf-8"?>
+<file path=ppt/slides/slide32.xml><?xml version="1.0" encoding="utf-8"?>
 <p:sld xmlns:a="http://schemas.openxmlformats.org/drawingml/2006/main" xmlns:r="http://schemas.openxmlformats.org/officeDocument/2006/relationships" xmlns:p="http://schemas.openxmlformats.org/presentationml/2006/main">
   <p:cSld>
     <p:spTree>
@@ -10069,7 +10578,7 @@
 </p:sld>
 </file>
 
-<file path=ppt/slides/slide32.xml><?xml version="1.0" encoding="utf-8"?>
+<file path=ppt/slides/slide33.xml><?xml version="1.0" encoding="utf-8"?>
 <p:sld xmlns:a="http://schemas.openxmlformats.org/drawingml/2006/main" xmlns:r="http://schemas.openxmlformats.org/officeDocument/2006/relationships" xmlns:p="http://schemas.openxmlformats.org/presentationml/2006/main">
   <p:cSld>
     <p:spTree>
@@ -11630,308 +12139,6 @@
 </p:sld>
 </file>
 
-<file path=ppt/slides/slide33.xml><?xml version="1.0" encoding="utf-8"?>
-<p:sld xmlns:a="http://schemas.openxmlformats.org/drawingml/2006/main" xmlns:r="http://schemas.openxmlformats.org/officeDocument/2006/relationships" xmlns:p="http://schemas.openxmlformats.org/presentationml/2006/main">
-  <p:cSld>
-    <p:spTree>
-      <p:nvGrpSpPr>
-        <p:cNvPr id="1" name=""/>
-        <p:cNvGrpSpPr/>
-        <p:nvPr/>
-      </p:nvGrpSpPr>
-      <p:grpSpPr>
-        <a:xfrm>
-          <a:off x="0" y="0"/>
-          <a:ext cx="0" cy="0"/>
-          <a:chOff x="0" y="0"/>
-          <a:chExt cx="0" cy="0"/>
-        </a:xfrm>
-      </p:grpSpPr>
-      <p:sp>
-        <p:nvSpPr>
-          <p:cNvPr id="2" name="Заголовок 1"/>
-          <p:cNvSpPr>
-            <a:spLocks noGrp="1"/>
-          </p:cNvSpPr>
-          <p:nvPr>
-            <p:ph type="title"/>
-          </p:nvPr>
-        </p:nvSpPr>
-        <p:spPr/>
-        <p:txBody>
-          <a:bodyPr/>
-          <a:lstStyle/>
-          <a:p>
-            <a:r>
-              <a:rPr lang="ru-RU" dirty="0">
-                <a:solidFill>
-                  <a:srgbClr val="FF0000"/>
-                </a:solidFill>
-              </a:rPr>
-              <a:t>Кортежи</a:t>
-            </a:r>
-          </a:p>
-        </p:txBody>
-      </p:sp>
-      <p:sp>
-        <p:nvSpPr>
-          <p:cNvPr id="3" name="Объект 2"/>
-          <p:cNvSpPr>
-            <a:spLocks noGrp="1"/>
-          </p:cNvSpPr>
-          <p:nvPr>
-            <p:ph idx="1"/>
-          </p:nvPr>
-        </p:nvSpPr>
-        <p:spPr>
-          <a:xfrm>
-            <a:off x="838200" y="1388224"/>
-            <a:ext cx="10515600" cy="5037513"/>
-          </a:xfrm>
-        </p:spPr>
-        <p:txBody>
-          <a:bodyPr>
-            <a:normAutofit fontScale="92500" lnSpcReduction="20000"/>
-          </a:bodyPr>
-          <a:lstStyle/>
-          <a:p>
-            <a:pPr marL="0" indent="0">
-              <a:buNone/>
-            </a:pPr>
-            <a:r>
-              <a:rPr lang="ru-RU" sz="1800" dirty="0"/>
-              <a:t>Списки хорошо подходят для хранения наборов элементов, которые могут изменяться на протяжении жизненного цикла программы. Например, возможность модификации списков жизненно необходима при работе со списками пользователей сайта или списками персонажей игры. Однако в некоторых ситуациях требуется создать список элементов, который не может изменяться. </a:t>
-            </a:r>
-            <a:r>
-              <a:rPr lang="ru-RU" sz="1800" dirty="0">
-                <a:solidFill>
-                  <a:srgbClr val="FF0000"/>
-                </a:solidFill>
-              </a:rPr>
-              <a:t>Кортежи (</a:t>
-            </a:r>
-            <a:r>
-              <a:rPr lang="ru-RU" sz="1800" dirty="0" err="1">
-                <a:solidFill>
-                  <a:srgbClr val="FF0000"/>
-                </a:solidFill>
-              </a:rPr>
-              <a:t>tuples</a:t>
-            </a:r>
-            <a:r>
-              <a:rPr lang="ru-RU" sz="1800" dirty="0">
-                <a:solidFill>
-                  <a:srgbClr val="FF0000"/>
-                </a:solidFill>
-              </a:rPr>
-              <a:t>) </a:t>
-            </a:r>
-            <a:r>
-              <a:rPr lang="ru-RU" sz="1800" dirty="0"/>
-              <a:t>предоставляют именно такую возможность. В языке </a:t>
-            </a:r>
-            <a:r>
-              <a:rPr lang="ru-RU" sz="1800" dirty="0" err="1"/>
-              <a:t>Python</a:t>
-            </a:r>
-            <a:r>
-              <a:rPr lang="ru-RU" sz="1800" dirty="0"/>
-              <a:t> значения, которые не могут изменяться, называются неизменяемыми (</a:t>
-            </a:r>
-            <a:r>
-              <a:rPr lang="ru-RU" sz="1800" dirty="0" err="1"/>
-              <a:t>immutable</a:t>
-            </a:r>
-            <a:r>
-              <a:rPr lang="ru-RU" sz="1800" dirty="0"/>
-              <a:t>), а неизменяемый список </a:t>
-            </a:r>
-            <a:r>
-              <a:rPr lang="ru-RU" sz="1800" dirty="0" smtClean="0"/>
-              <a:t>называется </a:t>
-            </a:r>
-            <a:r>
-              <a:rPr lang="ru-RU" sz="1800" dirty="0"/>
-              <a:t>кортежем. </a:t>
-            </a:r>
-            <a:endParaRPr lang="en-US" sz="1800" dirty="0" smtClean="0"/>
-          </a:p>
-          <a:p>
-            <a:pPr marL="0" indent="0">
-              <a:buNone/>
-            </a:pPr>
-            <a:endParaRPr lang="en-US" sz="1800" dirty="0">
-              <a:solidFill>
-                <a:srgbClr val="92D050"/>
-              </a:solidFill>
-            </a:endParaRPr>
-          </a:p>
-          <a:p>
-            <a:pPr marL="0" indent="0">
-              <a:buNone/>
-            </a:pPr>
-            <a:r>
-              <a:rPr lang="ru-RU" sz="1800" dirty="0"/>
-              <a:t>Кортеж выглядит как список, не считая того, что вместо квадратных скобок используются круглые скобки. После определения кортежа вы можете обращаться к его отдельным элементам по индексам точно так же, как это делается при работе со </a:t>
-            </a:r>
-            <a:r>
-              <a:rPr lang="ru-RU" sz="1800" dirty="0" smtClean="0"/>
-              <a:t>списком</a:t>
-            </a:r>
-            <a:r>
-              <a:rPr lang="en-US" sz="1800" dirty="0" smtClean="0"/>
-              <a:t>.</a:t>
-            </a:r>
-            <a:endParaRPr lang="ru-RU" sz="1800" dirty="0" smtClean="0"/>
-          </a:p>
-          <a:p>
-            <a:pPr marL="0" indent="0">
-              <a:buNone/>
-            </a:pPr>
-            <a:endParaRPr lang="ru-RU" sz="1800" dirty="0" smtClean="0"/>
-          </a:p>
-          <a:p>
-            <a:pPr marL="0" indent="0">
-              <a:buNone/>
-            </a:pPr>
-            <a:r>
-              <a:rPr lang="ru-RU" sz="1800" dirty="0" smtClean="0"/>
-              <a:t>+ Защита </a:t>
-            </a:r>
-            <a:r>
-              <a:rPr lang="ru-RU" sz="1800" dirty="0"/>
-              <a:t>от дурака. То есть кортеж защищен от изменений, как намеренных (что плохо), так и случайных (что хорошо).</a:t>
-            </a:r>
-          </a:p>
-          <a:p>
-            <a:pPr marL="0" indent="0">
-              <a:buNone/>
-            </a:pPr>
-            <a:r>
-              <a:rPr lang="ru-RU" sz="1800" dirty="0" smtClean="0"/>
-              <a:t>+ Меньший </a:t>
-            </a:r>
-            <a:r>
-              <a:rPr lang="ru-RU" sz="1800" dirty="0"/>
-              <a:t>размер</a:t>
-            </a:r>
-            <a:endParaRPr lang="en-US" sz="1800" dirty="0"/>
-          </a:p>
-          <a:p>
-            <a:pPr marL="0" indent="0">
-              <a:buNone/>
-            </a:pPr>
-            <a:r>
-              <a:rPr lang="ru-RU" sz="1800" dirty="0" smtClean="0"/>
-              <a:t>+ Возможность </a:t>
-            </a:r>
-            <a:r>
-              <a:rPr lang="ru-RU" sz="1800" dirty="0"/>
-              <a:t>использовать кортежи в качестве ключей словаря</a:t>
-            </a:r>
-          </a:p>
-          <a:p>
-            <a:pPr marL="0" indent="0">
-              <a:buNone/>
-            </a:pPr>
-            <a:endParaRPr lang="en-US" sz="1800" dirty="0" smtClean="0"/>
-          </a:p>
-          <a:p>
-            <a:pPr marL="0" indent="0">
-              <a:buNone/>
-            </a:pPr>
-            <a:r>
-              <a:rPr lang="en-US" sz="1800" dirty="0" smtClean="0">
-                <a:solidFill>
-                  <a:srgbClr val="FF0000"/>
-                </a:solidFill>
-              </a:rPr>
-              <a:t>prices </a:t>
-            </a:r>
-            <a:r>
-              <a:rPr lang="en-US" sz="1800" dirty="0">
-                <a:solidFill>
-                  <a:srgbClr val="FF0000"/>
-                </a:solidFill>
-              </a:rPr>
-              <a:t>= (200, </a:t>
-            </a:r>
-            <a:r>
-              <a:rPr lang="en-US" sz="1800" dirty="0" smtClean="0">
-                <a:solidFill>
-                  <a:srgbClr val="FF0000"/>
-                </a:solidFill>
-              </a:rPr>
-              <a:t>50)</a:t>
-            </a:r>
-          </a:p>
-          <a:p>
-            <a:pPr marL="0" indent="0">
-              <a:buNone/>
-            </a:pPr>
-            <a:endParaRPr lang="en-US" sz="1800" dirty="0">
-              <a:solidFill>
-                <a:srgbClr val="FF0000"/>
-              </a:solidFill>
-            </a:endParaRPr>
-          </a:p>
-          <a:p>
-            <a:pPr marL="0" indent="0">
-              <a:buNone/>
-            </a:pPr>
-            <a:r>
-              <a:rPr lang="ru-RU" sz="1800" dirty="0" smtClean="0">
-                <a:solidFill>
-                  <a:srgbClr val="00B050"/>
-                </a:solidFill>
-              </a:rPr>
-              <a:t>Что будет если сделать </a:t>
-            </a:r>
-            <a:r>
-              <a:rPr lang="en-US" sz="1800" dirty="0" smtClean="0">
-                <a:solidFill>
-                  <a:srgbClr val="FF0000"/>
-                </a:solidFill>
-              </a:rPr>
-              <a:t>prices[0] </a:t>
-            </a:r>
-            <a:r>
-              <a:rPr lang="en-US" sz="1800" dirty="0">
-                <a:solidFill>
-                  <a:srgbClr val="FF0000"/>
-                </a:solidFill>
-              </a:rPr>
-              <a:t>= 250 </a:t>
-            </a:r>
-            <a:r>
-              <a:rPr lang="en-US" sz="1800" dirty="0">
-                <a:solidFill>
-                  <a:srgbClr val="00B050"/>
-                </a:solidFill>
-              </a:rPr>
-              <a:t>?</a:t>
-            </a:r>
-            <a:endParaRPr lang="ru-RU" sz="1800" dirty="0">
-              <a:solidFill>
-                <a:srgbClr val="00B050"/>
-              </a:solidFill>
-            </a:endParaRPr>
-          </a:p>
-        </p:txBody>
-      </p:sp>
-    </p:spTree>
-    <p:extLst>
-      <p:ext uri="{BB962C8B-B14F-4D97-AF65-F5344CB8AC3E}">
-        <p14:creationId xmlns:p14="http://schemas.microsoft.com/office/powerpoint/2010/main" val="952307573"/>
-      </p:ext>
-    </p:extLst>
-  </p:cSld>
-  <p:clrMapOvr>
-    <a:masterClrMapping/>
-  </p:clrMapOvr>
-</p:sld>
-</file>
-
 <file path=ppt/slides/slide34.xml><?xml version="1.0" encoding="utf-8"?>
 <p:sld xmlns:a="http://schemas.openxmlformats.org/drawingml/2006/main" xmlns:r="http://schemas.openxmlformats.org/officeDocument/2006/relationships" xmlns:p="http://schemas.openxmlformats.org/presentationml/2006/main">
   <p:cSld>
@@ -11965,18 +12172,13 @@
           <a:lstStyle/>
           <a:p>
             <a:r>
-              <a:rPr lang="ru-RU" dirty="0" smtClean="0">
-                <a:solidFill>
-                  <a:srgbClr val="FF0000"/>
-                </a:solidFill>
-              </a:rPr>
-              <a:t>Словари</a:t>
-            </a:r>
-            <a:endParaRPr lang="ru-RU" dirty="0">
-              <a:solidFill>
-                <a:srgbClr val="FF0000"/>
-              </a:solidFill>
-            </a:endParaRPr>
+              <a:rPr lang="ru-RU" dirty="0">
+                <a:solidFill>
+                  <a:srgbClr val="FF0000"/>
+                </a:solidFill>
+              </a:rPr>
+              <a:t>Кортежи</a:t>
+            </a:r>
           </a:p>
         </p:txBody>
       </p:sp>
@@ -11990,10 +12192,15 @@
             <p:ph idx="1"/>
           </p:nvPr>
         </p:nvSpPr>
-        <p:spPr/>
+        <p:spPr>
+          <a:xfrm>
+            <a:off x="838200" y="1379678"/>
+            <a:ext cx="10515600" cy="5037513"/>
+          </a:xfrm>
+        </p:spPr>
         <p:txBody>
           <a:bodyPr>
-            <a:normAutofit lnSpcReduction="10000"/>
+            <a:normAutofit fontScale="92500" lnSpcReduction="20000"/>
           </a:bodyPr>
           <a:lstStyle/>
           <a:p>
@@ -12001,100 +12208,221 @@
               <a:buNone/>
             </a:pPr>
             <a:r>
-              <a:rPr lang="ru-RU" sz="2400" b="1" dirty="0"/>
-              <a:t>Словари в </a:t>
-            </a:r>
-            <a:r>
-              <a:rPr lang="ru-RU" sz="2400" b="1" dirty="0" err="1"/>
+              <a:rPr lang="ru-RU" sz="1800" dirty="0"/>
+              <a:t>Списки хорошо подходят для хранения наборов элементов, которые могут изменяться на протяжении жизненного цикла программы. Например, возможность модификации списков жизненно необходима при работе со списками пользователей сайта или списками персонажей игры. Однако в некоторых ситуациях требуется создать список элементов, который не может изменяться. </a:t>
+            </a:r>
+            <a:r>
+              <a:rPr lang="ru-RU" sz="1800" dirty="0">
+                <a:solidFill>
+                  <a:srgbClr val="FF0000"/>
+                </a:solidFill>
+              </a:rPr>
+              <a:t>Кортежи (</a:t>
+            </a:r>
+            <a:r>
+              <a:rPr lang="ru-RU" sz="1800" dirty="0" err="1">
+                <a:solidFill>
+                  <a:srgbClr val="FF0000"/>
+                </a:solidFill>
+              </a:rPr>
+              <a:t>tuples</a:t>
+            </a:r>
+            <a:r>
+              <a:rPr lang="ru-RU" sz="1800" dirty="0">
+                <a:solidFill>
+                  <a:srgbClr val="FF0000"/>
+                </a:solidFill>
+              </a:rPr>
+              <a:t>) </a:t>
+            </a:r>
+            <a:r>
+              <a:rPr lang="ru-RU" sz="1800" dirty="0"/>
+              <a:t>предоставляют именно такую возможность. В языке </a:t>
+            </a:r>
+            <a:r>
+              <a:rPr lang="ru-RU" sz="1800" dirty="0" err="1"/>
               <a:t>Python</a:t>
             </a:r>
             <a:r>
-              <a:rPr lang="ru-RU" sz="2400" dirty="0"/>
-              <a:t> - неупорядоченные коллекции произвольных объектов с доступом по ключу. Их иногда ещё называют ассоциативными массивами или </a:t>
-            </a:r>
-            <a:r>
-              <a:rPr lang="ru-RU" sz="2400" dirty="0" smtClean="0"/>
-              <a:t>хеш-таблицами.</a:t>
-            </a:r>
-          </a:p>
-          <a:p>
-            <a:pPr marL="0" indent="0">
-              <a:buNone/>
-            </a:pPr>
-            <a:endParaRPr lang="ru-RU" sz="2400" dirty="0" smtClean="0"/>
-          </a:p>
-          <a:p>
-            <a:pPr marL="0" indent="0">
-              <a:buNone/>
-            </a:pPr>
-            <a:r>
-              <a:rPr lang="ru-RU" sz="2400" dirty="0"/>
-              <a:t>Словарь в языке </a:t>
-            </a:r>
-            <a:r>
-              <a:rPr lang="ru-RU" sz="2400" dirty="0" err="1"/>
-              <a:t>Python</a:t>
-            </a:r>
-            <a:r>
-              <a:rPr lang="ru-RU" sz="2400" dirty="0"/>
-              <a:t> представляет собой совокупность пар «ключ-значение». Каждый ключ связывается с некоторым значением, и программа может получить значение, связанное с заданным ключом. Значением может быть число, строка, список и даже другой словарь. Собственно, любой объект, создаваемый в программе </a:t>
-            </a:r>
-            <a:r>
-              <a:rPr lang="ru-RU" sz="2400" dirty="0" err="1"/>
-              <a:t>Python</a:t>
-            </a:r>
-            <a:r>
-              <a:rPr lang="ru-RU" sz="2400" dirty="0"/>
-              <a:t>, может стать значением в словаре. В </a:t>
-            </a:r>
-            <a:r>
-              <a:rPr lang="ru-RU" sz="2400" dirty="0" err="1"/>
-              <a:t>Python</a:t>
-            </a:r>
-            <a:r>
-              <a:rPr lang="ru-RU" sz="2400" dirty="0"/>
-              <a:t> словарь заключается в фигурные скобки </a:t>
-            </a:r>
-            <a:r>
-              <a:rPr lang="ru-RU" sz="2400" dirty="0" smtClean="0"/>
-              <a:t>{}</a:t>
-            </a:r>
-            <a:br>
-              <a:rPr lang="ru-RU" sz="2400" dirty="0" smtClean="0"/>
-            </a:br>
-            <a:endParaRPr lang="ru-RU" sz="2400" dirty="0" smtClean="0"/>
-          </a:p>
-          <a:p>
-            <a:pPr marL="0" indent="0">
-              <a:buNone/>
-            </a:pPr>
-            <a:r>
-              <a:rPr lang="en-US" sz="2400" dirty="0">
-                <a:solidFill>
-                  <a:srgbClr val="FF0000"/>
-                </a:solidFill>
-              </a:rPr>
-              <a:t>alien_0 = {'color': </a:t>
-            </a:r>
-            <a:r>
-              <a:rPr lang="en-US" sz="2400" dirty="0" smtClean="0">
-                <a:solidFill>
-                  <a:srgbClr val="FF0000"/>
-                </a:solidFill>
-              </a:rPr>
-              <a:t>'green</a:t>
-            </a:r>
-            <a:r>
-              <a:rPr lang="en-US" sz="2400" dirty="0">
-                <a:solidFill>
-                  <a:srgbClr val="FF0000"/>
-                </a:solidFill>
-              </a:rPr>
-              <a:t>', 'points': 5}</a:t>
-            </a:r>
-            <a:endParaRPr lang="ru-RU" sz="2400" dirty="0">
+              <a:rPr lang="ru-RU" sz="1800" dirty="0"/>
+              <a:t> значения, которые не могут изменяться, называются неизменяемыми (</a:t>
+            </a:r>
+            <a:r>
+              <a:rPr lang="ru-RU" sz="1800" dirty="0" err="1"/>
+              <a:t>immutable</a:t>
+            </a:r>
+            <a:r>
+              <a:rPr lang="ru-RU" sz="1800" dirty="0"/>
+              <a:t>), а неизменяемый список </a:t>
+            </a:r>
+            <a:r>
+              <a:rPr lang="ru-RU" sz="1800" dirty="0" smtClean="0"/>
+              <a:t>называется </a:t>
+            </a:r>
+            <a:r>
+              <a:rPr lang="ru-RU" sz="1800" dirty="0"/>
+              <a:t>кортежем. </a:t>
+            </a:r>
+            <a:endParaRPr lang="en-US" sz="1800" dirty="0" smtClean="0"/>
+          </a:p>
+          <a:p>
+            <a:pPr marL="0" indent="0">
+              <a:buNone/>
+            </a:pPr>
+            <a:endParaRPr lang="en-US" sz="1800" dirty="0">
+              <a:solidFill>
+                <a:srgbClr val="92D050"/>
+              </a:solidFill>
+            </a:endParaRPr>
+          </a:p>
+          <a:p>
+            <a:pPr marL="0" indent="0">
+              <a:buNone/>
+            </a:pPr>
+            <a:r>
+              <a:rPr lang="ru-RU" sz="1800" dirty="0"/>
+              <a:t>Кортеж выглядит как список, не считая того, что вместо квадратных скобок используются круглые скобки. После определения кортежа вы можете обращаться к его отдельным элементам по индексам точно так же, как это делается при работе со </a:t>
+            </a:r>
+            <a:r>
+              <a:rPr lang="ru-RU" sz="1800" dirty="0" smtClean="0"/>
+              <a:t>списком</a:t>
+            </a:r>
+            <a:r>
+              <a:rPr lang="en-US" sz="1800" dirty="0" smtClean="0"/>
+              <a:t>.</a:t>
+            </a:r>
+            <a:endParaRPr lang="ru-RU" sz="1800" dirty="0" smtClean="0"/>
+          </a:p>
+          <a:p>
+            <a:pPr marL="0" indent="0">
+              <a:buNone/>
+            </a:pPr>
+            <a:endParaRPr lang="ru-RU" sz="1800" dirty="0" smtClean="0"/>
+          </a:p>
+          <a:p>
+            <a:pPr marL="0" indent="0">
+              <a:buNone/>
+            </a:pPr>
+            <a:r>
+              <a:rPr lang="ru-RU" sz="1800" dirty="0" smtClean="0"/>
+              <a:t>+ Защита </a:t>
+            </a:r>
+            <a:r>
+              <a:rPr lang="ru-RU" sz="1800" dirty="0"/>
+              <a:t>от дурака. То есть кортеж защищен от изменений, как намеренных (что плохо), так и случайных (что хорошо).</a:t>
+            </a:r>
+          </a:p>
+          <a:p>
+            <a:pPr marL="0" indent="0">
+              <a:buNone/>
+            </a:pPr>
+            <a:r>
+              <a:rPr lang="ru-RU" sz="1800" dirty="0" smtClean="0"/>
+              <a:t>+ Меньший </a:t>
+            </a:r>
+            <a:r>
+              <a:rPr lang="ru-RU" sz="1800" dirty="0"/>
+              <a:t>размер</a:t>
+            </a:r>
+            <a:endParaRPr lang="en-US" sz="1800" dirty="0"/>
+          </a:p>
+          <a:p>
+            <a:pPr marL="0" indent="0">
+              <a:buNone/>
+            </a:pPr>
+            <a:r>
+              <a:rPr lang="ru-RU" sz="1800" dirty="0" smtClean="0"/>
+              <a:t>+ Возможность </a:t>
+            </a:r>
+            <a:r>
+              <a:rPr lang="ru-RU" sz="1800" dirty="0"/>
+              <a:t>использовать кортежи в качестве ключей словаря</a:t>
+            </a:r>
+          </a:p>
+          <a:p>
+            <a:pPr marL="0" indent="0">
+              <a:buNone/>
+            </a:pPr>
+            <a:endParaRPr lang="en-US" sz="1800" dirty="0" smtClean="0"/>
+          </a:p>
+          <a:p>
+            <a:pPr marL="0" indent="0">
+              <a:buNone/>
+            </a:pPr>
+            <a:r>
+              <a:rPr lang="en-US" sz="1800" dirty="0" smtClean="0">
+                <a:solidFill>
+                  <a:srgbClr val="FF0000"/>
+                </a:solidFill>
+              </a:rPr>
+              <a:t>prices </a:t>
+            </a:r>
+            <a:r>
+              <a:rPr lang="en-US" sz="1800" dirty="0">
+                <a:solidFill>
+                  <a:srgbClr val="FF0000"/>
+                </a:solidFill>
+              </a:rPr>
+              <a:t>= (200, </a:t>
+            </a:r>
+            <a:r>
+              <a:rPr lang="en-US" sz="1800" dirty="0" smtClean="0">
+                <a:solidFill>
+                  <a:srgbClr val="FF0000"/>
+                </a:solidFill>
+              </a:rPr>
+              <a:t>50)</a:t>
+            </a:r>
+          </a:p>
+          <a:p>
+            <a:pPr marL="0" indent="0">
+              <a:buNone/>
+            </a:pPr>
+            <a:endParaRPr lang="en-US" sz="1800" dirty="0">
               <a:solidFill>
                 <a:srgbClr val="FF0000"/>
+              </a:solidFill>
+            </a:endParaRPr>
+          </a:p>
+          <a:p>
+            <a:pPr marL="0" indent="0">
+              <a:buNone/>
+            </a:pPr>
+            <a:r>
+              <a:rPr lang="ru-RU" sz="1800" dirty="0" smtClean="0">
+                <a:solidFill>
+                  <a:srgbClr val="00B050"/>
+                </a:solidFill>
+              </a:rPr>
+              <a:t>Что будет если сделать </a:t>
+            </a:r>
+            <a:r>
+              <a:rPr lang="en-US" sz="1800" dirty="0" smtClean="0">
+                <a:solidFill>
+                  <a:srgbClr val="FF0000"/>
+                </a:solidFill>
+              </a:rPr>
+              <a:t>prices[0] </a:t>
+            </a:r>
+            <a:r>
+              <a:rPr lang="en-US" sz="1800" dirty="0">
+                <a:solidFill>
+                  <a:srgbClr val="FF0000"/>
+                </a:solidFill>
+              </a:rPr>
+              <a:t>= 250 </a:t>
+            </a:r>
+            <a:r>
+              <a:rPr lang="en-US" sz="1800" dirty="0">
+                <a:solidFill>
+                  <a:srgbClr val="00B050"/>
+                </a:solidFill>
+              </a:rPr>
+              <a:t>?</a:t>
+            </a:r>
+            <a:endParaRPr lang="ru-RU" sz="1800" dirty="0">
+              <a:solidFill>
+                <a:srgbClr val="00B050"/>
               </a:solidFill>
             </a:endParaRPr>
           </a:p>
@@ -12103,7 +12431,7 @@
     </p:spTree>
     <p:extLst>
       <p:ext uri="{BB962C8B-B14F-4D97-AF65-F5344CB8AC3E}">
-        <p14:creationId xmlns:p14="http://schemas.microsoft.com/office/powerpoint/2010/main" val="1689143374"/>
+        <p14:creationId xmlns:p14="http://schemas.microsoft.com/office/powerpoint/2010/main" val="952307573"/>
       </p:ext>
     </p:extLst>
   </p:cSld>
@@ -12132,6 +12460,37 @@
       </p:grpSpPr>
       <p:sp>
         <p:nvSpPr>
+          <p:cNvPr id="2" name="Заголовок 1"/>
+          <p:cNvSpPr>
+            <a:spLocks noGrp="1"/>
+          </p:cNvSpPr>
+          <p:nvPr>
+            <p:ph type="title"/>
+          </p:nvPr>
+        </p:nvSpPr>
+        <p:spPr/>
+        <p:txBody>
+          <a:bodyPr/>
+          <a:lstStyle/>
+          <a:p>
+            <a:r>
+              <a:rPr lang="ru-RU" dirty="0" smtClean="0">
+                <a:solidFill>
+                  <a:srgbClr val="FF0000"/>
+                </a:solidFill>
+              </a:rPr>
+              <a:t>Словари</a:t>
+            </a:r>
+            <a:endParaRPr lang="ru-RU" dirty="0">
+              <a:solidFill>
+                <a:srgbClr val="FF0000"/>
+              </a:solidFill>
+            </a:endParaRPr>
+          </a:p>
+        </p:txBody>
+      </p:sp>
+      <p:sp>
+        <p:nvSpPr>
           <p:cNvPr id="3" name="Объект 2"/>
           <p:cNvSpPr>
             <a:spLocks noGrp="1"/>
@@ -12140,12 +12499,7 @@
             <p:ph idx="1"/>
           </p:nvPr>
         </p:nvSpPr>
-        <p:spPr>
-          <a:xfrm>
-            <a:off x="838200" y="324196"/>
-            <a:ext cx="10515600" cy="6325986"/>
-          </a:xfrm>
-        </p:spPr>
+        <p:spPr/>
         <p:txBody>
           <a:bodyPr>
             <a:normAutofit lnSpcReduction="10000"/>
@@ -12156,63 +12510,88 @@
               <a:buNone/>
             </a:pPr>
             <a:r>
-              <a:rPr lang="ru-RU" dirty="0"/>
-              <a:t>Создание пустого </a:t>
-            </a:r>
-            <a:r>
-              <a:rPr lang="ru-RU" dirty="0" smtClean="0"/>
-              <a:t>словаря</a:t>
-            </a:r>
-          </a:p>
-          <a:p>
-            <a:pPr marL="0" indent="0">
-              <a:buNone/>
-            </a:pPr>
-            <a:r>
-              <a:rPr lang="en-US" dirty="0">
-                <a:solidFill>
-                  <a:srgbClr val="FF0000"/>
-                </a:solidFill>
-              </a:rPr>
-              <a:t>alien_0 = {}</a:t>
-            </a:r>
-            <a:endParaRPr lang="ru-RU" dirty="0" smtClean="0">
-              <a:solidFill>
-                <a:srgbClr val="FF0000"/>
-              </a:solidFill>
-            </a:endParaRPr>
-          </a:p>
-          <a:p>
-            <a:pPr marL="0" indent="0">
-              <a:buNone/>
-            </a:pPr>
-            <a:endParaRPr lang="ru-RU" dirty="0"/>
-          </a:p>
-          <a:p>
-            <a:pPr marL="0" indent="0">
-              <a:buNone/>
-            </a:pPr>
-            <a:r>
-              <a:rPr lang="ru-RU" dirty="0" smtClean="0"/>
-              <a:t>Обращение </a:t>
-            </a:r>
-            <a:r>
-              <a:rPr lang="ru-RU" dirty="0"/>
-              <a:t>к значениям в словаре</a:t>
-            </a:r>
-            <a:endParaRPr lang="ru-RU" dirty="0" smtClean="0"/>
-          </a:p>
-          <a:p>
-            <a:pPr marL="0" indent="0">
-              <a:buNone/>
-            </a:pPr>
+              <a:rPr lang="ru-RU" sz="2400" b="1" dirty="0"/>
+              <a:t>Словари в </a:t>
+            </a:r>
+            <a:r>
+              <a:rPr lang="ru-RU" sz="2400" b="1" dirty="0" err="1"/>
+              <a:t>Python</a:t>
+            </a:r>
+            <a:r>
+              <a:rPr lang="ru-RU" sz="2400" dirty="0"/>
+              <a:t> - неупорядоченные коллекции произвольных объектов с доступом по ключу. Их иногда ещё называют ассоциативными массивами или </a:t>
+            </a:r>
+            <a:r>
+              <a:rPr lang="ru-RU" sz="2400" dirty="0" smtClean="0"/>
+              <a:t>хеш-таблицами.</a:t>
+            </a:r>
+          </a:p>
+          <a:p>
+            <a:pPr marL="0" indent="0">
+              <a:buNone/>
+            </a:pPr>
+            <a:endParaRPr lang="ru-RU" sz="2400" dirty="0" smtClean="0"/>
+          </a:p>
+          <a:p>
+            <a:pPr marL="0" indent="0">
+              <a:buNone/>
+            </a:pPr>
+            <a:r>
+              <a:rPr lang="ru-RU" sz="2400" dirty="0"/>
+              <a:t>Словарь в языке </a:t>
+            </a:r>
+            <a:r>
+              <a:rPr lang="ru-RU" sz="2400" dirty="0" err="1"/>
+              <a:t>Python</a:t>
+            </a:r>
+            <a:r>
+              <a:rPr lang="ru-RU" sz="2400" dirty="0"/>
+              <a:t> представляет собой совокупность пар «ключ-значение». Каждый ключ связывается с некоторым значением, и программа может получить значение, связанное с заданным ключом. Значением может быть число, строка, список и даже другой словарь. Собственно, любой объект, создаваемый в программе </a:t>
+            </a:r>
+            <a:r>
+              <a:rPr lang="ru-RU" sz="2400" dirty="0" err="1"/>
+              <a:t>Python</a:t>
+            </a:r>
+            <a:r>
+              <a:rPr lang="ru-RU" sz="2400" dirty="0"/>
+              <a:t>, может стать значением в словаре. В </a:t>
+            </a:r>
+            <a:r>
+              <a:rPr lang="ru-RU" sz="2400" dirty="0" err="1"/>
+              <a:t>Python</a:t>
+            </a:r>
+            <a:r>
+              <a:rPr lang="ru-RU" sz="2400" dirty="0"/>
+              <a:t> словарь заключается в фигурные скобки </a:t>
+            </a:r>
+            <a:r>
+              <a:rPr lang="ru-RU" sz="2400" dirty="0" smtClean="0"/>
+              <a:t>{}</a:t>
+            </a:r>
+            <a:br>
+              <a:rPr lang="ru-RU" sz="2400" dirty="0" smtClean="0"/>
+            </a:br>
+            <a:endParaRPr lang="ru-RU" sz="2400" dirty="0" smtClean="0"/>
+          </a:p>
+          <a:p>
+            <a:pPr marL="0" indent="0">
+              <a:buNone/>
+            </a:pPr>
+            <a:r>
+              <a:rPr lang="en-US" sz="2400" dirty="0">
+                <a:solidFill>
+                  <a:srgbClr val="FF0000"/>
+                </a:solidFill>
+              </a:rPr>
+              <a:t>alien_0 = {'color': </a:t>
+            </a:r>
             <a:r>
               <a:rPr lang="en-US" sz="2400" dirty="0" smtClean="0">
                 <a:solidFill>
                   <a:srgbClr val="FF0000"/>
                 </a:solidFill>
               </a:rPr>
-              <a:t>alien_0 </a:t>
+              <a:t>'green</a:t>
             </a:r>
             <a:r>
               <a:rPr lang="en-US" sz="2400" dirty="0">
@@ -12220,200 +12599,7 @@
                   <a:srgbClr val="FF0000"/>
                 </a:solidFill>
               </a:rPr>
-              <a:t>= {'color': 'green', 'points': 5}</a:t>
-            </a:r>
-            <a:endParaRPr lang="ru-RU" sz="2400" dirty="0" smtClean="0">
-              <a:solidFill>
-                <a:srgbClr val="FF0000"/>
-              </a:solidFill>
-            </a:endParaRPr>
-          </a:p>
-          <a:p>
-            <a:pPr marL="0" indent="0">
-              <a:buNone/>
-            </a:pPr>
-            <a:r>
-              <a:rPr lang="en-US" sz="2400" dirty="0" smtClean="0">
-                <a:solidFill>
-                  <a:srgbClr val="00B050"/>
-                </a:solidFill>
-              </a:rPr>
-              <a:t>print(alien_0</a:t>
-            </a:r>
-            <a:r>
-              <a:rPr lang="en-US" sz="2400" dirty="0">
-                <a:solidFill>
-                  <a:srgbClr val="00B050"/>
-                </a:solidFill>
-              </a:rPr>
-              <a:t>['color</a:t>
-            </a:r>
-            <a:r>
-              <a:rPr lang="en-US" sz="2400" dirty="0" smtClean="0">
-                <a:solidFill>
-                  <a:srgbClr val="00B050"/>
-                </a:solidFill>
-              </a:rPr>
-              <a:t>'])</a:t>
-            </a:r>
-            <a:endParaRPr lang="ru-RU" sz="2400" dirty="0" smtClean="0">
-              <a:solidFill>
-                <a:srgbClr val="00B050"/>
-              </a:solidFill>
-            </a:endParaRPr>
-          </a:p>
-          <a:p>
-            <a:pPr marL="0" indent="0">
-              <a:buNone/>
-            </a:pPr>
-            <a:endParaRPr lang="ru-RU" sz="2400" dirty="0" smtClean="0">
-              <a:solidFill>
-                <a:srgbClr val="00B050"/>
-              </a:solidFill>
-            </a:endParaRPr>
-          </a:p>
-          <a:p>
-            <a:pPr marL="0" indent="0">
-              <a:buNone/>
-            </a:pPr>
-            <a:r>
-              <a:rPr lang="ru-RU" dirty="0"/>
-              <a:t>Добавление новых пар «ключ-значение»</a:t>
-            </a:r>
-            <a:endParaRPr lang="ru-RU" dirty="0" smtClean="0">
-              <a:solidFill>
-                <a:srgbClr val="00B050"/>
-              </a:solidFill>
-            </a:endParaRPr>
-          </a:p>
-          <a:p>
-            <a:pPr marL="0" indent="0">
-              <a:buNone/>
-            </a:pPr>
-            <a:r>
-              <a:rPr lang="en-US" sz="2400" dirty="0">
-                <a:solidFill>
-                  <a:srgbClr val="FF0000"/>
-                </a:solidFill>
-              </a:rPr>
-              <a:t>alien_0['</a:t>
-            </a:r>
-            <a:r>
-              <a:rPr lang="en-US" sz="2400" dirty="0" err="1">
-                <a:solidFill>
-                  <a:srgbClr val="FF0000"/>
-                </a:solidFill>
-              </a:rPr>
-              <a:t>y_position</a:t>
-            </a:r>
-            <a:r>
-              <a:rPr lang="en-US" sz="2400" dirty="0">
-                <a:solidFill>
-                  <a:srgbClr val="FF0000"/>
-                </a:solidFill>
-              </a:rPr>
-              <a:t>'] = </a:t>
-            </a:r>
-            <a:r>
-              <a:rPr lang="en-US" sz="2400" dirty="0" smtClean="0">
-                <a:solidFill>
-                  <a:srgbClr val="FF0000"/>
-                </a:solidFill>
-              </a:rPr>
-              <a:t>25</a:t>
-            </a:r>
-            <a:endParaRPr lang="ru-RU" sz="2400" dirty="0" smtClean="0">
-              <a:solidFill>
-                <a:srgbClr val="FF0000"/>
-              </a:solidFill>
-            </a:endParaRPr>
-          </a:p>
-          <a:p>
-            <a:pPr marL="0" indent="0">
-              <a:buNone/>
-            </a:pPr>
-            <a:r>
-              <a:rPr lang="en-US" sz="2400" dirty="0" smtClean="0">
-                <a:solidFill>
-                  <a:srgbClr val="00B050"/>
-                </a:solidFill>
-              </a:rPr>
-              <a:t>print(alien_0)</a:t>
-            </a:r>
-            <a:endParaRPr lang="ru-RU" sz="2400" dirty="0" smtClean="0">
-              <a:solidFill>
-                <a:srgbClr val="00B050"/>
-              </a:solidFill>
-            </a:endParaRPr>
-          </a:p>
-          <a:p>
-            <a:pPr marL="0" indent="0">
-              <a:buNone/>
-            </a:pPr>
-            <a:endParaRPr lang="ru-RU" sz="2400" dirty="0">
-              <a:solidFill>
-                <a:srgbClr val="00B050"/>
-              </a:solidFill>
-            </a:endParaRPr>
-          </a:p>
-          <a:p>
-            <a:pPr marL="0" indent="0">
-              <a:buNone/>
-            </a:pPr>
-            <a:r>
-              <a:rPr lang="ru-RU" dirty="0"/>
-              <a:t>Изменение значений в </a:t>
-            </a:r>
-            <a:r>
-              <a:rPr lang="ru-RU" dirty="0" smtClean="0"/>
-              <a:t>словаре</a:t>
-            </a:r>
-          </a:p>
-          <a:p>
-            <a:pPr marL="0" indent="0">
-              <a:buNone/>
-            </a:pPr>
-            <a:r>
-              <a:rPr lang="en-US" sz="2400" dirty="0">
-                <a:solidFill>
-                  <a:srgbClr val="FF0000"/>
-                </a:solidFill>
-              </a:rPr>
-              <a:t>alien_0['color'] = </a:t>
-            </a:r>
-            <a:r>
-              <a:rPr lang="en-US" sz="2400" dirty="0" smtClean="0">
-                <a:solidFill>
-                  <a:srgbClr val="FF0000"/>
-                </a:solidFill>
-              </a:rPr>
-              <a:t>'yellow‘</a:t>
-            </a:r>
-            <a:endParaRPr lang="ru-RU" sz="2400" dirty="0" smtClean="0">
-              <a:solidFill>
-                <a:srgbClr val="FF0000"/>
-              </a:solidFill>
-            </a:endParaRPr>
-          </a:p>
-          <a:p>
-            <a:pPr marL="0" indent="0">
-              <a:buNone/>
-            </a:pPr>
-            <a:r>
-              <a:rPr lang="en-US" sz="2400" dirty="0">
-                <a:solidFill>
-                  <a:srgbClr val="00B050"/>
-                </a:solidFill>
-              </a:rPr>
-              <a:t>print(alien_0</a:t>
-            </a:r>
-            <a:r>
-              <a:rPr lang="en-US" sz="2400" dirty="0" smtClean="0">
-                <a:solidFill>
-                  <a:srgbClr val="00B050"/>
-                </a:solidFill>
-              </a:rPr>
-              <a:t>)</a:t>
+              <a:t>', 'points': 5}</a:t>
             </a:r>
             <a:endParaRPr lang="ru-RU" sz="2400" dirty="0">
               <a:solidFill>
@@ -12426,7 +12612,7 @@
     </p:spTree>
     <p:extLst>
       <p:ext uri="{BB962C8B-B14F-4D97-AF65-F5344CB8AC3E}">
-        <p14:creationId xmlns:p14="http://schemas.microsoft.com/office/powerpoint/2010/main" val="3579599750"/>
+        <p14:creationId xmlns:p14="http://schemas.microsoft.com/office/powerpoint/2010/main" val="1689143374"/>
       </p:ext>
     </p:extLst>
   </p:cSld>
@@ -12465,12 +12651,14 @@
         </p:nvSpPr>
         <p:spPr>
           <a:xfrm>
-            <a:off x="838200" y="357447"/>
-            <a:ext cx="10515600" cy="5819516"/>
+            <a:off x="838200" y="324196"/>
+            <a:ext cx="10515600" cy="6325986"/>
           </a:xfrm>
         </p:spPr>
         <p:txBody>
-          <a:bodyPr/>
+          <a:bodyPr>
+            <a:normAutofit lnSpcReduction="10000"/>
+          </a:bodyPr>
           <a:lstStyle/>
           <a:p>
             <a:pPr marL="0" indent="0">
@@ -12478,32 +12666,70 @@
             </a:pPr>
             <a:r>
               <a:rPr lang="ru-RU" dirty="0"/>
-              <a:t>Удаление пар «</a:t>
+              <a:t>Создание пустого </a:t>
             </a:r>
             <a:r>
               <a:rPr lang="ru-RU" dirty="0" smtClean="0"/>
-              <a:t>ключ-значение»</a:t>
-            </a:r>
-          </a:p>
-          <a:p>
-            <a:pPr marL="0" indent="0">
-              <a:buNone/>
-            </a:pPr>
+              <a:t>словаря</a:t>
+            </a:r>
+          </a:p>
+          <a:p>
+            <a:pPr marL="0" indent="0">
+              <a:buNone/>
+            </a:pPr>
+            <a:r>
+              <a:rPr lang="en-US" dirty="0">
+                <a:solidFill>
+                  <a:srgbClr val="FF0000"/>
+                </a:solidFill>
+              </a:rPr>
+              <a:t>alien_0 = {}</a:t>
+            </a:r>
+            <a:endParaRPr lang="ru-RU" dirty="0" smtClean="0">
+              <a:solidFill>
+                <a:srgbClr val="FF0000"/>
+              </a:solidFill>
+            </a:endParaRPr>
+          </a:p>
+          <a:p>
+            <a:pPr marL="0" indent="0">
+              <a:buNone/>
+            </a:pPr>
+            <a:endParaRPr lang="ru-RU" dirty="0"/>
+          </a:p>
+          <a:p>
+            <a:pPr marL="0" indent="0">
+              <a:buNone/>
+            </a:pPr>
+            <a:r>
+              <a:rPr lang="ru-RU" dirty="0" smtClean="0"/>
+              <a:t>Обращение </a:t>
+            </a:r>
+            <a:r>
+              <a:rPr lang="ru-RU" dirty="0"/>
+              <a:t>к значениям в словаре</a:t>
+            </a:r>
+            <a:endParaRPr lang="ru-RU" dirty="0" smtClean="0"/>
+          </a:p>
+          <a:p>
+            <a:pPr marL="0" indent="0">
+              <a:buNone/>
+            </a:pPr>
+            <a:r>
+              <a:rPr lang="en-US" sz="2400" dirty="0" smtClean="0">
+                <a:solidFill>
+                  <a:srgbClr val="FF0000"/>
+                </a:solidFill>
+              </a:rPr>
+              <a:t>alien_0 </a:t>
+            </a:r>
             <a:r>
               <a:rPr lang="en-US" sz="2400" dirty="0">
                 <a:solidFill>
                   <a:srgbClr val="FF0000"/>
                 </a:solidFill>
               </a:rPr>
-              <a:t>del alien_0['points</a:t>
-            </a:r>
-            <a:r>
-              <a:rPr lang="en-US" sz="2400" dirty="0" smtClean="0">
-                <a:solidFill>
-                  <a:srgbClr val="FF0000"/>
-                </a:solidFill>
-              </a:rPr>
-              <a:t>']</a:t>
+              <a:t>= {'color': 'green', 'points': 5}</a:t>
             </a:r>
             <a:endParaRPr lang="ru-RU" sz="2400" dirty="0" smtClean="0">
               <a:solidFill>
@@ -12521,7 +12747,23 @@
                   <a:srgbClr val="00B050"/>
                 </a:solidFill>
               </a:rPr>
-              <a:t>print(alien_0)</a:t>
+              <a:t>print(alien_0</a:t>
+            </a:r>
+            <a:r>
+              <a:rPr lang="en-US" sz="2400" dirty="0">
+                <a:solidFill>
+                  <a:srgbClr val="00B050"/>
+                </a:solidFill>
+              </a:rPr>
+              <a:t>['color</a:t>
+            </a:r>
+            <a:r>
+              <a:rPr lang="en-US" sz="2400" dirty="0" smtClean="0">
+                <a:solidFill>
+                  <a:srgbClr val="00B050"/>
+                </a:solidFill>
+              </a:rPr>
+              <a:t>'])</a:t>
             </a:r>
             <a:endParaRPr lang="ru-RU" sz="2400" dirty="0" smtClean="0">
               <a:solidFill>
@@ -12533,6 +12775,90 @@
             <a:pPr marL="0" indent="0">
               <a:buNone/>
             </a:pPr>
+            <a:endParaRPr lang="ru-RU" sz="2400" dirty="0" smtClean="0">
+              <a:solidFill>
+                <a:srgbClr val="00B050"/>
+              </a:solidFill>
+            </a:endParaRPr>
+          </a:p>
+          <a:p>
+            <a:pPr marL="0" indent="0">
+              <a:buNone/>
+            </a:pPr>
+            <a:r>
+              <a:rPr lang="ru-RU" dirty="0"/>
+              <a:t>Добавление новых пар «ключ-значение»</a:t>
+            </a:r>
+            <a:endParaRPr lang="ru-RU" dirty="0" smtClean="0">
+              <a:solidFill>
+                <a:srgbClr val="00B050"/>
+              </a:solidFill>
+            </a:endParaRPr>
+          </a:p>
+          <a:p>
+            <a:pPr marL="0" indent="0">
+              <a:buNone/>
+            </a:pPr>
+            <a:r>
+              <a:rPr lang="en-US" sz="2400" dirty="0">
+                <a:solidFill>
+                  <a:srgbClr val="FF0000"/>
+                </a:solidFill>
+              </a:rPr>
+              <a:t>alien_0['</a:t>
+            </a:r>
+            <a:r>
+              <a:rPr lang="en-US" sz="2400" dirty="0" err="1">
+                <a:solidFill>
+                  <a:srgbClr val="FF0000"/>
+                </a:solidFill>
+              </a:rPr>
+              <a:t>y_position</a:t>
+            </a:r>
+            <a:r>
+              <a:rPr lang="en-US" sz="2400" dirty="0">
+                <a:solidFill>
+                  <a:srgbClr val="FF0000"/>
+                </a:solidFill>
+              </a:rPr>
+              <a:t>'] = </a:t>
+            </a:r>
+            <a:r>
+              <a:rPr lang="en-US" sz="2400" dirty="0" smtClean="0">
+                <a:solidFill>
+                  <a:srgbClr val="FF0000"/>
+                </a:solidFill>
+              </a:rPr>
+              <a:t>25</a:t>
+            </a:r>
+            <a:endParaRPr lang="ru-RU" sz="2400" dirty="0" smtClean="0">
+              <a:solidFill>
+                <a:srgbClr val="FF0000"/>
+              </a:solidFill>
+            </a:endParaRPr>
+          </a:p>
+          <a:p>
+            <a:pPr marL="0" indent="0">
+              <a:buNone/>
+            </a:pPr>
+            <a:r>
+              <a:rPr lang="en-US" sz="2400" dirty="0" smtClean="0">
+                <a:solidFill>
+                  <a:srgbClr val="00B050"/>
+                </a:solidFill>
+              </a:rPr>
+              <a:t>print(alien_0)</a:t>
+            </a:r>
+            <a:endParaRPr lang="ru-RU" sz="2400" dirty="0" smtClean="0">
+              <a:solidFill>
+                <a:srgbClr val="00B050"/>
+              </a:solidFill>
+            </a:endParaRPr>
+          </a:p>
+          <a:p>
+            <a:pPr marL="0" indent="0">
+              <a:buNone/>
+            </a:pPr>
             <a:endParaRPr lang="ru-RU" sz="2400" dirty="0">
               <a:solidFill>
                 <a:srgbClr val="00B050"/>
@@ -12544,16 +12870,12 @@
               <a:buNone/>
             </a:pPr>
             <a:r>
-              <a:rPr lang="ru-RU" sz="2400" dirty="0"/>
-              <a:t>Обращение к значениям методом </a:t>
-            </a:r>
-            <a:r>
-              <a:rPr lang="ru-RU" sz="2400" dirty="0" err="1"/>
-              <a:t>get</a:t>
-            </a:r>
-            <a:r>
-              <a:rPr lang="ru-RU" sz="2400" dirty="0" smtClean="0"/>
-              <a:t>()</a:t>
+              <a:rPr lang="ru-RU" dirty="0"/>
+              <a:t>Изменение значений в </a:t>
+            </a:r>
+            <a:r>
+              <a:rPr lang="ru-RU" dirty="0" smtClean="0"/>
+              <a:t>словаре</a:t>
             </a:r>
           </a:p>
           <a:p>
@@ -12566,7 +12888,15 @@
                   <a:srgbClr val="FF0000"/>
                 </a:solidFill>
               </a:rPr>
-              <a:t>alien_0 = {'color': 'green', 'speed': 'slow'} </a:t>
+              <a:t>alien_0['color'] = </a:t>
+            </a:r>
+            <a:r>
+              <a:rPr lang="en-US" sz="2400" dirty="0" smtClean="0">
+                <a:solidFill>
+                  <a:srgbClr val="FF0000"/>
+                </a:solidFill>
+              </a:rPr>
+              <a:t>'yellow‘</a:t>
             </a:r>
             <a:endParaRPr lang="ru-RU" sz="2400" dirty="0" smtClean="0">
               <a:solidFill>
@@ -12579,120 +12909,24 @@
               <a:buNone/>
             </a:pPr>
             <a:r>
+              <a:rPr lang="en-US" sz="2400" dirty="0">
+                <a:solidFill>
+                  <a:srgbClr val="00B050"/>
+                </a:solidFill>
+              </a:rPr>
+              <a:t>print(alien_0</a:t>
+            </a:r>
+            <a:r>
               <a:rPr lang="en-US" sz="2400" dirty="0" smtClean="0">
                 <a:solidFill>
                   <a:srgbClr val="00B050"/>
                 </a:solidFill>
               </a:rPr>
-              <a:t>print(alien_0</a:t>
-            </a:r>
-            <a:r>
-              <a:rPr lang="en-US" sz="2400" dirty="0">
-                <a:solidFill>
-                  <a:srgbClr val="00B050"/>
-                </a:solidFill>
-              </a:rPr>
-              <a:t>['points</a:t>
-            </a:r>
-            <a:r>
-              <a:rPr lang="en-US" sz="2400" dirty="0" smtClean="0">
-                <a:solidFill>
-                  <a:srgbClr val="00B050"/>
-                </a:solidFill>
-              </a:rPr>
-              <a:t>'])</a:t>
-            </a:r>
-            <a:endParaRPr lang="ru-RU" sz="2400" dirty="0" smtClean="0">
-              <a:solidFill>
-                <a:srgbClr val="00B050"/>
-              </a:solidFill>
-            </a:endParaRPr>
-          </a:p>
-          <a:p>
-            <a:pPr marL="0" indent="0">
-              <a:buNone/>
-            </a:pPr>
+              <a:t>)</a:t>
+            </a:r>
             <a:endParaRPr lang="ru-RU" sz="2400" dirty="0">
               <a:solidFill>
-                <a:srgbClr val="00B050"/>
-              </a:solidFill>
-            </a:endParaRPr>
-          </a:p>
-          <a:p>
-            <a:pPr marL="0" indent="0">
-              <a:buNone/>
-            </a:pPr>
-            <a:endParaRPr lang="ru-RU" sz="2400" dirty="0" smtClean="0">
-              <a:solidFill>
-                <a:srgbClr val="00B050"/>
-              </a:solidFill>
-            </a:endParaRPr>
-          </a:p>
-          <a:p>
-            <a:pPr marL="0" indent="0">
-              <a:buNone/>
-            </a:pPr>
-            <a:r>
-              <a:rPr lang="en-US" sz="2400" dirty="0" err="1">
-                <a:solidFill>
-                  <a:srgbClr val="FFC000"/>
-                </a:solidFill>
-              </a:rPr>
-              <a:t>point_value</a:t>
-            </a:r>
-            <a:r>
-              <a:rPr lang="en-US" sz="2400" dirty="0">
-                <a:solidFill>
-                  <a:srgbClr val="FFC000"/>
-                </a:solidFill>
-              </a:rPr>
-              <a:t> = alien_0.get('points', 'No point value assigned</a:t>
-            </a:r>
-            <a:r>
-              <a:rPr lang="en-US" sz="2400" dirty="0" smtClean="0">
-                <a:solidFill>
-                  <a:srgbClr val="FFC000"/>
-                </a:solidFill>
-              </a:rPr>
-              <a:t>.')</a:t>
-            </a:r>
-            <a:endParaRPr lang="ru-RU" sz="2400" dirty="0" smtClean="0">
-              <a:solidFill>
-                <a:srgbClr val="FFC000"/>
-              </a:solidFill>
-            </a:endParaRPr>
-          </a:p>
-          <a:p>
-            <a:pPr marL="0" indent="0">
-              <a:buNone/>
-            </a:pPr>
-            <a:r>
-              <a:rPr lang="en-US" sz="2400" dirty="0" smtClean="0">
-                <a:solidFill>
-                  <a:srgbClr val="FFC000"/>
-                </a:solidFill>
-              </a:rPr>
-              <a:t>print(</a:t>
-            </a:r>
-            <a:r>
-              <a:rPr lang="en-US" sz="2400" dirty="0" err="1" smtClean="0">
-                <a:solidFill>
-                  <a:srgbClr val="FFC000"/>
-                </a:solidFill>
-              </a:rPr>
-              <a:t>point_value</a:t>
-            </a:r>
-            <a:r>
-              <a:rPr lang="en-US" sz="2400" dirty="0">
-                <a:solidFill>
-                  <a:srgbClr val="FFC000"/>
-                </a:solidFill>
-              </a:rPr>
-              <a:t>)</a:t>
-            </a:r>
-            <a:endParaRPr lang="ru-RU" sz="2400" dirty="0">
-              <a:solidFill>
-                <a:srgbClr val="FFC000"/>
+                <a:srgbClr val="FF0000"/>
               </a:solidFill>
             </a:endParaRPr>
           </a:p>
@@ -12701,7 +12935,7 @@
     </p:spTree>
     <p:extLst>
       <p:ext uri="{BB962C8B-B14F-4D97-AF65-F5344CB8AC3E}">
-        <p14:creationId xmlns:p14="http://schemas.microsoft.com/office/powerpoint/2010/main" val="160060635"/>
+        <p14:creationId xmlns:p14="http://schemas.microsoft.com/office/powerpoint/2010/main" val="3579599750"/>
       </p:ext>
     </p:extLst>
   </p:cSld>
@@ -12740,6 +12974,281 @@
         </p:nvSpPr>
         <p:spPr>
           <a:xfrm>
+            <a:off x="838200" y="357447"/>
+            <a:ext cx="10515600" cy="5819516"/>
+          </a:xfrm>
+        </p:spPr>
+        <p:txBody>
+          <a:bodyPr/>
+          <a:lstStyle/>
+          <a:p>
+            <a:pPr marL="0" indent="0">
+              <a:buNone/>
+            </a:pPr>
+            <a:r>
+              <a:rPr lang="ru-RU" dirty="0"/>
+              <a:t>Удаление пар «</a:t>
+            </a:r>
+            <a:r>
+              <a:rPr lang="ru-RU" dirty="0" smtClean="0"/>
+              <a:t>ключ-значение»</a:t>
+            </a:r>
+          </a:p>
+          <a:p>
+            <a:pPr marL="0" indent="0">
+              <a:buNone/>
+            </a:pPr>
+            <a:r>
+              <a:rPr lang="en-US" sz="2400" dirty="0">
+                <a:solidFill>
+                  <a:srgbClr val="FF0000"/>
+                </a:solidFill>
+              </a:rPr>
+              <a:t>del alien_0['points</a:t>
+            </a:r>
+            <a:r>
+              <a:rPr lang="en-US" sz="2400" dirty="0" smtClean="0">
+                <a:solidFill>
+                  <a:srgbClr val="FF0000"/>
+                </a:solidFill>
+              </a:rPr>
+              <a:t>']</a:t>
+            </a:r>
+            <a:endParaRPr lang="ru-RU" sz="2400" dirty="0" smtClean="0">
+              <a:solidFill>
+                <a:srgbClr val="FF0000"/>
+              </a:solidFill>
+            </a:endParaRPr>
+          </a:p>
+          <a:p>
+            <a:pPr marL="0" indent="0">
+              <a:buNone/>
+            </a:pPr>
+            <a:r>
+              <a:rPr lang="en-US" sz="2400" dirty="0" smtClean="0">
+                <a:solidFill>
+                  <a:srgbClr val="00B050"/>
+                </a:solidFill>
+              </a:rPr>
+              <a:t>print(alien_0)</a:t>
+            </a:r>
+            <a:endParaRPr lang="ru-RU" sz="2400" dirty="0" smtClean="0">
+              <a:solidFill>
+                <a:srgbClr val="00B050"/>
+              </a:solidFill>
+            </a:endParaRPr>
+          </a:p>
+          <a:p>
+            <a:pPr marL="0" indent="0">
+              <a:buNone/>
+            </a:pPr>
+            <a:endParaRPr lang="ru-RU" sz="2400" dirty="0">
+              <a:solidFill>
+                <a:srgbClr val="00B050"/>
+              </a:solidFill>
+            </a:endParaRPr>
+          </a:p>
+          <a:p>
+            <a:pPr marL="0" indent="0">
+              <a:buNone/>
+            </a:pPr>
+            <a:r>
+              <a:rPr lang="ru-RU" sz="2400" dirty="0"/>
+              <a:t>Обращение к значениям методом </a:t>
+            </a:r>
+            <a:r>
+              <a:rPr lang="ru-RU" sz="2400" dirty="0" err="1"/>
+              <a:t>get</a:t>
+            </a:r>
+            <a:r>
+              <a:rPr lang="ru-RU" sz="2400" dirty="0" smtClean="0"/>
+              <a:t>()</a:t>
+            </a:r>
+          </a:p>
+          <a:p>
+            <a:pPr marL="0" indent="0">
+              <a:buNone/>
+            </a:pPr>
+            <a:r>
+              <a:rPr lang="en-US" sz="2400" dirty="0">
+                <a:solidFill>
+                  <a:srgbClr val="FF0000"/>
+                </a:solidFill>
+              </a:rPr>
+              <a:t>alien_0 = {'color': 'green', 'speed': 'slow'} </a:t>
+            </a:r>
+            <a:endParaRPr lang="ru-RU" sz="2400" dirty="0" smtClean="0">
+              <a:solidFill>
+                <a:srgbClr val="FF0000"/>
+              </a:solidFill>
+            </a:endParaRPr>
+          </a:p>
+          <a:p>
+            <a:pPr marL="0" indent="0">
+              <a:buNone/>
+            </a:pPr>
+            <a:r>
+              <a:rPr lang="en-US" sz="2400" dirty="0" smtClean="0">
+                <a:solidFill>
+                  <a:srgbClr val="00B050"/>
+                </a:solidFill>
+              </a:rPr>
+              <a:t>print(alien_0</a:t>
+            </a:r>
+            <a:r>
+              <a:rPr lang="en-US" sz="2400" dirty="0">
+                <a:solidFill>
+                  <a:srgbClr val="00B050"/>
+                </a:solidFill>
+              </a:rPr>
+              <a:t>['points</a:t>
+            </a:r>
+            <a:r>
+              <a:rPr lang="en-US" sz="2400" dirty="0" smtClean="0">
+                <a:solidFill>
+                  <a:srgbClr val="00B050"/>
+                </a:solidFill>
+              </a:rPr>
+              <a:t>'])</a:t>
+            </a:r>
+            <a:endParaRPr lang="ru-RU" sz="2400" dirty="0" smtClean="0">
+              <a:solidFill>
+                <a:srgbClr val="00B050"/>
+              </a:solidFill>
+            </a:endParaRPr>
+          </a:p>
+          <a:p>
+            <a:pPr marL="0" indent="0">
+              <a:buNone/>
+            </a:pPr>
+            <a:endParaRPr lang="ru-RU" sz="2400" dirty="0">
+              <a:solidFill>
+                <a:srgbClr val="00B050"/>
+              </a:solidFill>
+            </a:endParaRPr>
+          </a:p>
+          <a:p>
+            <a:pPr marL="0" indent="0">
+              <a:buNone/>
+            </a:pPr>
+            <a:endParaRPr lang="ru-RU" sz="2400" dirty="0" smtClean="0">
+              <a:solidFill>
+                <a:srgbClr val="00B050"/>
+              </a:solidFill>
+            </a:endParaRPr>
+          </a:p>
+          <a:p>
+            <a:pPr marL="0" indent="0">
+              <a:buNone/>
+            </a:pPr>
+            <a:r>
+              <a:rPr lang="en-US" sz="2400" dirty="0" err="1">
+                <a:solidFill>
+                  <a:srgbClr val="FFC000"/>
+                </a:solidFill>
+              </a:rPr>
+              <a:t>point_value</a:t>
+            </a:r>
+            <a:r>
+              <a:rPr lang="en-US" sz="2400" dirty="0">
+                <a:solidFill>
+                  <a:srgbClr val="FFC000"/>
+                </a:solidFill>
+              </a:rPr>
+              <a:t> = alien_0.get('points', 'No point value assigned</a:t>
+            </a:r>
+            <a:r>
+              <a:rPr lang="en-US" sz="2400" dirty="0" smtClean="0">
+                <a:solidFill>
+                  <a:srgbClr val="FFC000"/>
+                </a:solidFill>
+              </a:rPr>
+              <a:t>.')</a:t>
+            </a:r>
+            <a:endParaRPr lang="ru-RU" sz="2400" dirty="0" smtClean="0">
+              <a:solidFill>
+                <a:srgbClr val="FFC000"/>
+              </a:solidFill>
+            </a:endParaRPr>
+          </a:p>
+          <a:p>
+            <a:pPr marL="0" indent="0">
+              <a:buNone/>
+            </a:pPr>
+            <a:r>
+              <a:rPr lang="en-US" sz="2400" dirty="0" smtClean="0">
+                <a:solidFill>
+                  <a:srgbClr val="FFC000"/>
+                </a:solidFill>
+              </a:rPr>
+              <a:t>print(</a:t>
+            </a:r>
+            <a:r>
+              <a:rPr lang="en-US" sz="2400" dirty="0" err="1" smtClean="0">
+                <a:solidFill>
+                  <a:srgbClr val="FFC000"/>
+                </a:solidFill>
+              </a:rPr>
+              <a:t>point_value</a:t>
+            </a:r>
+            <a:r>
+              <a:rPr lang="en-US" sz="2400" dirty="0">
+                <a:solidFill>
+                  <a:srgbClr val="FFC000"/>
+                </a:solidFill>
+              </a:rPr>
+              <a:t>)</a:t>
+            </a:r>
+            <a:endParaRPr lang="ru-RU" sz="2400" dirty="0">
+              <a:solidFill>
+                <a:srgbClr val="FFC000"/>
+              </a:solidFill>
+            </a:endParaRPr>
+          </a:p>
+        </p:txBody>
+      </p:sp>
+    </p:spTree>
+    <p:extLst>
+      <p:ext uri="{BB962C8B-B14F-4D97-AF65-F5344CB8AC3E}">
+        <p14:creationId xmlns:p14="http://schemas.microsoft.com/office/powerpoint/2010/main" val="160060635"/>
+      </p:ext>
+    </p:extLst>
+  </p:cSld>
+  <p:clrMapOvr>
+    <a:masterClrMapping/>
+  </p:clrMapOvr>
+</p:sld>
+</file>
+
+<file path=ppt/slides/slide38.xml><?xml version="1.0" encoding="utf-8"?>
+<p:sld xmlns:a="http://schemas.openxmlformats.org/drawingml/2006/main" xmlns:r="http://schemas.openxmlformats.org/officeDocument/2006/relationships" xmlns:p="http://schemas.openxmlformats.org/presentationml/2006/main">
+  <p:cSld>
+    <p:spTree>
+      <p:nvGrpSpPr>
+        <p:cNvPr id="1" name=""/>
+        <p:cNvGrpSpPr/>
+        <p:nvPr/>
+      </p:nvGrpSpPr>
+      <p:grpSpPr>
+        <a:xfrm>
+          <a:off x="0" y="0"/>
+          <a:ext cx="0" cy="0"/>
+          <a:chOff x="0" y="0"/>
+          <a:chExt cx="0" cy="0"/>
+        </a:xfrm>
+      </p:grpSpPr>
+      <p:sp>
+        <p:nvSpPr>
+          <p:cNvPr id="3" name="Объект 2"/>
+          <p:cNvSpPr>
+            <a:spLocks noGrp="1"/>
+          </p:cNvSpPr>
+          <p:nvPr>
+            <p:ph idx="1"/>
+          </p:nvPr>
+        </p:nvSpPr>
+        <p:spPr>
+          <a:xfrm>
             <a:off x="838200" y="382385"/>
             <a:ext cx="10515600" cy="5794578"/>
           </a:xfrm>
@@ -13322,7 +13831,7 @@
 </p:sld>
 </file>
 
-<file path=ppt/slides/slide38.xml><?xml version="1.0" encoding="utf-8"?>
+<file path=ppt/slides/slide39.xml><?xml version="1.0" encoding="utf-8"?>
 <p:sld xmlns:a="http://schemas.openxmlformats.org/drawingml/2006/main" xmlns:r="http://schemas.openxmlformats.org/officeDocument/2006/relationships" xmlns:p="http://schemas.openxmlformats.org/presentationml/2006/main">
   <p:cSld>
     <p:spTree>
@@ -14335,11 +14844,6 @@
               </a:rPr>
               <a:t>списка</a:t>
             </a:r>
-            <a:endParaRPr lang="ru-RU" dirty="0">
-              <a:solidFill>
-                <a:srgbClr val="FF0000"/>
-              </a:solidFill>
-            </a:endParaRPr>
           </a:p>
         </p:txBody>
       </p:sp>
